--- a/docs/obrana/extreme-sports.pptx
+++ b/docs/obrana/extreme-sports.pptx
@@ -5,7 +5,7 @@
     <p:sldMasterId id="2147483870" r:id="rId1"/>
   </p:sldMasterIdLst>
   <p:notesMasterIdLst>
-    <p:notesMasterId r:id="rId12"/>
+    <p:notesMasterId r:id="rId30"/>
   </p:notesMasterIdLst>
   <p:sldIdLst>
     <p:sldId id="256" r:id="rId2"/>
@@ -14,10 +14,28 @@
     <p:sldId id="258" r:id="rId5"/>
     <p:sldId id="266" r:id="rId6"/>
     <p:sldId id="261" r:id="rId7"/>
-    <p:sldId id="265" r:id="rId8"/>
-    <p:sldId id="263" r:id="rId9"/>
-    <p:sldId id="264" r:id="rId10"/>
-    <p:sldId id="259" r:id="rId11"/>
+    <p:sldId id="276" r:id="rId8"/>
+    <p:sldId id="268" r:id="rId9"/>
+    <p:sldId id="277" r:id="rId10"/>
+    <p:sldId id="269" r:id="rId11"/>
+    <p:sldId id="278" r:id="rId12"/>
+    <p:sldId id="270" r:id="rId13"/>
+    <p:sldId id="279" r:id="rId14"/>
+    <p:sldId id="271" r:id="rId15"/>
+    <p:sldId id="280" r:id="rId16"/>
+    <p:sldId id="265" r:id="rId17"/>
+    <p:sldId id="281" r:id="rId18"/>
+    <p:sldId id="275" r:id="rId19"/>
+    <p:sldId id="282" r:id="rId20"/>
+    <p:sldId id="274" r:id="rId21"/>
+    <p:sldId id="283" r:id="rId22"/>
+    <p:sldId id="273" r:id="rId23"/>
+    <p:sldId id="284" r:id="rId24"/>
+    <p:sldId id="272" r:id="rId25"/>
+    <p:sldId id="285" r:id="rId26"/>
+    <p:sldId id="263" r:id="rId27"/>
+    <p:sldId id="264" r:id="rId28"/>
+    <p:sldId id="259" r:id="rId29"/>
   </p:sldIdLst>
   <p:sldSz cx="12192000" cy="6858000"/>
   <p:notesSz cx="6858000" cy="9144000"/>
@@ -116,6 +134,11 @@
       </a:defRPr>
     </a:lvl9pPr>
   </p:defaultTextStyle>
+  <p:extLst>
+    <p:ext uri="{EFAFB233-063F-42B5-8137-9DF3F51BA10A}">
+      <p15:sldGuideLst xmlns:p15="http://schemas.microsoft.com/office/powerpoint/2012/main"/>
+    </p:ext>
+  </p:extLst>
 </p:presentation>
 </file>
 
@@ -201,7 +224,7 @@
           <a:p>
             <a:fld id="{8C4617B0-7D09-4606-B586-C38458B832C1}" type="datetimeFigureOut">
               <a:rPr lang="hr-HR" smtClean="0"/>
-              <a:t>20.2.2021.</a:t>
+              <a:t>26.2.2021.</a:t>
             </a:fld>
             <a:endParaRPr lang="hr-HR"/>
           </a:p>
@@ -553,6 +576,1182 @@
 </p:notes>
 </file>
 
+<file path=ppt/notesSlides/notesSlide10.xml><?xml version="1.0" encoding="utf-8"?>
+<p:notes xmlns:a="http://schemas.openxmlformats.org/drawingml/2006/main" xmlns:r="http://schemas.openxmlformats.org/officeDocument/2006/relationships" xmlns:p="http://schemas.openxmlformats.org/presentationml/2006/main">
+  <p:cSld>
+    <p:spTree>
+      <p:nvGrpSpPr>
+        <p:cNvPr id="1" name=""/>
+        <p:cNvGrpSpPr/>
+        <p:nvPr/>
+      </p:nvGrpSpPr>
+      <p:grpSpPr>
+        <a:xfrm>
+          <a:off x="0" y="0"/>
+          <a:ext cx="0" cy="0"/>
+          <a:chOff x="0" y="0"/>
+          <a:chExt cx="0" cy="0"/>
+        </a:xfrm>
+      </p:grpSpPr>
+      <p:sp>
+        <p:nvSpPr>
+          <p:cNvPr id="2" name="Rezervirano mjesto slike slajda 1"/>
+          <p:cNvSpPr>
+            <a:spLocks noGrp="1" noRot="1" noChangeAspect="1"/>
+          </p:cNvSpPr>
+          <p:nvPr>
+            <p:ph type="sldImg"/>
+          </p:nvPr>
+        </p:nvSpPr>
+        <p:spPr/>
+      </p:sp>
+      <p:sp>
+        <p:nvSpPr>
+          <p:cNvPr id="3" name="Rezervirano mjesto bilježaka 2"/>
+          <p:cNvSpPr>
+            <a:spLocks noGrp="1"/>
+          </p:cNvSpPr>
+          <p:nvPr>
+            <p:ph type="body" idx="1"/>
+          </p:nvPr>
+        </p:nvSpPr>
+        <p:spPr/>
+        <p:txBody>
+          <a:bodyPr/>
+          <a:lstStyle/>
+          <a:p>
+            <a:endParaRPr lang="hr-HR" dirty="0"/>
+          </a:p>
+        </p:txBody>
+      </p:sp>
+      <p:sp>
+        <p:nvSpPr>
+          <p:cNvPr id="4" name="Rezervirano mjesto broja slajda 3"/>
+          <p:cNvSpPr>
+            <a:spLocks noGrp="1"/>
+          </p:cNvSpPr>
+          <p:nvPr>
+            <p:ph type="sldNum" sz="quarter" idx="10"/>
+          </p:nvPr>
+        </p:nvSpPr>
+        <p:spPr/>
+        <p:txBody>
+          <a:bodyPr/>
+          <a:lstStyle/>
+          <a:p>
+            <a:fld id="{0F0CC5B3-74C0-4006-9F49-3B32F179954A}" type="slidenum">
+              <a:rPr lang="hr-HR" smtClean="0"/>
+              <a:t>15</a:t>
+            </a:fld>
+            <a:endParaRPr lang="hr-HR"/>
+          </a:p>
+        </p:txBody>
+      </p:sp>
+    </p:spTree>
+    <p:extLst>
+      <p:ext uri="{BB962C8B-B14F-4D97-AF65-F5344CB8AC3E}">
+        <p14:creationId xmlns:p14="http://schemas.microsoft.com/office/powerpoint/2010/main" val="3749416703"/>
+      </p:ext>
+    </p:extLst>
+  </p:cSld>
+  <p:clrMapOvr>
+    <a:masterClrMapping/>
+  </p:clrMapOvr>
+</p:notes>
+</file>
+
+<file path=ppt/notesSlides/notesSlide11.xml><?xml version="1.0" encoding="utf-8"?>
+<p:notes xmlns:a="http://schemas.openxmlformats.org/drawingml/2006/main" xmlns:r="http://schemas.openxmlformats.org/officeDocument/2006/relationships" xmlns:p="http://schemas.openxmlformats.org/presentationml/2006/main">
+  <p:cSld>
+    <p:spTree>
+      <p:nvGrpSpPr>
+        <p:cNvPr id="1" name=""/>
+        <p:cNvGrpSpPr/>
+        <p:nvPr/>
+      </p:nvGrpSpPr>
+      <p:grpSpPr>
+        <a:xfrm>
+          <a:off x="0" y="0"/>
+          <a:ext cx="0" cy="0"/>
+          <a:chOff x="0" y="0"/>
+          <a:chExt cx="0" cy="0"/>
+        </a:xfrm>
+      </p:grpSpPr>
+      <p:sp>
+        <p:nvSpPr>
+          <p:cNvPr id="2" name="Rezervirano mjesto slike slajda 1"/>
+          <p:cNvSpPr>
+            <a:spLocks noGrp="1" noRot="1" noChangeAspect="1"/>
+          </p:cNvSpPr>
+          <p:nvPr>
+            <p:ph type="sldImg"/>
+          </p:nvPr>
+        </p:nvSpPr>
+        <p:spPr/>
+      </p:sp>
+      <p:sp>
+        <p:nvSpPr>
+          <p:cNvPr id="3" name="Rezervirano mjesto bilježaka 2"/>
+          <p:cNvSpPr>
+            <a:spLocks noGrp="1"/>
+          </p:cNvSpPr>
+          <p:nvPr>
+            <p:ph type="body" idx="1"/>
+          </p:nvPr>
+        </p:nvSpPr>
+        <p:spPr/>
+        <p:txBody>
+          <a:bodyPr/>
+          <a:lstStyle/>
+          <a:p>
+            <a:endParaRPr lang="hr-HR" dirty="0"/>
+          </a:p>
+        </p:txBody>
+      </p:sp>
+      <p:sp>
+        <p:nvSpPr>
+          <p:cNvPr id="4" name="Rezervirano mjesto broja slajda 3"/>
+          <p:cNvSpPr>
+            <a:spLocks noGrp="1"/>
+          </p:cNvSpPr>
+          <p:nvPr>
+            <p:ph type="sldNum" sz="quarter" idx="10"/>
+          </p:nvPr>
+        </p:nvSpPr>
+        <p:spPr/>
+        <p:txBody>
+          <a:bodyPr/>
+          <a:lstStyle/>
+          <a:p>
+            <a:fld id="{0F0CC5B3-74C0-4006-9F49-3B32F179954A}" type="slidenum">
+              <a:rPr lang="hr-HR" smtClean="0"/>
+              <a:t>17</a:t>
+            </a:fld>
+            <a:endParaRPr lang="hr-HR"/>
+          </a:p>
+        </p:txBody>
+      </p:sp>
+    </p:spTree>
+    <p:extLst>
+      <p:ext uri="{BB962C8B-B14F-4D97-AF65-F5344CB8AC3E}">
+        <p14:creationId xmlns:p14="http://schemas.microsoft.com/office/powerpoint/2010/main" val="2135084756"/>
+      </p:ext>
+    </p:extLst>
+  </p:cSld>
+  <p:clrMapOvr>
+    <a:masterClrMapping/>
+  </p:clrMapOvr>
+</p:notes>
+</file>
+
+<file path=ppt/notesSlides/notesSlide12.xml><?xml version="1.0" encoding="utf-8"?>
+<p:notes xmlns:a="http://schemas.openxmlformats.org/drawingml/2006/main" xmlns:r="http://schemas.openxmlformats.org/officeDocument/2006/relationships" xmlns:p="http://schemas.openxmlformats.org/presentationml/2006/main">
+  <p:cSld>
+    <p:spTree>
+      <p:nvGrpSpPr>
+        <p:cNvPr id="1" name=""/>
+        <p:cNvGrpSpPr/>
+        <p:nvPr/>
+      </p:nvGrpSpPr>
+      <p:grpSpPr>
+        <a:xfrm>
+          <a:off x="0" y="0"/>
+          <a:ext cx="0" cy="0"/>
+          <a:chOff x="0" y="0"/>
+          <a:chExt cx="0" cy="0"/>
+        </a:xfrm>
+      </p:grpSpPr>
+      <p:sp>
+        <p:nvSpPr>
+          <p:cNvPr id="2" name="Rezervirano mjesto slike slajda 1"/>
+          <p:cNvSpPr>
+            <a:spLocks noGrp="1" noRot="1" noChangeAspect="1"/>
+          </p:cNvSpPr>
+          <p:nvPr>
+            <p:ph type="sldImg"/>
+          </p:nvPr>
+        </p:nvSpPr>
+        <p:spPr/>
+      </p:sp>
+      <p:sp>
+        <p:nvSpPr>
+          <p:cNvPr id="3" name="Rezervirano mjesto bilježaka 2"/>
+          <p:cNvSpPr>
+            <a:spLocks noGrp="1"/>
+          </p:cNvSpPr>
+          <p:nvPr>
+            <p:ph type="body" idx="1"/>
+          </p:nvPr>
+        </p:nvSpPr>
+        <p:spPr/>
+        <p:txBody>
+          <a:bodyPr/>
+          <a:lstStyle/>
+          <a:p>
+            <a:endParaRPr lang="hr-HR" dirty="0"/>
+          </a:p>
+        </p:txBody>
+      </p:sp>
+      <p:sp>
+        <p:nvSpPr>
+          <p:cNvPr id="4" name="Rezervirano mjesto broja slajda 3"/>
+          <p:cNvSpPr>
+            <a:spLocks noGrp="1"/>
+          </p:cNvSpPr>
+          <p:nvPr>
+            <p:ph type="sldNum" sz="quarter" idx="10"/>
+          </p:nvPr>
+        </p:nvSpPr>
+        <p:spPr/>
+        <p:txBody>
+          <a:bodyPr/>
+          <a:lstStyle/>
+          <a:p>
+            <a:fld id="{0F0CC5B3-74C0-4006-9F49-3B32F179954A}" type="slidenum">
+              <a:rPr lang="hr-HR" smtClean="0"/>
+              <a:t>19</a:t>
+            </a:fld>
+            <a:endParaRPr lang="hr-HR"/>
+          </a:p>
+        </p:txBody>
+      </p:sp>
+    </p:spTree>
+    <p:extLst>
+      <p:ext uri="{BB962C8B-B14F-4D97-AF65-F5344CB8AC3E}">
+        <p14:creationId xmlns:p14="http://schemas.microsoft.com/office/powerpoint/2010/main" val="2416071131"/>
+      </p:ext>
+    </p:extLst>
+  </p:cSld>
+  <p:clrMapOvr>
+    <a:masterClrMapping/>
+  </p:clrMapOvr>
+</p:notes>
+</file>
+
+<file path=ppt/notesSlides/notesSlide13.xml><?xml version="1.0" encoding="utf-8"?>
+<p:notes xmlns:a="http://schemas.openxmlformats.org/drawingml/2006/main" xmlns:r="http://schemas.openxmlformats.org/officeDocument/2006/relationships" xmlns:p="http://schemas.openxmlformats.org/presentationml/2006/main">
+  <p:cSld>
+    <p:spTree>
+      <p:nvGrpSpPr>
+        <p:cNvPr id="1" name=""/>
+        <p:cNvGrpSpPr/>
+        <p:nvPr/>
+      </p:nvGrpSpPr>
+      <p:grpSpPr>
+        <a:xfrm>
+          <a:off x="0" y="0"/>
+          <a:ext cx="0" cy="0"/>
+          <a:chOff x="0" y="0"/>
+          <a:chExt cx="0" cy="0"/>
+        </a:xfrm>
+      </p:grpSpPr>
+      <p:sp>
+        <p:nvSpPr>
+          <p:cNvPr id="2" name="Rezervirano mjesto slike slajda 1"/>
+          <p:cNvSpPr>
+            <a:spLocks noGrp="1" noRot="1" noChangeAspect="1"/>
+          </p:cNvSpPr>
+          <p:nvPr>
+            <p:ph type="sldImg"/>
+          </p:nvPr>
+        </p:nvSpPr>
+        <p:spPr/>
+      </p:sp>
+      <p:sp>
+        <p:nvSpPr>
+          <p:cNvPr id="3" name="Rezervirano mjesto bilježaka 2"/>
+          <p:cNvSpPr>
+            <a:spLocks noGrp="1"/>
+          </p:cNvSpPr>
+          <p:nvPr>
+            <p:ph type="body" idx="1"/>
+          </p:nvPr>
+        </p:nvSpPr>
+        <p:spPr/>
+        <p:txBody>
+          <a:bodyPr/>
+          <a:lstStyle/>
+          <a:p>
+            <a:endParaRPr lang="hr-HR" dirty="0"/>
+          </a:p>
+        </p:txBody>
+      </p:sp>
+      <p:sp>
+        <p:nvSpPr>
+          <p:cNvPr id="4" name="Rezervirano mjesto broja slajda 3"/>
+          <p:cNvSpPr>
+            <a:spLocks noGrp="1"/>
+          </p:cNvSpPr>
+          <p:nvPr>
+            <p:ph type="sldNum" sz="quarter" idx="10"/>
+          </p:nvPr>
+        </p:nvSpPr>
+        <p:spPr/>
+        <p:txBody>
+          <a:bodyPr/>
+          <a:lstStyle/>
+          <a:p>
+            <a:fld id="{0F0CC5B3-74C0-4006-9F49-3B32F179954A}" type="slidenum">
+              <a:rPr lang="hr-HR" smtClean="0"/>
+              <a:t>21</a:t>
+            </a:fld>
+            <a:endParaRPr lang="hr-HR"/>
+          </a:p>
+        </p:txBody>
+      </p:sp>
+    </p:spTree>
+    <p:extLst>
+      <p:ext uri="{BB962C8B-B14F-4D97-AF65-F5344CB8AC3E}">
+        <p14:creationId xmlns:p14="http://schemas.microsoft.com/office/powerpoint/2010/main" val="3317275821"/>
+      </p:ext>
+    </p:extLst>
+  </p:cSld>
+  <p:clrMapOvr>
+    <a:masterClrMapping/>
+  </p:clrMapOvr>
+</p:notes>
+</file>
+
+<file path=ppt/notesSlides/notesSlide14.xml><?xml version="1.0" encoding="utf-8"?>
+<p:notes xmlns:a="http://schemas.openxmlformats.org/drawingml/2006/main" xmlns:r="http://schemas.openxmlformats.org/officeDocument/2006/relationships" xmlns:p="http://schemas.openxmlformats.org/presentationml/2006/main">
+  <p:cSld>
+    <p:spTree>
+      <p:nvGrpSpPr>
+        <p:cNvPr id="1" name=""/>
+        <p:cNvGrpSpPr/>
+        <p:nvPr/>
+      </p:nvGrpSpPr>
+      <p:grpSpPr>
+        <a:xfrm>
+          <a:off x="0" y="0"/>
+          <a:ext cx="0" cy="0"/>
+          <a:chOff x="0" y="0"/>
+          <a:chExt cx="0" cy="0"/>
+        </a:xfrm>
+      </p:grpSpPr>
+      <p:sp>
+        <p:nvSpPr>
+          <p:cNvPr id="2" name="Rezervirano mjesto slike slajda 1"/>
+          <p:cNvSpPr>
+            <a:spLocks noGrp="1" noRot="1" noChangeAspect="1"/>
+          </p:cNvSpPr>
+          <p:nvPr>
+            <p:ph type="sldImg"/>
+          </p:nvPr>
+        </p:nvSpPr>
+        <p:spPr/>
+      </p:sp>
+      <p:sp>
+        <p:nvSpPr>
+          <p:cNvPr id="3" name="Rezervirano mjesto bilježaka 2"/>
+          <p:cNvSpPr>
+            <a:spLocks noGrp="1"/>
+          </p:cNvSpPr>
+          <p:nvPr>
+            <p:ph type="body" idx="1"/>
+          </p:nvPr>
+        </p:nvSpPr>
+        <p:spPr/>
+        <p:txBody>
+          <a:bodyPr/>
+          <a:lstStyle/>
+          <a:p>
+            <a:endParaRPr lang="hr-HR" dirty="0"/>
+          </a:p>
+        </p:txBody>
+      </p:sp>
+      <p:sp>
+        <p:nvSpPr>
+          <p:cNvPr id="4" name="Rezervirano mjesto broja slajda 3"/>
+          <p:cNvSpPr>
+            <a:spLocks noGrp="1"/>
+          </p:cNvSpPr>
+          <p:nvPr>
+            <p:ph type="sldNum" sz="quarter" idx="10"/>
+          </p:nvPr>
+        </p:nvSpPr>
+        <p:spPr/>
+        <p:txBody>
+          <a:bodyPr/>
+          <a:lstStyle/>
+          <a:p>
+            <a:fld id="{0F0CC5B3-74C0-4006-9F49-3B32F179954A}" type="slidenum">
+              <a:rPr lang="hr-HR" smtClean="0"/>
+              <a:t>23</a:t>
+            </a:fld>
+            <a:endParaRPr lang="hr-HR"/>
+          </a:p>
+        </p:txBody>
+      </p:sp>
+    </p:spTree>
+    <p:extLst>
+      <p:ext uri="{BB962C8B-B14F-4D97-AF65-F5344CB8AC3E}">
+        <p14:creationId xmlns:p14="http://schemas.microsoft.com/office/powerpoint/2010/main" val="4208125024"/>
+      </p:ext>
+    </p:extLst>
+  </p:cSld>
+  <p:clrMapOvr>
+    <a:masterClrMapping/>
+  </p:clrMapOvr>
+</p:notes>
+</file>
+
+<file path=ppt/notesSlides/notesSlide15.xml><?xml version="1.0" encoding="utf-8"?>
+<p:notes xmlns:a="http://schemas.openxmlformats.org/drawingml/2006/main" xmlns:r="http://schemas.openxmlformats.org/officeDocument/2006/relationships" xmlns:p="http://schemas.openxmlformats.org/presentationml/2006/main">
+  <p:cSld>
+    <p:spTree>
+      <p:nvGrpSpPr>
+        <p:cNvPr id="1" name=""/>
+        <p:cNvGrpSpPr/>
+        <p:nvPr/>
+      </p:nvGrpSpPr>
+      <p:grpSpPr>
+        <a:xfrm>
+          <a:off x="0" y="0"/>
+          <a:ext cx="0" cy="0"/>
+          <a:chOff x="0" y="0"/>
+          <a:chExt cx="0" cy="0"/>
+        </a:xfrm>
+      </p:grpSpPr>
+      <p:sp>
+        <p:nvSpPr>
+          <p:cNvPr id="2" name="Rezervirano mjesto slike slajda 1"/>
+          <p:cNvSpPr>
+            <a:spLocks noGrp="1" noRot="1" noChangeAspect="1"/>
+          </p:cNvSpPr>
+          <p:nvPr>
+            <p:ph type="sldImg"/>
+          </p:nvPr>
+        </p:nvSpPr>
+        <p:spPr/>
+      </p:sp>
+      <p:sp>
+        <p:nvSpPr>
+          <p:cNvPr id="3" name="Rezervirano mjesto bilježaka 2"/>
+          <p:cNvSpPr>
+            <a:spLocks noGrp="1"/>
+          </p:cNvSpPr>
+          <p:nvPr>
+            <p:ph type="body" idx="1"/>
+          </p:nvPr>
+        </p:nvSpPr>
+        <p:spPr/>
+        <p:txBody>
+          <a:bodyPr/>
+          <a:lstStyle/>
+          <a:p>
+            <a:endParaRPr lang="hr-HR" dirty="0"/>
+          </a:p>
+        </p:txBody>
+      </p:sp>
+      <p:sp>
+        <p:nvSpPr>
+          <p:cNvPr id="4" name="Rezervirano mjesto broja slajda 3"/>
+          <p:cNvSpPr>
+            <a:spLocks noGrp="1"/>
+          </p:cNvSpPr>
+          <p:nvPr>
+            <p:ph type="sldNum" sz="quarter" idx="10"/>
+          </p:nvPr>
+        </p:nvSpPr>
+        <p:spPr/>
+        <p:txBody>
+          <a:bodyPr/>
+          <a:lstStyle/>
+          <a:p>
+            <a:fld id="{0F0CC5B3-74C0-4006-9F49-3B32F179954A}" type="slidenum">
+              <a:rPr lang="hr-HR" smtClean="0"/>
+              <a:t>25</a:t>
+            </a:fld>
+            <a:endParaRPr lang="hr-HR"/>
+          </a:p>
+        </p:txBody>
+      </p:sp>
+    </p:spTree>
+    <p:extLst>
+      <p:ext uri="{BB962C8B-B14F-4D97-AF65-F5344CB8AC3E}">
+        <p14:creationId xmlns:p14="http://schemas.microsoft.com/office/powerpoint/2010/main" val="1961538744"/>
+      </p:ext>
+    </p:extLst>
+  </p:cSld>
+  <p:clrMapOvr>
+    <a:masterClrMapping/>
+  </p:clrMapOvr>
+</p:notes>
+</file>
+
+<file path=ppt/notesSlides/notesSlide2.xml><?xml version="1.0" encoding="utf-8"?>
+<p:notes xmlns:a="http://schemas.openxmlformats.org/drawingml/2006/main" xmlns:r="http://schemas.openxmlformats.org/officeDocument/2006/relationships" xmlns:p="http://schemas.openxmlformats.org/presentationml/2006/main">
+  <p:cSld>
+    <p:spTree>
+      <p:nvGrpSpPr>
+        <p:cNvPr id="1" name=""/>
+        <p:cNvGrpSpPr/>
+        <p:nvPr/>
+      </p:nvGrpSpPr>
+      <p:grpSpPr>
+        <a:xfrm>
+          <a:off x="0" y="0"/>
+          <a:ext cx="0" cy="0"/>
+          <a:chOff x="0" y="0"/>
+          <a:chExt cx="0" cy="0"/>
+        </a:xfrm>
+      </p:grpSpPr>
+      <p:sp>
+        <p:nvSpPr>
+          <p:cNvPr id="2" name="Rezervirano mjesto slike slajda 1"/>
+          <p:cNvSpPr>
+            <a:spLocks noGrp="1" noRot="1" noChangeAspect="1"/>
+          </p:cNvSpPr>
+          <p:nvPr>
+            <p:ph type="sldImg"/>
+          </p:nvPr>
+        </p:nvSpPr>
+        <p:spPr/>
+      </p:sp>
+      <p:sp>
+        <p:nvSpPr>
+          <p:cNvPr id="3" name="Rezervirano mjesto bilježaka 2"/>
+          <p:cNvSpPr>
+            <a:spLocks noGrp="1"/>
+          </p:cNvSpPr>
+          <p:nvPr>
+            <p:ph type="body" idx="1"/>
+          </p:nvPr>
+        </p:nvSpPr>
+        <p:spPr/>
+        <p:txBody>
+          <a:bodyPr/>
+          <a:lstStyle/>
+          <a:p>
+            <a:endParaRPr lang="hr-HR" dirty="0"/>
+          </a:p>
+        </p:txBody>
+      </p:sp>
+      <p:sp>
+        <p:nvSpPr>
+          <p:cNvPr id="4" name="Rezervirano mjesto broja slajda 3"/>
+          <p:cNvSpPr>
+            <a:spLocks noGrp="1"/>
+          </p:cNvSpPr>
+          <p:nvPr>
+            <p:ph type="sldNum" sz="quarter" idx="10"/>
+          </p:nvPr>
+        </p:nvSpPr>
+        <p:spPr/>
+        <p:txBody>
+          <a:bodyPr/>
+          <a:lstStyle/>
+          <a:p>
+            <a:fld id="{0F0CC5B3-74C0-4006-9F49-3B32F179954A}" type="slidenum">
+              <a:rPr lang="hr-HR" smtClean="0"/>
+              <a:t>7</a:t>
+            </a:fld>
+            <a:endParaRPr lang="hr-HR"/>
+          </a:p>
+        </p:txBody>
+      </p:sp>
+    </p:spTree>
+    <p:extLst>
+      <p:ext uri="{BB962C8B-B14F-4D97-AF65-F5344CB8AC3E}">
+        <p14:creationId xmlns:p14="http://schemas.microsoft.com/office/powerpoint/2010/main" val="448615451"/>
+      </p:ext>
+    </p:extLst>
+  </p:cSld>
+  <p:clrMapOvr>
+    <a:masterClrMapping/>
+  </p:clrMapOvr>
+</p:notes>
+</file>
+
+<file path=ppt/notesSlides/notesSlide3.xml><?xml version="1.0" encoding="utf-8"?>
+<p:notes xmlns:a="http://schemas.openxmlformats.org/drawingml/2006/main" xmlns:r="http://schemas.openxmlformats.org/officeDocument/2006/relationships" xmlns:p="http://schemas.openxmlformats.org/presentationml/2006/main">
+  <p:cSld>
+    <p:spTree>
+      <p:nvGrpSpPr>
+        <p:cNvPr id="1" name=""/>
+        <p:cNvGrpSpPr/>
+        <p:nvPr/>
+      </p:nvGrpSpPr>
+      <p:grpSpPr>
+        <a:xfrm>
+          <a:off x="0" y="0"/>
+          <a:ext cx="0" cy="0"/>
+          <a:chOff x="0" y="0"/>
+          <a:chExt cx="0" cy="0"/>
+        </a:xfrm>
+      </p:grpSpPr>
+      <p:sp>
+        <p:nvSpPr>
+          <p:cNvPr id="2" name="Rezervirano mjesto slike slajda 1"/>
+          <p:cNvSpPr>
+            <a:spLocks noGrp="1" noRot="1" noChangeAspect="1"/>
+          </p:cNvSpPr>
+          <p:nvPr>
+            <p:ph type="sldImg"/>
+          </p:nvPr>
+        </p:nvSpPr>
+        <p:spPr/>
+      </p:sp>
+      <p:sp>
+        <p:nvSpPr>
+          <p:cNvPr id="3" name="Rezervirano mjesto bilježaka 2"/>
+          <p:cNvSpPr>
+            <a:spLocks noGrp="1"/>
+          </p:cNvSpPr>
+          <p:nvPr>
+            <p:ph type="body" idx="1"/>
+          </p:nvPr>
+        </p:nvSpPr>
+        <p:spPr/>
+        <p:txBody>
+          <a:bodyPr/>
+          <a:lstStyle/>
+          <a:p>
+            <a:endParaRPr lang="hr-HR" dirty="0"/>
+          </a:p>
+        </p:txBody>
+      </p:sp>
+      <p:sp>
+        <p:nvSpPr>
+          <p:cNvPr id="4" name="Rezervirano mjesto broja slajda 3"/>
+          <p:cNvSpPr>
+            <a:spLocks noGrp="1"/>
+          </p:cNvSpPr>
+          <p:nvPr>
+            <p:ph type="sldNum" sz="quarter" idx="10"/>
+          </p:nvPr>
+        </p:nvSpPr>
+        <p:spPr/>
+        <p:txBody>
+          <a:bodyPr/>
+          <a:lstStyle/>
+          <a:p>
+            <a:fld id="{0F0CC5B3-74C0-4006-9F49-3B32F179954A}" type="slidenum">
+              <a:rPr lang="hr-HR" smtClean="0"/>
+              <a:t>8</a:t>
+            </a:fld>
+            <a:endParaRPr lang="hr-HR"/>
+          </a:p>
+        </p:txBody>
+      </p:sp>
+    </p:spTree>
+    <p:extLst>
+      <p:ext uri="{BB962C8B-B14F-4D97-AF65-F5344CB8AC3E}">
+        <p14:creationId xmlns:p14="http://schemas.microsoft.com/office/powerpoint/2010/main" val="3967364693"/>
+      </p:ext>
+    </p:extLst>
+  </p:cSld>
+  <p:clrMapOvr>
+    <a:masterClrMapping/>
+  </p:clrMapOvr>
+</p:notes>
+</file>
+
+<file path=ppt/notesSlides/notesSlide4.xml><?xml version="1.0" encoding="utf-8"?>
+<p:notes xmlns:a="http://schemas.openxmlformats.org/drawingml/2006/main" xmlns:r="http://schemas.openxmlformats.org/officeDocument/2006/relationships" xmlns:p="http://schemas.openxmlformats.org/presentationml/2006/main">
+  <p:cSld>
+    <p:spTree>
+      <p:nvGrpSpPr>
+        <p:cNvPr id="1" name=""/>
+        <p:cNvGrpSpPr/>
+        <p:nvPr/>
+      </p:nvGrpSpPr>
+      <p:grpSpPr>
+        <a:xfrm>
+          <a:off x="0" y="0"/>
+          <a:ext cx="0" cy="0"/>
+          <a:chOff x="0" y="0"/>
+          <a:chExt cx="0" cy="0"/>
+        </a:xfrm>
+      </p:grpSpPr>
+      <p:sp>
+        <p:nvSpPr>
+          <p:cNvPr id="2" name="Rezervirano mjesto slike slajda 1"/>
+          <p:cNvSpPr>
+            <a:spLocks noGrp="1" noRot="1" noChangeAspect="1"/>
+          </p:cNvSpPr>
+          <p:nvPr>
+            <p:ph type="sldImg"/>
+          </p:nvPr>
+        </p:nvSpPr>
+        <p:spPr/>
+      </p:sp>
+      <p:sp>
+        <p:nvSpPr>
+          <p:cNvPr id="3" name="Rezervirano mjesto bilježaka 2"/>
+          <p:cNvSpPr>
+            <a:spLocks noGrp="1"/>
+          </p:cNvSpPr>
+          <p:nvPr>
+            <p:ph type="body" idx="1"/>
+          </p:nvPr>
+        </p:nvSpPr>
+        <p:spPr/>
+        <p:txBody>
+          <a:bodyPr/>
+          <a:lstStyle/>
+          <a:p>
+            <a:endParaRPr lang="hr-HR" dirty="0"/>
+          </a:p>
+        </p:txBody>
+      </p:sp>
+      <p:sp>
+        <p:nvSpPr>
+          <p:cNvPr id="4" name="Rezervirano mjesto broja slajda 3"/>
+          <p:cNvSpPr>
+            <a:spLocks noGrp="1"/>
+          </p:cNvSpPr>
+          <p:nvPr>
+            <p:ph type="sldNum" sz="quarter" idx="10"/>
+          </p:nvPr>
+        </p:nvSpPr>
+        <p:spPr/>
+        <p:txBody>
+          <a:bodyPr/>
+          <a:lstStyle/>
+          <a:p>
+            <a:fld id="{0F0CC5B3-74C0-4006-9F49-3B32F179954A}" type="slidenum">
+              <a:rPr lang="hr-HR" smtClean="0"/>
+              <a:t>9</a:t>
+            </a:fld>
+            <a:endParaRPr lang="hr-HR"/>
+          </a:p>
+        </p:txBody>
+      </p:sp>
+    </p:spTree>
+    <p:extLst>
+      <p:ext uri="{BB962C8B-B14F-4D97-AF65-F5344CB8AC3E}">
+        <p14:creationId xmlns:p14="http://schemas.microsoft.com/office/powerpoint/2010/main" val="1257058422"/>
+      </p:ext>
+    </p:extLst>
+  </p:cSld>
+  <p:clrMapOvr>
+    <a:masterClrMapping/>
+  </p:clrMapOvr>
+</p:notes>
+</file>
+
+<file path=ppt/notesSlides/notesSlide5.xml><?xml version="1.0" encoding="utf-8"?>
+<p:notes xmlns:a="http://schemas.openxmlformats.org/drawingml/2006/main" xmlns:r="http://schemas.openxmlformats.org/officeDocument/2006/relationships" xmlns:p="http://schemas.openxmlformats.org/presentationml/2006/main">
+  <p:cSld>
+    <p:spTree>
+      <p:nvGrpSpPr>
+        <p:cNvPr id="1" name=""/>
+        <p:cNvGrpSpPr/>
+        <p:nvPr/>
+      </p:nvGrpSpPr>
+      <p:grpSpPr>
+        <a:xfrm>
+          <a:off x="0" y="0"/>
+          <a:ext cx="0" cy="0"/>
+          <a:chOff x="0" y="0"/>
+          <a:chExt cx="0" cy="0"/>
+        </a:xfrm>
+      </p:grpSpPr>
+      <p:sp>
+        <p:nvSpPr>
+          <p:cNvPr id="2" name="Rezervirano mjesto slike slajda 1"/>
+          <p:cNvSpPr>
+            <a:spLocks noGrp="1" noRot="1" noChangeAspect="1"/>
+          </p:cNvSpPr>
+          <p:nvPr>
+            <p:ph type="sldImg"/>
+          </p:nvPr>
+        </p:nvSpPr>
+        <p:spPr/>
+      </p:sp>
+      <p:sp>
+        <p:nvSpPr>
+          <p:cNvPr id="3" name="Rezervirano mjesto bilježaka 2"/>
+          <p:cNvSpPr>
+            <a:spLocks noGrp="1"/>
+          </p:cNvSpPr>
+          <p:nvPr>
+            <p:ph type="body" idx="1"/>
+          </p:nvPr>
+        </p:nvSpPr>
+        <p:spPr/>
+        <p:txBody>
+          <a:bodyPr/>
+          <a:lstStyle/>
+          <a:p>
+            <a:endParaRPr lang="hr-HR" dirty="0"/>
+          </a:p>
+        </p:txBody>
+      </p:sp>
+      <p:sp>
+        <p:nvSpPr>
+          <p:cNvPr id="4" name="Rezervirano mjesto broja slajda 3"/>
+          <p:cNvSpPr>
+            <a:spLocks noGrp="1"/>
+          </p:cNvSpPr>
+          <p:nvPr>
+            <p:ph type="sldNum" sz="quarter" idx="10"/>
+          </p:nvPr>
+        </p:nvSpPr>
+        <p:spPr/>
+        <p:txBody>
+          <a:bodyPr/>
+          <a:lstStyle/>
+          <a:p>
+            <a:fld id="{0F0CC5B3-74C0-4006-9F49-3B32F179954A}" type="slidenum">
+              <a:rPr lang="hr-HR" smtClean="0"/>
+              <a:t>10</a:t>
+            </a:fld>
+            <a:endParaRPr lang="hr-HR"/>
+          </a:p>
+        </p:txBody>
+      </p:sp>
+    </p:spTree>
+    <p:extLst>
+      <p:ext uri="{BB962C8B-B14F-4D97-AF65-F5344CB8AC3E}">
+        <p14:creationId xmlns:p14="http://schemas.microsoft.com/office/powerpoint/2010/main" val="120294807"/>
+      </p:ext>
+    </p:extLst>
+  </p:cSld>
+  <p:clrMapOvr>
+    <a:masterClrMapping/>
+  </p:clrMapOvr>
+</p:notes>
+</file>
+
+<file path=ppt/notesSlides/notesSlide6.xml><?xml version="1.0" encoding="utf-8"?>
+<p:notes xmlns:a="http://schemas.openxmlformats.org/drawingml/2006/main" xmlns:r="http://schemas.openxmlformats.org/officeDocument/2006/relationships" xmlns:p="http://schemas.openxmlformats.org/presentationml/2006/main">
+  <p:cSld>
+    <p:spTree>
+      <p:nvGrpSpPr>
+        <p:cNvPr id="1" name=""/>
+        <p:cNvGrpSpPr/>
+        <p:nvPr/>
+      </p:nvGrpSpPr>
+      <p:grpSpPr>
+        <a:xfrm>
+          <a:off x="0" y="0"/>
+          <a:ext cx="0" cy="0"/>
+          <a:chOff x="0" y="0"/>
+          <a:chExt cx="0" cy="0"/>
+        </a:xfrm>
+      </p:grpSpPr>
+      <p:sp>
+        <p:nvSpPr>
+          <p:cNvPr id="2" name="Rezervirano mjesto slike slajda 1"/>
+          <p:cNvSpPr>
+            <a:spLocks noGrp="1" noRot="1" noChangeAspect="1"/>
+          </p:cNvSpPr>
+          <p:nvPr>
+            <p:ph type="sldImg"/>
+          </p:nvPr>
+        </p:nvSpPr>
+        <p:spPr/>
+      </p:sp>
+      <p:sp>
+        <p:nvSpPr>
+          <p:cNvPr id="3" name="Rezervirano mjesto bilježaka 2"/>
+          <p:cNvSpPr>
+            <a:spLocks noGrp="1"/>
+          </p:cNvSpPr>
+          <p:nvPr>
+            <p:ph type="body" idx="1"/>
+          </p:nvPr>
+        </p:nvSpPr>
+        <p:spPr/>
+        <p:txBody>
+          <a:bodyPr/>
+          <a:lstStyle/>
+          <a:p>
+            <a:endParaRPr lang="hr-HR" dirty="0"/>
+          </a:p>
+        </p:txBody>
+      </p:sp>
+      <p:sp>
+        <p:nvSpPr>
+          <p:cNvPr id="4" name="Rezervirano mjesto broja slajda 3"/>
+          <p:cNvSpPr>
+            <a:spLocks noGrp="1"/>
+          </p:cNvSpPr>
+          <p:nvPr>
+            <p:ph type="sldNum" sz="quarter" idx="10"/>
+          </p:nvPr>
+        </p:nvSpPr>
+        <p:spPr/>
+        <p:txBody>
+          <a:bodyPr/>
+          <a:lstStyle/>
+          <a:p>
+            <a:fld id="{0F0CC5B3-74C0-4006-9F49-3B32F179954A}" type="slidenum">
+              <a:rPr lang="hr-HR" smtClean="0"/>
+              <a:t>11</a:t>
+            </a:fld>
+            <a:endParaRPr lang="hr-HR"/>
+          </a:p>
+        </p:txBody>
+      </p:sp>
+    </p:spTree>
+    <p:extLst>
+      <p:ext uri="{BB962C8B-B14F-4D97-AF65-F5344CB8AC3E}">
+        <p14:creationId xmlns:p14="http://schemas.microsoft.com/office/powerpoint/2010/main" val="1423535878"/>
+      </p:ext>
+    </p:extLst>
+  </p:cSld>
+  <p:clrMapOvr>
+    <a:masterClrMapping/>
+  </p:clrMapOvr>
+</p:notes>
+</file>
+
+<file path=ppt/notesSlides/notesSlide7.xml><?xml version="1.0" encoding="utf-8"?>
+<p:notes xmlns:a="http://schemas.openxmlformats.org/drawingml/2006/main" xmlns:r="http://schemas.openxmlformats.org/officeDocument/2006/relationships" xmlns:p="http://schemas.openxmlformats.org/presentationml/2006/main">
+  <p:cSld>
+    <p:spTree>
+      <p:nvGrpSpPr>
+        <p:cNvPr id="1" name=""/>
+        <p:cNvGrpSpPr/>
+        <p:nvPr/>
+      </p:nvGrpSpPr>
+      <p:grpSpPr>
+        <a:xfrm>
+          <a:off x="0" y="0"/>
+          <a:ext cx="0" cy="0"/>
+          <a:chOff x="0" y="0"/>
+          <a:chExt cx="0" cy="0"/>
+        </a:xfrm>
+      </p:grpSpPr>
+      <p:sp>
+        <p:nvSpPr>
+          <p:cNvPr id="2" name="Rezervirano mjesto slike slajda 1"/>
+          <p:cNvSpPr>
+            <a:spLocks noGrp="1" noRot="1" noChangeAspect="1"/>
+          </p:cNvSpPr>
+          <p:nvPr>
+            <p:ph type="sldImg"/>
+          </p:nvPr>
+        </p:nvSpPr>
+        <p:spPr/>
+      </p:sp>
+      <p:sp>
+        <p:nvSpPr>
+          <p:cNvPr id="3" name="Rezervirano mjesto bilježaka 2"/>
+          <p:cNvSpPr>
+            <a:spLocks noGrp="1"/>
+          </p:cNvSpPr>
+          <p:nvPr>
+            <p:ph type="body" idx="1"/>
+          </p:nvPr>
+        </p:nvSpPr>
+        <p:spPr/>
+        <p:txBody>
+          <a:bodyPr/>
+          <a:lstStyle/>
+          <a:p>
+            <a:endParaRPr lang="hr-HR" dirty="0"/>
+          </a:p>
+        </p:txBody>
+      </p:sp>
+      <p:sp>
+        <p:nvSpPr>
+          <p:cNvPr id="4" name="Rezervirano mjesto broja slajda 3"/>
+          <p:cNvSpPr>
+            <a:spLocks noGrp="1"/>
+          </p:cNvSpPr>
+          <p:nvPr>
+            <p:ph type="sldNum" sz="quarter" idx="10"/>
+          </p:nvPr>
+        </p:nvSpPr>
+        <p:spPr/>
+        <p:txBody>
+          <a:bodyPr/>
+          <a:lstStyle/>
+          <a:p>
+            <a:fld id="{0F0CC5B3-74C0-4006-9F49-3B32F179954A}" type="slidenum">
+              <a:rPr lang="hr-HR" smtClean="0"/>
+              <a:t>12</a:t>
+            </a:fld>
+            <a:endParaRPr lang="hr-HR"/>
+          </a:p>
+        </p:txBody>
+      </p:sp>
+    </p:spTree>
+    <p:extLst>
+      <p:ext uri="{BB962C8B-B14F-4D97-AF65-F5344CB8AC3E}">
+        <p14:creationId xmlns:p14="http://schemas.microsoft.com/office/powerpoint/2010/main" val="852677968"/>
+      </p:ext>
+    </p:extLst>
+  </p:cSld>
+  <p:clrMapOvr>
+    <a:masterClrMapping/>
+  </p:clrMapOvr>
+</p:notes>
+</file>
+
+<file path=ppt/notesSlides/notesSlide8.xml><?xml version="1.0" encoding="utf-8"?>
+<p:notes xmlns:a="http://schemas.openxmlformats.org/drawingml/2006/main" xmlns:r="http://schemas.openxmlformats.org/officeDocument/2006/relationships" xmlns:p="http://schemas.openxmlformats.org/presentationml/2006/main">
+  <p:cSld>
+    <p:spTree>
+      <p:nvGrpSpPr>
+        <p:cNvPr id="1" name=""/>
+        <p:cNvGrpSpPr/>
+        <p:nvPr/>
+      </p:nvGrpSpPr>
+      <p:grpSpPr>
+        <a:xfrm>
+          <a:off x="0" y="0"/>
+          <a:ext cx="0" cy="0"/>
+          <a:chOff x="0" y="0"/>
+          <a:chExt cx="0" cy="0"/>
+        </a:xfrm>
+      </p:grpSpPr>
+      <p:sp>
+        <p:nvSpPr>
+          <p:cNvPr id="2" name="Rezervirano mjesto slike slajda 1"/>
+          <p:cNvSpPr>
+            <a:spLocks noGrp="1" noRot="1" noChangeAspect="1"/>
+          </p:cNvSpPr>
+          <p:nvPr>
+            <p:ph type="sldImg"/>
+          </p:nvPr>
+        </p:nvSpPr>
+        <p:spPr/>
+      </p:sp>
+      <p:sp>
+        <p:nvSpPr>
+          <p:cNvPr id="3" name="Rezervirano mjesto bilježaka 2"/>
+          <p:cNvSpPr>
+            <a:spLocks noGrp="1"/>
+          </p:cNvSpPr>
+          <p:nvPr>
+            <p:ph type="body" idx="1"/>
+          </p:nvPr>
+        </p:nvSpPr>
+        <p:spPr/>
+        <p:txBody>
+          <a:bodyPr/>
+          <a:lstStyle/>
+          <a:p>
+            <a:endParaRPr lang="hr-HR" dirty="0"/>
+          </a:p>
+        </p:txBody>
+      </p:sp>
+      <p:sp>
+        <p:nvSpPr>
+          <p:cNvPr id="4" name="Rezervirano mjesto broja slajda 3"/>
+          <p:cNvSpPr>
+            <a:spLocks noGrp="1"/>
+          </p:cNvSpPr>
+          <p:nvPr>
+            <p:ph type="sldNum" sz="quarter" idx="10"/>
+          </p:nvPr>
+        </p:nvSpPr>
+        <p:spPr/>
+        <p:txBody>
+          <a:bodyPr/>
+          <a:lstStyle/>
+          <a:p>
+            <a:fld id="{0F0CC5B3-74C0-4006-9F49-3B32F179954A}" type="slidenum">
+              <a:rPr lang="hr-HR" smtClean="0"/>
+              <a:t>13</a:t>
+            </a:fld>
+            <a:endParaRPr lang="hr-HR"/>
+          </a:p>
+        </p:txBody>
+      </p:sp>
+    </p:spTree>
+    <p:extLst>
+      <p:ext uri="{BB962C8B-B14F-4D97-AF65-F5344CB8AC3E}">
+        <p14:creationId xmlns:p14="http://schemas.microsoft.com/office/powerpoint/2010/main" val="3148666815"/>
+      </p:ext>
+    </p:extLst>
+  </p:cSld>
+  <p:clrMapOvr>
+    <a:masterClrMapping/>
+  </p:clrMapOvr>
+</p:notes>
+</file>
+
+<file path=ppt/notesSlides/notesSlide9.xml><?xml version="1.0" encoding="utf-8"?>
+<p:notes xmlns:a="http://schemas.openxmlformats.org/drawingml/2006/main" xmlns:r="http://schemas.openxmlformats.org/officeDocument/2006/relationships" xmlns:p="http://schemas.openxmlformats.org/presentationml/2006/main">
+  <p:cSld>
+    <p:spTree>
+      <p:nvGrpSpPr>
+        <p:cNvPr id="1" name=""/>
+        <p:cNvGrpSpPr/>
+        <p:nvPr/>
+      </p:nvGrpSpPr>
+      <p:grpSpPr>
+        <a:xfrm>
+          <a:off x="0" y="0"/>
+          <a:ext cx="0" cy="0"/>
+          <a:chOff x="0" y="0"/>
+          <a:chExt cx="0" cy="0"/>
+        </a:xfrm>
+      </p:grpSpPr>
+      <p:sp>
+        <p:nvSpPr>
+          <p:cNvPr id="2" name="Rezervirano mjesto slike slajda 1"/>
+          <p:cNvSpPr>
+            <a:spLocks noGrp="1" noRot="1" noChangeAspect="1"/>
+          </p:cNvSpPr>
+          <p:nvPr>
+            <p:ph type="sldImg"/>
+          </p:nvPr>
+        </p:nvSpPr>
+        <p:spPr/>
+      </p:sp>
+      <p:sp>
+        <p:nvSpPr>
+          <p:cNvPr id="3" name="Rezervirano mjesto bilježaka 2"/>
+          <p:cNvSpPr>
+            <a:spLocks noGrp="1"/>
+          </p:cNvSpPr>
+          <p:nvPr>
+            <p:ph type="body" idx="1"/>
+          </p:nvPr>
+        </p:nvSpPr>
+        <p:spPr/>
+        <p:txBody>
+          <a:bodyPr/>
+          <a:lstStyle/>
+          <a:p>
+            <a:endParaRPr lang="hr-HR" dirty="0"/>
+          </a:p>
+        </p:txBody>
+      </p:sp>
+      <p:sp>
+        <p:nvSpPr>
+          <p:cNvPr id="4" name="Rezervirano mjesto broja slajda 3"/>
+          <p:cNvSpPr>
+            <a:spLocks noGrp="1"/>
+          </p:cNvSpPr>
+          <p:nvPr>
+            <p:ph type="sldNum" sz="quarter" idx="10"/>
+          </p:nvPr>
+        </p:nvSpPr>
+        <p:spPr/>
+        <p:txBody>
+          <a:bodyPr/>
+          <a:lstStyle/>
+          <a:p>
+            <a:fld id="{0F0CC5B3-74C0-4006-9F49-3B32F179954A}" type="slidenum">
+              <a:rPr lang="hr-HR" smtClean="0"/>
+              <a:t>14</a:t>
+            </a:fld>
+            <a:endParaRPr lang="hr-HR"/>
+          </a:p>
+        </p:txBody>
+      </p:sp>
+    </p:spTree>
+    <p:extLst>
+      <p:ext uri="{BB962C8B-B14F-4D97-AF65-F5344CB8AC3E}">
+        <p14:creationId xmlns:p14="http://schemas.microsoft.com/office/powerpoint/2010/main" val="212036856"/>
+      </p:ext>
+    </p:extLst>
+  </p:cSld>
+  <p:clrMapOvr>
+    <a:masterClrMapping/>
+  </p:clrMapOvr>
+</p:notes>
+</file>
+
 <file path=ppt/slideLayouts/slideLayout1.xml><?xml version="1.0" encoding="utf-8"?>
 <p:sldLayout xmlns:a="http://schemas.openxmlformats.org/drawingml/2006/main" xmlns:r="http://schemas.openxmlformats.org/officeDocument/2006/relationships" xmlns:p="http://schemas.openxmlformats.org/presentationml/2006/main" type="title" preserve="1">
   <p:cSld name="Naslovni slajd">
@@ -684,7 +1883,7 @@
           <a:p>
             <a:fld id="{E8D40097-94C1-4BE0-9237-802C653BF399}" type="datetimeFigureOut">
               <a:rPr lang="hr-HR" smtClean="0"/>
-              <a:t>20.2.2021.</a:t>
+              <a:t>26.2.2021.</a:t>
             </a:fld>
             <a:endParaRPr lang="hr-HR"/>
           </a:p>
@@ -854,7 +2053,7 @@
           <a:p>
             <a:fld id="{E8D40097-94C1-4BE0-9237-802C653BF399}" type="datetimeFigureOut">
               <a:rPr lang="hr-HR" smtClean="0"/>
-              <a:t>20.2.2021.</a:t>
+              <a:t>26.2.2021.</a:t>
             </a:fld>
             <a:endParaRPr lang="hr-HR"/>
           </a:p>
@@ -1034,7 +2233,7 @@
           <a:p>
             <a:fld id="{E8D40097-94C1-4BE0-9237-802C653BF399}" type="datetimeFigureOut">
               <a:rPr lang="hr-HR" smtClean="0"/>
-              <a:t>20.2.2021.</a:t>
+              <a:t>26.2.2021.</a:t>
             </a:fld>
             <a:endParaRPr lang="hr-HR"/>
           </a:p>
@@ -1204,7 +2403,7 @@
           <a:p>
             <a:fld id="{E8D40097-94C1-4BE0-9237-802C653BF399}" type="datetimeFigureOut">
               <a:rPr lang="hr-HR" smtClean="0"/>
-              <a:t>20.2.2021.</a:t>
+              <a:t>26.2.2021.</a:t>
             </a:fld>
             <a:endParaRPr lang="hr-HR"/>
           </a:p>
@@ -1450,7 +2649,7 @@
           <a:p>
             <a:fld id="{E8D40097-94C1-4BE0-9237-802C653BF399}" type="datetimeFigureOut">
               <a:rPr lang="hr-HR" smtClean="0"/>
-              <a:t>20.2.2021.</a:t>
+              <a:t>26.2.2021.</a:t>
             </a:fld>
             <a:endParaRPr lang="hr-HR"/>
           </a:p>
@@ -1682,7 +2881,7 @@
           <a:p>
             <a:fld id="{E8D40097-94C1-4BE0-9237-802C653BF399}" type="datetimeFigureOut">
               <a:rPr lang="hr-HR" smtClean="0"/>
-              <a:t>20.2.2021.</a:t>
+              <a:t>26.2.2021.</a:t>
             </a:fld>
             <a:endParaRPr lang="hr-HR"/>
           </a:p>
@@ -2049,7 +3248,7 @@
           <a:p>
             <a:fld id="{E8D40097-94C1-4BE0-9237-802C653BF399}" type="datetimeFigureOut">
               <a:rPr lang="hr-HR" smtClean="0"/>
-              <a:t>20.2.2021.</a:t>
+              <a:t>26.2.2021.</a:t>
             </a:fld>
             <a:endParaRPr lang="hr-HR"/>
           </a:p>
@@ -2167,7 +3366,7 @@
           <a:p>
             <a:fld id="{E8D40097-94C1-4BE0-9237-802C653BF399}" type="datetimeFigureOut">
               <a:rPr lang="hr-HR" smtClean="0"/>
-              <a:t>20.2.2021.</a:t>
+              <a:t>26.2.2021.</a:t>
             </a:fld>
             <a:endParaRPr lang="hr-HR"/>
           </a:p>
@@ -2262,7 +3461,7 @@
           <a:p>
             <a:fld id="{E8D40097-94C1-4BE0-9237-802C653BF399}" type="datetimeFigureOut">
               <a:rPr lang="hr-HR" smtClean="0"/>
-              <a:t>20.2.2021.</a:t>
+              <a:t>26.2.2021.</a:t>
             </a:fld>
             <a:endParaRPr lang="hr-HR"/>
           </a:p>
@@ -2539,7 +3738,7 @@
           <a:p>
             <a:fld id="{E8D40097-94C1-4BE0-9237-802C653BF399}" type="datetimeFigureOut">
               <a:rPr lang="hr-HR" smtClean="0"/>
-              <a:t>20.2.2021.</a:t>
+              <a:t>26.2.2021.</a:t>
             </a:fld>
             <a:endParaRPr lang="hr-HR"/>
           </a:p>
@@ -2792,7 +3991,7 @@
           <a:p>
             <a:fld id="{E8D40097-94C1-4BE0-9237-802C653BF399}" type="datetimeFigureOut">
               <a:rPr lang="hr-HR" smtClean="0"/>
-              <a:t>20.2.2021.</a:t>
+              <a:t>26.2.2021.</a:t>
             </a:fld>
             <a:endParaRPr lang="hr-HR"/>
           </a:p>
@@ -3008,7 +4207,7 @@
           <a:p>
             <a:fld id="{E8D40097-94C1-4BE0-9237-802C653BF399}" type="datetimeFigureOut">
               <a:rPr lang="hr-HR" smtClean="0"/>
-              <a:t>20.2.2021.</a:t>
+              <a:t>26.2.2021.</a:t>
             </a:fld>
             <a:endParaRPr lang="hr-HR"/>
           </a:p>
@@ -3742,65 +4941,153 @@
           <a:chExt cx="0" cy="0"/>
         </a:xfrm>
       </p:grpSpPr>
-      <p:pic>
-        <p:nvPicPr>
-          <p:cNvPr id="5" name="Slika 4"/>
-          <p:cNvPicPr>
-            <a:picLocks/>
-          </p:cNvPicPr>
-          <p:nvPr/>
-        </p:nvPicPr>
-        <p:blipFill>
-          <a:blip r:embed="rId2" cstate="print">
-            <a:extLst>
-              <a:ext uri="{28A0092B-C50C-407E-A947-70E740481C1C}">
-                <a14:useLocalDpi xmlns:a14="http://schemas.microsoft.com/office/drawing/2010/main" val="0"/>
-              </a:ext>
-            </a:extLst>
-          </a:blip>
-          <a:stretch>
-            <a:fillRect/>
-          </a:stretch>
-        </p:blipFill>
-        <p:spPr>
-          <a:xfrm>
-            <a:off x="0" y="1122364"/>
-            <a:ext cx="12192000" cy="5735636"/>
-          </a:xfrm>
-          <a:prstGeom prst="rect">
-            <a:avLst/>
-          </a:prstGeom>
-          <a:noFill/>
-          <a:ln>
-            <a:noFill/>
-          </a:ln>
-          <a:effectLst>
-            <a:softEdge rad="0"/>
-          </a:effectLst>
-        </p:spPr>
-      </p:pic>
-      <p:sp>
-        <p:nvSpPr>
-          <p:cNvPr id="6" name="Pravokutnik 5"/>
+      <p:sp>
+        <p:nvSpPr>
+          <p:cNvPr id="3" name="Rezervirano mjesto sadržaja 2"/>
+          <p:cNvSpPr>
+            <a:spLocks noGrp="1"/>
+          </p:cNvSpPr>
+          <p:nvPr>
+            <p:ph idx="1"/>
+          </p:nvPr>
+        </p:nvSpPr>
+        <p:spPr>
+          <a:xfrm>
+            <a:off x="838200" y="2748805"/>
+            <a:ext cx="10515600" cy="4351338"/>
+          </a:xfrm>
+        </p:spPr>
+        <p:txBody>
+          <a:bodyPr>
+            <a:normAutofit/>
+          </a:bodyPr>
+          <a:lstStyle/>
+          <a:p>
+            <a:pPr marL="514350" indent="-514350">
+              <a:buClr>
+                <a:srgbClr val="0066CC"/>
+              </a:buClr>
+              <a:buFont typeface="+mj-lt"/>
+              <a:buAutoNum type="arabicPeriod"/>
+            </a:pPr>
+            <a:endParaRPr lang="hr-HR" dirty="0" smtClean="0">
+              <a:latin typeface="Coda" panose="020B0500000000000004" pitchFamily="34" charset="0"/>
+            </a:endParaRPr>
+          </a:p>
+          <a:p>
+            <a:pPr marL="514350" indent="-514350">
+              <a:buClr>
+                <a:srgbClr val="0066CC"/>
+              </a:buClr>
+              <a:buFont typeface="+mj-lt"/>
+              <a:buAutoNum type="arabicPeriod"/>
+            </a:pPr>
+            <a:r>
+              <a:rPr lang="hr-HR" dirty="0" smtClean="0">
+                <a:latin typeface="Coda" panose="020B0500000000000004" pitchFamily="34" charset="0"/>
+              </a:rPr>
+              <a:t>Podudaranje stvarnog svijeta sa sustavom</a:t>
+            </a:r>
+          </a:p>
+          <a:p>
+            <a:pPr marL="514350" indent="-514350">
+              <a:buClr>
+                <a:srgbClr val="0066CC"/>
+              </a:buClr>
+              <a:buFont typeface="+mj-lt"/>
+              <a:buAutoNum type="arabicPeriod"/>
+            </a:pPr>
+            <a:r>
+              <a:rPr lang="hr-HR" dirty="0" smtClean="0">
+                <a:latin typeface="Coda" panose="020B0500000000000004" pitchFamily="34" charset="0"/>
+              </a:rPr>
+              <a:t>Konzistencija i standardi</a:t>
+            </a:r>
+          </a:p>
+          <a:p>
+            <a:pPr marL="514350" indent="-514350">
+              <a:buClr>
+                <a:srgbClr val="0066CC"/>
+              </a:buClr>
+              <a:buFont typeface="+mj-lt"/>
+              <a:buAutoNum type="arabicPeriod"/>
+            </a:pPr>
+            <a:r>
+              <a:rPr lang="hr-HR" dirty="0" smtClean="0">
+                <a:solidFill>
+                  <a:srgbClr val="FF5C01"/>
+                </a:solidFill>
+                <a:latin typeface="Coda" panose="020B0500000000000004" pitchFamily="34" charset="0"/>
+              </a:rPr>
+              <a:t>Vidljivost  statusa sustava</a:t>
+            </a:r>
+          </a:p>
+          <a:p>
+            <a:pPr marL="514350" indent="-514350">
+              <a:buClr>
+                <a:srgbClr val="0066CC"/>
+              </a:buClr>
+              <a:buFont typeface="+mj-lt"/>
+              <a:buAutoNum type="arabicPeriod"/>
+            </a:pPr>
+            <a:r>
+              <a:rPr lang="hr-HR" dirty="0" smtClean="0">
+                <a:latin typeface="Coda" panose="020B0500000000000004" pitchFamily="34" charset="0"/>
+              </a:rPr>
+              <a:t>Korisnička sloboda i kontrola</a:t>
+            </a:r>
+          </a:p>
+          <a:p>
+            <a:pPr marL="514350" indent="-514350">
+              <a:buClr>
+                <a:srgbClr val="0066CC"/>
+              </a:buClr>
+              <a:buFont typeface="+mj-lt"/>
+              <a:buAutoNum type="arabicPeriod"/>
+            </a:pPr>
+            <a:r>
+              <a:rPr lang="hr-HR" dirty="0" smtClean="0">
+                <a:latin typeface="Coda" panose="020B0500000000000004" pitchFamily="34" charset="0"/>
+              </a:rPr>
+              <a:t>Sprječavanje grešaka</a:t>
+            </a:r>
+          </a:p>
+          <a:p>
+            <a:pPr marL="0" indent="0">
+              <a:buClr>
+                <a:srgbClr val="0066CC"/>
+              </a:buClr>
+              <a:buNone/>
+            </a:pPr>
+            <a:r>
+              <a:rPr lang="hr-HR" dirty="0" smtClean="0">
+                <a:solidFill>
+                  <a:srgbClr val="0066CC"/>
+                </a:solidFill>
+                <a:latin typeface="Coda" panose="020B0500000000000004" pitchFamily="34" charset="0"/>
+              </a:rPr>
+              <a:t>…</a:t>
+            </a:r>
+          </a:p>
+        </p:txBody>
+      </p:sp>
+      <p:sp>
+        <p:nvSpPr>
+          <p:cNvPr id="4" name="Pravokutnik 3"/>
           <p:cNvSpPr/>
           <p:nvPr/>
         </p:nvSpPr>
         <p:spPr>
           <a:xfrm>
-            <a:off x="0" y="1122362"/>
-            <a:ext cx="12192000" cy="5735638"/>
+            <a:off x="0" y="0"/>
+            <a:ext cx="12192000" cy="1122363"/>
           </a:xfrm>
           <a:prstGeom prst="rect">
             <a:avLst/>
           </a:prstGeom>
           <a:solidFill>
-            <a:schemeClr val="bg1">
-              <a:alpha val="53000"/>
-            </a:schemeClr>
+            <a:srgbClr val="0066CC"/>
           </a:solidFill>
-          <a:ln>
-            <a:noFill/>
-          </a:ln>
         </p:spPr>
         <p:style>
           <a:lnRef idx="2">
@@ -3827,104 +5114,9 @@
           </a:p>
         </p:txBody>
       </p:sp>
-      <p:sp>
-        <p:nvSpPr>
-          <p:cNvPr id="2" name="Naslov 1"/>
-          <p:cNvSpPr>
-            <a:spLocks noGrp="1"/>
-          </p:cNvSpPr>
-          <p:nvPr>
-            <p:ph type="ctrTitle"/>
-          </p:nvPr>
-        </p:nvSpPr>
-        <p:spPr>
-          <a:xfrm>
-            <a:off x="1524000" y="1602581"/>
-            <a:ext cx="9144000" cy="2387600"/>
-          </a:xfrm>
-        </p:spPr>
-        <p:txBody>
-          <a:bodyPr/>
-          <a:lstStyle/>
-          <a:p>
-            <a:r>
-              <a:rPr lang="hr-HR" b="1" dirty="0" smtClean="0">
-                <a:solidFill>
-                  <a:srgbClr val="0066CC"/>
-                </a:solidFill>
-                <a:effectLst>
-                  <a:glow rad="1905000">
-                    <a:schemeClr val="bg1">
-                      <a:alpha val="60000"/>
-                    </a:schemeClr>
-                  </a:glow>
-                </a:effectLst>
-                <a:latin typeface="Coda" panose="020B0500000000000004" pitchFamily="34" charset="0"/>
-              </a:rPr>
-              <a:t>Demo aplikacije…</a:t>
-            </a:r>
-            <a:endParaRPr lang="hr-HR" b="1" dirty="0">
-              <a:solidFill>
-                <a:srgbClr val="0066CC"/>
-              </a:solidFill>
-              <a:effectLst>
-                <a:glow rad="1905000">
-                  <a:schemeClr val="bg1">
-                    <a:alpha val="60000"/>
-                  </a:schemeClr>
-                </a:glow>
-              </a:effectLst>
-              <a:latin typeface="Coda" panose="020B0500000000000004" pitchFamily="34" charset="0"/>
-            </a:endParaRPr>
-          </a:p>
-        </p:txBody>
-      </p:sp>
-      <p:sp>
-        <p:nvSpPr>
-          <p:cNvPr id="4" name="Pravokutnik 3"/>
-          <p:cNvSpPr/>
-          <p:nvPr/>
-        </p:nvSpPr>
-        <p:spPr>
-          <a:xfrm>
-            <a:off x="0" y="0"/>
-            <a:ext cx="12192000" cy="1122363"/>
-          </a:xfrm>
-          <a:prstGeom prst="rect">
-            <a:avLst/>
-          </a:prstGeom>
-          <a:solidFill>
-            <a:srgbClr val="0066CC"/>
-          </a:solidFill>
-        </p:spPr>
-        <p:style>
-          <a:lnRef idx="2">
-            <a:schemeClr val="accent1">
-              <a:shade val="50000"/>
-            </a:schemeClr>
-          </a:lnRef>
-          <a:fillRef idx="1">
-            <a:schemeClr val="accent1"/>
-          </a:fillRef>
-          <a:effectRef idx="0">
-            <a:schemeClr val="accent1"/>
-          </a:effectRef>
-          <a:fontRef idx="minor">
-            <a:schemeClr val="lt1"/>
-          </a:fontRef>
-        </p:style>
-        <p:txBody>
-          <a:bodyPr rtlCol="0" anchor="ctr"/>
-          <a:lstStyle/>
-          <a:p>
-            <a:pPr algn="ctr"/>
-            <a:endParaRPr lang="hr-HR"/>
-          </a:p>
-        </p:txBody>
-      </p:sp>
       <p:pic>
         <p:nvPicPr>
-          <p:cNvPr id="7" name="Slika 6"/>
+          <p:cNvPr id="5" name="Slika 4"/>
           <p:cNvPicPr>
             <a:picLocks noChangeAspect="1"/>
           </p:cNvPicPr>
@@ -3952,10 +5144,1986 @@
           </a:prstGeom>
         </p:spPr>
       </p:pic>
+      <p:sp>
+        <p:nvSpPr>
+          <p:cNvPr id="6" name="Naslov 1"/>
+          <p:cNvSpPr txBox="1">
+            <a:spLocks/>
+          </p:cNvSpPr>
+          <p:nvPr/>
+        </p:nvSpPr>
+        <p:spPr>
+          <a:xfrm>
+            <a:off x="838200" y="1538989"/>
+            <a:ext cx="10515600" cy="1325563"/>
+          </a:xfrm>
+          <a:prstGeom prst="rect">
+            <a:avLst/>
+          </a:prstGeom>
+        </p:spPr>
+        <p:txBody>
+          <a:bodyPr vert="horz" lIns="91440" tIns="45720" rIns="91440" bIns="45720" rtlCol="0" anchor="ctr">
+            <a:normAutofit/>
+          </a:bodyPr>
+          <a:lstStyle>
+            <a:lvl1pPr algn="l" defTabSz="914400" rtl="0" eaLnBrk="1" latinLnBrk="0" hangingPunct="1">
+              <a:lnSpc>
+                <a:spcPct val="90000"/>
+              </a:lnSpc>
+              <a:spcBef>
+                <a:spcPct val="0"/>
+              </a:spcBef>
+              <a:buNone/>
+              <a:defRPr sz="4400" kern="1200">
+                <a:solidFill>
+                  <a:schemeClr val="tx1"/>
+                </a:solidFill>
+                <a:latin typeface="+mj-lt"/>
+                <a:ea typeface="+mj-ea"/>
+                <a:cs typeface="+mj-cs"/>
+              </a:defRPr>
+            </a:lvl1pPr>
+          </a:lstStyle>
+          <a:p>
+            <a:r>
+              <a:rPr lang="hr-HR" dirty="0" smtClean="0">
+                <a:solidFill>
+                  <a:srgbClr val="0066CC"/>
+                </a:solidFill>
+                <a:latin typeface="Coda" panose="020B0500000000000004" pitchFamily="34" charset="0"/>
+              </a:rPr>
+              <a:t>Heuristike</a:t>
+            </a:r>
+            <a:endParaRPr lang="hr-HR" dirty="0">
+              <a:solidFill>
+                <a:srgbClr val="0066CC"/>
+              </a:solidFill>
+              <a:latin typeface="Coda" panose="020B0500000000000004" pitchFamily="34" charset="0"/>
+            </a:endParaRPr>
+          </a:p>
+        </p:txBody>
+      </p:sp>
     </p:spTree>
     <p:extLst>
       <p:ext uri="{BB962C8B-B14F-4D97-AF65-F5344CB8AC3E}">
-        <p14:creationId xmlns:p14="http://schemas.microsoft.com/office/powerpoint/2010/main" val="3525995189"/>
+        <p14:creationId xmlns:p14="http://schemas.microsoft.com/office/powerpoint/2010/main" val="1924836641"/>
+      </p:ext>
+    </p:extLst>
+  </p:cSld>
+  <p:clrMapOvr>
+    <a:masterClrMapping/>
+  </p:clrMapOvr>
+  <p:timing>
+    <p:tnLst>
+      <p:par>
+        <p:cTn id="1" dur="indefinite" restart="never" nodeType="tmRoot"/>
+      </p:par>
+    </p:tnLst>
+  </p:timing>
+</p:sld>
+</file>
+
+<file path=ppt/slides/slide11.xml><?xml version="1.0" encoding="utf-8"?>
+<p:sld xmlns:a="http://schemas.openxmlformats.org/drawingml/2006/main" xmlns:r="http://schemas.openxmlformats.org/officeDocument/2006/relationships" xmlns:p="http://schemas.openxmlformats.org/presentationml/2006/main">
+  <p:cSld>
+    <p:spTree>
+      <p:nvGrpSpPr>
+        <p:cNvPr id="1" name=""/>
+        <p:cNvGrpSpPr/>
+        <p:nvPr/>
+      </p:nvGrpSpPr>
+      <p:grpSpPr>
+        <a:xfrm>
+          <a:off x="0" y="0"/>
+          <a:ext cx="0" cy="0"/>
+          <a:chOff x="0" y="0"/>
+          <a:chExt cx="0" cy="0"/>
+        </a:xfrm>
+      </p:grpSpPr>
+      <p:sp>
+        <p:nvSpPr>
+          <p:cNvPr id="4" name="Pravokutnik 3"/>
+          <p:cNvSpPr/>
+          <p:nvPr/>
+        </p:nvSpPr>
+        <p:spPr>
+          <a:xfrm>
+            <a:off x="0" y="0"/>
+            <a:ext cx="12192000" cy="1122363"/>
+          </a:xfrm>
+          <a:prstGeom prst="rect">
+            <a:avLst/>
+          </a:prstGeom>
+          <a:solidFill>
+            <a:srgbClr val="0066CC"/>
+          </a:solidFill>
+        </p:spPr>
+        <p:style>
+          <a:lnRef idx="2">
+            <a:schemeClr val="accent1">
+              <a:shade val="50000"/>
+            </a:schemeClr>
+          </a:lnRef>
+          <a:fillRef idx="1">
+            <a:schemeClr val="accent1"/>
+          </a:fillRef>
+          <a:effectRef idx="0">
+            <a:schemeClr val="accent1"/>
+          </a:effectRef>
+          <a:fontRef idx="minor">
+            <a:schemeClr val="lt1"/>
+          </a:fontRef>
+        </p:style>
+        <p:txBody>
+          <a:bodyPr rtlCol="0" anchor="ctr"/>
+          <a:lstStyle/>
+          <a:p>
+            <a:pPr algn="ctr"/>
+            <a:endParaRPr lang="hr-HR"/>
+          </a:p>
+        </p:txBody>
+      </p:sp>
+      <p:pic>
+        <p:nvPicPr>
+          <p:cNvPr id="5" name="Slika 4"/>
+          <p:cNvPicPr>
+            <a:picLocks noChangeAspect="1"/>
+          </p:cNvPicPr>
+          <p:nvPr/>
+        </p:nvPicPr>
+        <p:blipFill>
+          <a:blip r:embed="rId3">
+            <a:extLst>
+              <a:ext uri="{28A0092B-C50C-407E-A947-70E740481C1C}">
+                <a14:useLocalDpi xmlns:a14="http://schemas.microsoft.com/office/drawing/2010/main" val="0"/>
+              </a:ext>
+            </a:extLst>
+          </a:blip>
+          <a:stretch>
+            <a:fillRect/>
+          </a:stretch>
+        </p:blipFill>
+        <p:spPr>
+          <a:xfrm>
+            <a:off x="331730" y="146676"/>
+            <a:ext cx="829010" cy="829010"/>
+          </a:xfrm>
+          <a:prstGeom prst="rect">
+            <a:avLst/>
+          </a:prstGeom>
+        </p:spPr>
+      </p:pic>
+      <p:sp>
+        <p:nvSpPr>
+          <p:cNvPr id="2" name="Rezervirano mjesto sadržaja 1"/>
+          <p:cNvSpPr>
+            <a:spLocks noGrp="1"/>
+          </p:cNvSpPr>
+          <p:nvPr>
+            <p:ph idx="1"/>
+          </p:nvPr>
+        </p:nvSpPr>
+        <p:spPr/>
+        <p:txBody>
+          <a:bodyPr/>
+          <a:lstStyle/>
+          <a:p>
+            <a:endParaRPr lang="hr-HR"/>
+          </a:p>
+        </p:txBody>
+      </p:sp>
+      <p:pic>
+        <p:nvPicPr>
+          <p:cNvPr id="6" name="Slika 5"/>
+          <p:cNvPicPr>
+            <a:picLocks noChangeAspect="1"/>
+          </p:cNvPicPr>
+          <p:nvPr/>
+        </p:nvPicPr>
+        <p:blipFill rotWithShape="1">
+          <a:blip r:embed="rId4"/>
+          <a:srcRect t="1992"/>
+          <a:stretch/>
+        </p:blipFill>
+        <p:spPr>
+          <a:xfrm>
+            <a:off x="-1652954" y="363415"/>
+            <a:ext cx="13844954" cy="6494585"/>
+          </a:xfrm>
+          <a:prstGeom prst="rect">
+            <a:avLst/>
+          </a:prstGeom>
+        </p:spPr>
+      </p:pic>
+    </p:spTree>
+    <p:extLst>
+      <p:ext uri="{BB962C8B-B14F-4D97-AF65-F5344CB8AC3E}">
+        <p14:creationId xmlns:p14="http://schemas.microsoft.com/office/powerpoint/2010/main" val="2355900597"/>
+      </p:ext>
+    </p:extLst>
+  </p:cSld>
+  <p:clrMapOvr>
+    <a:masterClrMapping/>
+  </p:clrMapOvr>
+  <p:timing>
+    <p:tnLst>
+      <p:par>
+        <p:cTn id="1" dur="indefinite" restart="never" nodeType="tmRoot"/>
+      </p:par>
+    </p:tnLst>
+  </p:timing>
+</p:sld>
+</file>
+
+<file path=ppt/slides/slide12.xml><?xml version="1.0" encoding="utf-8"?>
+<p:sld xmlns:a="http://schemas.openxmlformats.org/drawingml/2006/main" xmlns:r="http://schemas.openxmlformats.org/officeDocument/2006/relationships" xmlns:p="http://schemas.openxmlformats.org/presentationml/2006/main">
+  <p:cSld>
+    <p:spTree>
+      <p:nvGrpSpPr>
+        <p:cNvPr id="1" name=""/>
+        <p:cNvGrpSpPr/>
+        <p:nvPr/>
+      </p:nvGrpSpPr>
+      <p:grpSpPr>
+        <a:xfrm>
+          <a:off x="0" y="0"/>
+          <a:ext cx="0" cy="0"/>
+          <a:chOff x="0" y="0"/>
+          <a:chExt cx="0" cy="0"/>
+        </a:xfrm>
+      </p:grpSpPr>
+      <p:sp>
+        <p:nvSpPr>
+          <p:cNvPr id="3" name="Rezervirano mjesto sadržaja 2"/>
+          <p:cNvSpPr>
+            <a:spLocks noGrp="1"/>
+          </p:cNvSpPr>
+          <p:nvPr>
+            <p:ph idx="1"/>
+          </p:nvPr>
+        </p:nvSpPr>
+        <p:spPr>
+          <a:xfrm>
+            <a:off x="838200" y="2748805"/>
+            <a:ext cx="10515600" cy="4351338"/>
+          </a:xfrm>
+        </p:spPr>
+        <p:txBody>
+          <a:bodyPr>
+            <a:normAutofit/>
+          </a:bodyPr>
+          <a:lstStyle/>
+          <a:p>
+            <a:pPr marL="514350" indent="-514350">
+              <a:buClr>
+                <a:srgbClr val="0066CC"/>
+              </a:buClr>
+              <a:buFont typeface="+mj-lt"/>
+              <a:buAutoNum type="arabicPeriod"/>
+            </a:pPr>
+            <a:endParaRPr lang="hr-HR" dirty="0" smtClean="0">
+              <a:latin typeface="Coda" panose="020B0500000000000004" pitchFamily="34" charset="0"/>
+            </a:endParaRPr>
+          </a:p>
+          <a:p>
+            <a:pPr marL="514350" indent="-514350">
+              <a:buClr>
+                <a:srgbClr val="0066CC"/>
+              </a:buClr>
+              <a:buFont typeface="+mj-lt"/>
+              <a:buAutoNum type="arabicPeriod"/>
+            </a:pPr>
+            <a:r>
+              <a:rPr lang="hr-HR" dirty="0" smtClean="0">
+                <a:latin typeface="Coda" panose="020B0500000000000004" pitchFamily="34" charset="0"/>
+              </a:rPr>
+              <a:t>Podudaranje stvarnog svijeta sa sustavom</a:t>
+            </a:r>
+          </a:p>
+          <a:p>
+            <a:pPr marL="514350" indent="-514350">
+              <a:buClr>
+                <a:srgbClr val="0066CC"/>
+              </a:buClr>
+              <a:buFont typeface="+mj-lt"/>
+              <a:buAutoNum type="arabicPeriod"/>
+            </a:pPr>
+            <a:r>
+              <a:rPr lang="hr-HR" dirty="0" smtClean="0">
+                <a:latin typeface="Coda" panose="020B0500000000000004" pitchFamily="34" charset="0"/>
+              </a:rPr>
+              <a:t>Konzistencija i standardi</a:t>
+            </a:r>
+          </a:p>
+          <a:p>
+            <a:pPr marL="514350" indent="-514350">
+              <a:buClr>
+                <a:srgbClr val="0066CC"/>
+              </a:buClr>
+              <a:buFont typeface="+mj-lt"/>
+              <a:buAutoNum type="arabicPeriod"/>
+            </a:pPr>
+            <a:r>
+              <a:rPr lang="hr-HR" dirty="0" smtClean="0">
+                <a:latin typeface="Coda" panose="020B0500000000000004" pitchFamily="34" charset="0"/>
+              </a:rPr>
+              <a:t>Vidljivost  statusa sustava</a:t>
+            </a:r>
+          </a:p>
+          <a:p>
+            <a:pPr marL="514350" indent="-514350">
+              <a:buClr>
+                <a:srgbClr val="0066CC"/>
+              </a:buClr>
+              <a:buFont typeface="+mj-lt"/>
+              <a:buAutoNum type="arabicPeriod"/>
+            </a:pPr>
+            <a:r>
+              <a:rPr lang="hr-HR" dirty="0" smtClean="0">
+                <a:solidFill>
+                  <a:srgbClr val="FF5C01"/>
+                </a:solidFill>
+                <a:latin typeface="Coda" panose="020B0500000000000004" pitchFamily="34" charset="0"/>
+              </a:rPr>
+              <a:t>Korisnička sloboda i kontrola</a:t>
+            </a:r>
+          </a:p>
+          <a:p>
+            <a:pPr marL="514350" indent="-514350">
+              <a:buClr>
+                <a:srgbClr val="0066CC"/>
+              </a:buClr>
+              <a:buFont typeface="+mj-lt"/>
+              <a:buAutoNum type="arabicPeriod"/>
+            </a:pPr>
+            <a:r>
+              <a:rPr lang="hr-HR" dirty="0" smtClean="0">
+                <a:latin typeface="Coda" panose="020B0500000000000004" pitchFamily="34" charset="0"/>
+              </a:rPr>
+              <a:t>Sprječavanje grešaka</a:t>
+            </a:r>
+          </a:p>
+          <a:p>
+            <a:pPr marL="0" indent="0">
+              <a:buClr>
+                <a:srgbClr val="0066CC"/>
+              </a:buClr>
+              <a:buNone/>
+            </a:pPr>
+            <a:r>
+              <a:rPr lang="hr-HR" dirty="0" smtClean="0">
+                <a:solidFill>
+                  <a:srgbClr val="0066CC"/>
+                </a:solidFill>
+                <a:latin typeface="Coda" panose="020B0500000000000004" pitchFamily="34" charset="0"/>
+              </a:rPr>
+              <a:t>…</a:t>
+            </a:r>
+          </a:p>
+        </p:txBody>
+      </p:sp>
+      <p:sp>
+        <p:nvSpPr>
+          <p:cNvPr id="4" name="Pravokutnik 3"/>
+          <p:cNvSpPr/>
+          <p:nvPr/>
+        </p:nvSpPr>
+        <p:spPr>
+          <a:xfrm>
+            <a:off x="0" y="0"/>
+            <a:ext cx="12192000" cy="1122363"/>
+          </a:xfrm>
+          <a:prstGeom prst="rect">
+            <a:avLst/>
+          </a:prstGeom>
+          <a:solidFill>
+            <a:srgbClr val="0066CC"/>
+          </a:solidFill>
+        </p:spPr>
+        <p:style>
+          <a:lnRef idx="2">
+            <a:schemeClr val="accent1">
+              <a:shade val="50000"/>
+            </a:schemeClr>
+          </a:lnRef>
+          <a:fillRef idx="1">
+            <a:schemeClr val="accent1"/>
+          </a:fillRef>
+          <a:effectRef idx="0">
+            <a:schemeClr val="accent1"/>
+          </a:effectRef>
+          <a:fontRef idx="minor">
+            <a:schemeClr val="lt1"/>
+          </a:fontRef>
+        </p:style>
+        <p:txBody>
+          <a:bodyPr rtlCol="0" anchor="ctr"/>
+          <a:lstStyle/>
+          <a:p>
+            <a:pPr algn="ctr"/>
+            <a:endParaRPr lang="hr-HR"/>
+          </a:p>
+        </p:txBody>
+      </p:sp>
+      <p:pic>
+        <p:nvPicPr>
+          <p:cNvPr id="5" name="Slika 4"/>
+          <p:cNvPicPr>
+            <a:picLocks noChangeAspect="1"/>
+          </p:cNvPicPr>
+          <p:nvPr/>
+        </p:nvPicPr>
+        <p:blipFill>
+          <a:blip r:embed="rId3">
+            <a:extLst>
+              <a:ext uri="{28A0092B-C50C-407E-A947-70E740481C1C}">
+                <a14:useLocalDpi xmlns:a14="http://schemas.microsoft.com/office/drawing/2010/main" val="0"/>
+              </a:ext>
+            </a:extLst>
+          </a:blip>
+          <a:stretch>
+            <a:fillRect/>
+          </a:stretch>
+        </p:blipFill>
+        <p:spPr>
+          <a:xfrm>
+            <a:off x="331730" y="146676"/>
+            <a:ext cx="829010" cy="829010"/>
+          </a:xfrm>
+          <a:prstGeom prst="rect">
+            <a:avLst/>
+          </a:prstGeom>
+        </p:spPr>
+      </p:pic>
+      <p:sp>
+        <p:nvSpPr>
+          <p:cNvPr id="6" name="Naslov 1"/>
+          <p:cNvSpPr txBox="1">
+            <a:spLocks/>
+          </p:cNvSpPr>
+          <p:nvPr/>
+        </p:nvSpPr>
+        <p:spPr>
+          <a:xfrm>
+            <a:off x="838200" y="1538989"/>
+            <a:ext cx="10515600" cy="1325563"/>
+          </a:xfrm>
+          <a:prstGeom prst="rect">
+            <a:avLst/>
+          </a:prstGeom>
+        </p:spPr>
+        <p:txBody>
+          <a:bodyPr vert="horz" lIns="91440" tIns="45720" rIns="91440" bIns="45720" rtlCol="0" anchor="ctr">
+            <a:normAutofit/>
+          </a:bodyPr>
+          <a:lstStyle>
+            <a:lvl1pPr algn="l" defTabSz="914400" rtl="0" eaLnBrk="1" latinLnBrk="0" hangingPunct="1">
+              <a:lnSpc>
+                <a:spcPct val="90000"/>
+              </a:lnSpc>
+              <a:spcBef>
+                <a:spcPct val="0"/>
+              </a:spcBef>
+              <a:buNone/>
+              <a:defRPr sz="4400" kern="1200">
+                <a:solidFill>
+                  <a:schemeClr val="tx1"/>
+                </a:solidFill>
+                <a:latin typeface="+mj-lt"/>
+                <a:ea typeface="+mj-ea"/>
+                <a:cs typeface="+mj-cs"/>
+              </a:defRPr>
+            </a:lvl1pPr>
+          </a:lstStyle>
+          <a:p>
+            <a:r>
+              <a:rPr lang="hr-HR" dirty="0" smtClean="0">
+                <a:solidFill>
+                  <a:srgbClr val="0066CC"/>
+                </a:solidFill>
+                <a:latin typeface="Coda" panose="020B0500000000000004" pitchFamily="34" charset="0"/>
+              </a:rPr>
+              <a:t>Heuristike</a:t>
+            </a:r>
+            <a:endParaRPr lang="hr-HR" dirty="0">
+              <a:solidFill>
+                <a:srgbClr val="0066CC"/>
+              </a:solidFill>
+              <a:latin typeface="Coda" panose="020B0500000000000004" pitchFamily="34" charset="0"/>
+            </a:endParaRPr>
+          </a:p>
+        </p:txBody>
+      </p:sp>
+    </p:spTree>
+    <p:extLst>
+      <p:ext uri="{BB962C8B-B14F-4D97-AF65-F5344CB8AC3E}">
+        <p14:creationId xmlns:p14="http://schemas.microsoft.com/office/powerpoint/2010/main" val="2527499244"/>
+      </p:ext>
+    </p:extLst>
+  </p:cSld>
+  <p:clrMapOvr>
+    <a:masterClrMapping/>
+  </p:clrMapOvr>
+  <p:timing>
+    <p:tnLst>
+      <p:par>
+        <p:cTn id="1" dur="indefinite" restart="never" nodeType="tmRoot"/>
+      </p:par>
+    </p:tnLst>
+  </p:timing>
+</p:sld>
+</file>
+
+<file path=ppt/slides/slide13.xml><?xml version="1.0" encoding="utf-8"?>
+<p:sld xmlns:a="http://schemas.openxmlformats.org/drawingml/2006/main" xmlns:r="http://schemas.openxmlformats.org/officeDocument/2006/relationships" xmlns:p="http://schemas.openxmlformats.org/presentationml/2006/main">
+  <p:cSld>
+    <p:spTree>
+      <p:nvGrpSpPr>
+        <p:cNvPr id="1" name=""/>
+        <p:cNvGrpSpPr/>
+        <p:nvPr/>
+      </p:nvGrpSpPr>
+      <p:grpSpPr>
+        <a:xfrm>
+          <a:off x="0" y="0"/>
+          <a:ext cx="0" cy="0"/>
+          <a:chOff x="0" y="0"/>
+          <a:chExt cx="0" cy="0"/>
+        </a:xfrm>
+      </p:grpSpPr>
+      <p:sp>
+        <p:nvSpPr>
+          <p:cNvPr id="4" name="Pravokutnik 3"/>
+          <p:cNvSpPr/>
+          <p:nvPr/>
+        </p:nvSpPr>
+        <p:spPr>
+          <a:xfrm>
+            <a:off x="0" y="0"/>
+            <a:ext cx="12192000" cy="1122363"/>
+          </a:xfrm>
+          <a:prstGeom prst="rect">
+            <a:avLst/>
+          </a:prstGeom>
+          <a:solidFill>
+            <a:srgbClr val="0066CC"/>
+          </a:solidFill>
+        </p:spPr>
+        <p:style>
+          <a:lnRef idx="2">
+            <a:schemeClr val="accent1">
+              <a:shade val="50000"/>
+            </a:schemeClr>
+          </a:lnRef>
+          <a:fillRef idx="1">
+            <a:schemeClr val="accent1"/>
+          </a:fillRef>
+          <a:effectRef idx="0">
+            <a:schemeClr val="accent1"/>
+          </a:effectRef>
+          <a:fontRef idx="minor">
+            <a:schemeClr val="lt1"/>
+          </a:fontRef>
+        </p:style>
+        <p:txBody>
+          <a:bodyPr rtlCol="0" anchor="ctr"/>
+          <a:lstStyle/>
+          <a:p>
+            <a:pPr algn="ctr"/>
+            <a:endParaRPr lang="hr-HR"/>
+          </a:p>
+        </p:txBody>
+      </p:sp>
+      <p:pic>
+        <p:nvPicPr>
+          <p:cNvPr id="5" name="Slika 4"/>
+          <p:cNvPicPr>
+            <a:picLocks noChangeAspect="1"/>
+          </p:cNvPicPr>
+          <p:nvPr/>
+        </p:nvPicPr>
+        <p:blipFill>
+          <a:blip r:embed="rId3">
+            <a:extLst>
+              <a:ext uri="{28A0092B-C50C-407E-A947-70E740481C1C}">
+                <a14:useLocalDpi xmlns:a14="http://schemas.microsoft.com/office/drawing/2010/main" val="0"/>
+              </a:ext>
+            </a:extLst>
+          </a:blip>
+          <a:stretch>
+            <a:fillRect/>
+          </a:stretch>
+        </p:blipFill>
+        <p:spPr>
+          <a:xfrm>
+            <a:off x="331730" y="146676"/>
+            <a:ext cx="829010" cy="829010"/>
+          </a:xfrm>
+          <a:prstGeom prst="rect">
+            <a:avLst/>
+          </a:prstGeom>
+        </p:spPr>
+      </p:pic>
+      <p:sp>
+        <p:nvSpPr>
+          <p:cNvPr id="2" name="Rezervirano mjesto sadržaja 1"/>
+          <p:cNvSpPr>
+            <a:spLocks noGrp="1"/>
+          </p:cNvSpPr>
+          <p:nvPr>
+            <p:ph idx="1"/>
+          </p:nvPr>
+        </p:nvSpPr>
+        <p:spPr/>
+        <p:txBody>
+          <a:bodyPr/>
+          <a:lstStyle/>
+          <a:p>
+            <a:endParaRPr lang="hr-HR"/>
+          </a:p>
+        </p:txBody>
+      </p:sp>
+      <p:pic>
+        <p:nvPicPr>
+          <p:cNvPr id="3" name="Slika 2"/>
+          <p:cNvPicPr>
+            <a:picLocks noChangeAspect="1"/>
+          </p:cNvPicPr>
+          <p:nvPr/>
+        </p:nvPicPr>
+        <p:blipFill>
+          <a:blip r:embed="rId4"/>
+          <a:stretch>
+            <a:fillRect/>
+          </a:stretch>
+        </p:blipFill>
+        <p:spPr>
+          <a:xfrm>
+            <a:off x="3725007" y="1441938"/>
+            <a:ext cx="4739054" cy="5123717"/>
+          </a:xfrm>
+          <a:prstGeom prst="rect">
+            <a:avLst/>
+          </a:prstGeom>
+        </p:spPr>
+      </p:pic>
+    </p:spTree>
+    <p:extLst>
+      <p:ext uri="{BB962C8B-B14F-4D97-AF65-F5344CB8AC3E}">
+        <p14:creationId xmlns:p14="http://schemas.microsoft.com/office/powerpoint/2010/main" val="1147829613"/>
+      </p:ext>
+    </p:extLst>
+  </p:cSld>
+  <p:clrMapOvr>
+    <a:masterClrMapping/>
+  </p:clrMapOvr>
+  <p:timing>
+    <p:tnLst>
+      <p:par>
+        <p:cTn id="1" dur="indefinite" restart="never" nodeType="tmRoot"/>
+      </p:par>
+    </p:tnLst>
+  </p:timing>
+</p:sld>
+</file>
+
+<file path=ppt/slides/slide14.xml><?xml version="1.0" encoding="utf-8"?>
+<p:sld xmlns:a="http://schemas.openxmlformats.org/drawingml/2006/main" xmlns:r="http://schemas.openxmlformats.org/officeDocument/2006/relationships" xmlns:p="http://schemas.openxmlformats.org/presentationml/2006/main">
+  <p:cSld>
+    <p:spTree>
+      <p:nvGrpSpPr>
+        <p:cNvPr id="1" name=""/>
+        <p:cNvGrpSpPr/>
+        <p:nvPr/>
+      </p:nvGrpSpPr>
+      <p:grpSpPr>
+        <a:xfrm>
+          <a:off x="0" y="0"/>
+          <a:ext cx="0" cy="0"/>
+          <a:chOff x="0" y="0"/>
+          <a:chExt cx="0" cy="0"/>
+        </a:xfrm>
+      </p:grpSpPr>
+      <p:sp>
+        <p:nvSpPr>
+          <p:cNvPr id="3" name="Rezervirano mjesto sadržaja 2"/>
+          <p:cNvSpPr>
+            <a:spLocks noGrp="1"/>
+          </p:cNvSpPr>
+          <p:nvPr>
+            <p:ph idx="1"/>
+          </p:nvPr>
+        </p:nvSpPr>
+        <p:spPr>
+          <a:xfrm>
+            <a:off x="838200" y="2748805"/>
+            <a:ext cx="10515600" cy="4351338"/>
+          </a:xfrm>
+        </p:spPr>
+        <p:txBody>
+          <a:bodyPr>
+            <a:normAutofit/>
+          </a:bodyPr>
+          <a:lstStyle/>
+          <a:p>
+            <a:pPr marL="514350" indent="-514350">
+              <a:buClr>
+                <a:srgbClr val="0066CC"/>
+              </a:buClr>
+              <a:buFont typeface="+mj-lt"/>
+              <a:buAutoNum type="arabicPeriod"/>
+            </a:pPr>
+            <a:endParaRPr lang="hr-HR" dirty="0" smtClean="0">
+              <a:latin typeface="Coda" panose="020B0500000000000004" pitchFamily="34" charset="0"/>
+            </a:endParaRPr>
+          </a:p>
+          <a:p>
+            <a:pPr marL="514350" indent="-514350">
+              <a:buClr>
+                <a:srgbClr val="0066CC"/>
+              </a:buClr>
+              <a:buFont typeface="+mj-lt"/>
+              <a:buAutoNum type="arabicPeriod"/>
+            </a:pPr>
+            <a:r>
+              <a:rPr lang="hr-HR" dirty="0" smtClean="0">
+                <a:latin typeface="Coda" panose="020B0500000000000004" pitchFamily="34" charset="0"/>
+              </a:rPr>
+              <a:t>Podudaranje stvarnog svijeta sa sustavom</a:t>
+            </a:r>
+          </a:p>
+          <a:p>
+            <a:pPr marL="514350" indent="-514350">
+              <a:buClr>
+                <a:srgbClr val="0066CC"/>
+              </a:buClr>
+              <a:buFont typeface="+mj-lt"/>
+              <a:buAutoNum type="arabicPeriod"/>
+            </a:pPr>
+            <a:r>
+              <a:rPr lang="hr-HR" dirty="0" smtClean="0">
+                <a:latin typeface="Coda" panose="020B0500000000000004" pitchFamily="34" charset="0"/>
+              </a:rPr>
+              <a:t>Konzistencija i standardi</a:t>
+            </a:r>
+          </a:p>
+          <a:p>
+            <a:pPr marL="514350" indent="-514350">
+              <a:buClr>
+                <a:srgbClr val="0066CC"/>
+              </a:buClr>
+              <a:buFont typeface="+mj-lt"/>
+              <a:buAutoNum type="arabicPeriod"/>
+            </a:pPr>
+            <a:r>
+              <a:rPr lang="hr-HR" dirty="0" smtClean="0">
+                <a:latin typeface="Coda" panose="020B0500000000000004" pitchFamily="34" charset="0"/>
+              </a:rPr>
+              <a:t>Vidljivost  statusa sustava</a:t>
+            </a:r>
+          </a:p>
+          <a:p>
+            <a:pPr marL="514350" indent="-514350">
+              <a:buClr>
+                <a:srgbClr val="0066CC"/>
+              </a:buClr>
+              <a:buFont typeface="+mj-lt"/>
+              <a:buAutoNum type="arabicPeriod"/>
+            </a:pPr>
+            <a:r>
+              <a:rPr lang="hr-HR" dirty="0" smtClean="0">
+                <a:latin typeface="Coda" panose="020B0500000000000004" pitchFamily="34" charset="0"/>
+              </a:rPr>
+              <a:t>Korisnička sloboda i kontrola</a:t>
+            </a:r>
+          </a:p>
+          <a:p>
+            <a:pPr marL="514350" indent="-514350">
+              <a:buClr>
+                <a:srgbClr val="0066CC"/>
+              </a:buClr>
+              <a:buFont typeface="+mj-lt"/>
+              <a:buAutoNum type="arabicPeriod"/>
+            </a:pPr>
+            <a:r>
+              <a:rPr lang="hr-HR" dirty="0" smtClean="0">
+                <a:solidFill>
+                  <a:srgbClr val="FF5C01"/>
+                </a:solidFill>
+                <a:latin typeface="Coda" panose="020B0500000000000004" pitchFamily="34" charset="0"/>
+              </a:rPr>
+              <a:t>Sprječavanje grešaka</a:t>
+            </a:r>
+          </a:p>
+          <a:p>
+            <a:pPr marL="0" indent="0">
+              <a:buClr>
+                <a:srgbClr val="0066CC"/>
+              </a:buClr>
+              <a:buNone/>
+            </a:pPr>
+            <a:r>
+              <a:rPr lang="hr-HR" dirty="0" smtClean="0">
+                <a:solidFill>
+                  <a:srgbClr val="0066CC"/>
+                </a:solidFill>
+                <a:latin typeface="Coda" panose="020B0500000000000004" pitchFamily="34" charset="0"/>
+              </a:rPr>
+              <a:t>…</a:t>
+            </a:r>
+          </a:p>
+        </p:txBody>
+      </p:sp>
+      <p:sp>
+        <p:nvSpPr>
+          <p:cNvPr id="4" name="Pravokutnik 3"/>
+          <p:cNvSpPr/>
+          <p:nvPr/>
+        </p:nvSpPr>
+        <p:spPr>
+          <a:xfrm>
+            <a:off x="0" y="0"/>
+            <a:ext cx="12192000" cy="1122363"/>
+          </a:xfrm>
+          <a:prstGeom prst="rect">
+            <a:avLst/>
+          </a:prstGeom>
+          <a:solidFill>
+            <a:srgbClr val="0066CC"/>
+          </a:solidFill>
+        </p:spPr>
+        <p:style>
+          <a:lnRef idx="2">
+            <a:schemeClr val="accent1">
+              <a:shade val="50000"/>
+            </a:schemeClr>
+          </a:lnRef>
+          <a:fillRef idx="1">
+            <a:schemeClr val="accent1"/>
+          </a:fillRef>
+          <a:effectRef idx="0">
+            <a:schemeClr val="accent1"/>
+          </a:effectRef>
+          <a:fontRef idx="minor">
+            <a:schemeClr val="lt1"/>
+          </a:fontRef>
+        </p:style>
+        <p:txBody>
+          <a:bodyPr rtlCol="0" anchor="ctr"/>
+          <a:lstStyle/>
+          <a:p>
+            <a:pPr algn="ctr"/>
+            <a:endParaRPr lang="hr-HR"/>
+          </a:p>
+        </p:txBody>
+      </p:sp>
+      <p:pic>
+        <p:nvPicPr>
+          <p:cNvPr id="5" name="Slika 4"/>
+          <p:cNvPicPr>
+            <a:picLocks noChangeAspect="1"/>
+          </p:cNvPicPr>
+          <p:nvPr/>
+        </p:nvPicPr>
+        <p:blipFill>
+          <a:blip r:embed="rId3">
+            <a:extLst>
+              <a:ext uri="{28A0092B-C50C-407E-A947-70E740481C1C}">
+                <a14:useLocalDpi xmlns:a14="http://schemas.microsoft.com/office/drawing/2010/main" val="0"/>
+              </a:ext>
+            </a:extLst>
+          </a:blip>
+          <a:stretch>
+            <a:fillRect/>
+          </a:stretch>
+        </p:blipFill>
+        <p:spPr>
+          <a:xfrm>
+            <a:off x="331730" y="146676"/>
+            <a:ext cx="829010" cy="829010"/>
+          </a:xfrm>
+          <a:prstGeom prst="rect">
+            <a:avLst/>
+          </a:prstGeom>
+        </p:spPr>
+      </p:pic>
+      <p:sp>
+        <p:nvSpPr>
+          <p:cNvPr id="6" name="Naslov 1"/>
+          <p:cNvSpPr txBox="1">
+            <a:spLocks/>
+          </p:cNvSpPr>
+          <p:nvPr/>
+        </p:nvSpPr>
+        <p:spPr>
+          <a:xfrm>
+            <a:off x="838200" y="1538989"/>
+            <a:ext cx="10515600" cy="1325563"/>
+          </a:xfrm>
+          <a:prstGeom prst="rect">
+            <a:avLst/>
+          </a:prstGeom>
+        </p:spPr>
+        <p:txBody>
+          <a:bodyPr vert="horz" lIns="91440" tIns="45720" rIns="91440" bIns="45720" rtlCol="0" anchor="ctr">
+            <a:normAutofit/>
+          </a:bodyPr>
+          <a:lstStyle>
+            <a:lvl1pPr algn="l" defTabSz="914400" rtl="0" eaLnBrk="1" latinLnBrk="0" hangingPunct="1">
+              <a:lnSpc>
+                <a:spcPct val="90000"/>
+              </a:lnSpc>
+              <a:spcBef>
+                <a:spcPct val="0"/>
+              </a:spcBef>
+              <a:buNone/>
+              <a:defRPr sz="4400" kern="1200">
+                <a:solidFill>
+                  <a:schemeClr val="tx1"/>
+                </a:solidFill>
+                <a:latin typeface="+mj-lt"/>
+                <a:ea typeface="+mj-ea"/>
+                <a:cs typeface="+mj-cs"/>
+              </a:defRPr>
+            </a:lvl1pPr>
+          </a:lstStyle>
+          <a:p>
+            <a:r>
+              <a:rPr lang="hr-HR" dirty="0" smtClean="0">
+                <a:solidFill>
+                  <a:srgbClr val="0066CC"/>
+                </a:solidFill>
+                <a:latin typeface="Coda" panose="020B0500000000000004" pitchFamily="34" charset="0"/>
+              </a:rPr>
+              <a:t>Heuristike</a:t>
+            </a:r>
+            <a:endParaRPr lang="hr-HR" dirty="0">
+              <a:solidFill>
+                <a:srgbClr val="0066CC"/>
+              </a:solidFill>
+              <a:latin typeface="Coda" panose="020B0500000000000004" pitchFamily="34" charset="0"/>
+            </a:endParaRPr>
+          </a:p>
+        </p:txBody>
+      </p:sp>
+    </p:spTree>
+    <p:extLst>
+      <p:ext uri="{BB962C8B-B14F-4D97-AF65-F5344CB8AC3E}">
+        <p14:creationId xmlns:p14="http://schemas.microsoft.com/office/powerpoint/2010/main" val="2206953013"/>
+      </p:ext>
+    </p:extLst>
+  </p:cSld>
+  <p:clrMapOvr>
+    <a:masterClrMapping/>
+  </p:clrMapOvr>
+  <p:timing>
+    <p:tnLst>
+      <p:par>
+        <p:cTn id="1" dur="indefinite" restart="never" nodeType="tmRoot"/>
+      </p:par>
+    </p:tnLst>
+  </p:timing>
+</p:sld>
+</file>
+
+<file path=ppt/slides/slide15.xml><?xml version="1.0" encoding="utf-8"?>
+<p:sld xmlns:a="http://schemas.openxmlformats.org/drawingml/2006/main" xmlns:r="http://schemas.openxmlformats.org/officeDocument/2006/relationships" xmlns:p="http://schemas.openxmlformats.org/presentationml/2006/main">
+  <p:cSld>
+    <p:spTree>
+      <p:nvGrpSpPr>
+        <p:cNvPr id="1" name=""/>
+        <p:cNvGrpSpPr/>
+        <p:nvPr/>
+      </p:nvGrpSpPr>
+      <p:grpSpPr>
+        <a:xfrm>
+          <a:off x="0" y="0"/>
+          <a:ext cx="0" cy="0"/>
+          <a:chOff x="0" y="0"/>
+          <a:chExt cx="0" cy="0"/>
+        </a:xfrm>
+      </p:grpSpPr>
+      <p:sp>
+        <p:nvSpPr>
+          <p:cNvPr id="4" name="Pravokutnik 3"/>
+          <p:cNvSpPr/>
+          <p:nvPr/>
+        </p:nvSpPr>
+        <p:spPr>
+          <a:xfrm>
+            <a:off x="0" y="0"/>
+            <a:ext cx="12192000" cy="1122363"/>
+          </a:xfrm>
+          <a:prstGeom prst="rect">
+            <a:avLst/>
+          </a:prstGeom>
+          <a:solidFill>
+            <a:srgbClr val="0066CC"/>
+          </a:solidFill>
+        </p:spPr>
+        <p:style>
+          <a:lnRef idx="2">
+            <a:schemeClr val="accent1">
+              <a:shade val="50000"/>
+            </a:schemeClr>
+          </a:lnRef>
+          <a:fillRef idx="1">
+            <a:schemeClr val="accent1"/>
+          </a:fillRef>
+          <a:effectRef idx="0">
+            <a:schemeClr val="accent1"/>
+          </a:effectRef>
+          <a:fontRef idx="minor">
+            <a:schemeClr val="lt1"/>
+          </a:fontRef>
+        </p:style>
+        <p:txBody>
+          <a:bodyPr rtlCol="0" anchor="ctr"/>
+          <a:lstStyle/>
+          <a:p>
+            <a:pPr algn="ctr"/>
+            <a:endParaRPr lang="hr-HR"/>
+          </a:p>
+        </p:txBody>
+      </p:sp>
+      <p:pic>
+        <p:nvPicPr>
+          <p:cNvPr id="5" name="Slika 4"/>
+          <p:cNvPicPr>
+            <a:picLocks noChangeAspect="1"/>
+          </p:cNvPicPr>
+          <p:nvPr/>
+        </p:nvPicPr>
+        <p:blipFill>
+          <a:blip r:embed="rId3">
+            <a:extLst>
+              <a:ext uri="{28A0092B-C50C-407E-A947-70E740481C1C}">
+                <a14:useLocalDpi xmlns:a14="http://schemas.microsoft.com/office/drawing/2010/main" val="0"/>
+              </a:ext>
+            </a:extLst>
+          </a:blip>
+          <a:stretch>
+            <a:fillRect/>
+          </a:stretch>
+        </p:blipFill>
+        <p:spPr>
+          <a:xfrm>
+            <a:off x="331730" y="146676"/>
+            <a:ext cx="829010" cy="829010"/>
+          </a:xfrm>
+          <a:prstGeom prst="rect">
+            <a:avLst/>
+          </a:prstGeom>
+        </p:spPr>
+      </p:pic>
+      <p:sp>
+        <p:nvSpPr>
+          <p:cNvPr id="2" name="Rezervirano mjesto sadržaja 1"/>
+          <p:cNvSpPr>
+            <a:spLocks noGrp="1"/>
+          </p:cNvSpPr>
+          <p:nvPr>
+            <p:ph idx="1"/>
+          </p:nvPr>
+        </p:nvSpPr>
+        <p:spPr/>
+        <p:txBody>
+          <a:bodyPr/>
+          <a:lstStyle/>
+          <a:p>
+            <a:endParaRPr lang="hr-HR"/>
+          </a:p>
+        </p:txBody>
+      </p:sp>
+      <p:pic>
+        <p:nvPicPr>
+          <p:cNvPr id="3" name="Slika 2"/>
+          <p:cNvPicPr>
+            <a:picLocks noChangeAspect="1"/>
+          </p:cNvPicPr>
+          <p:nvPr/>
+        </p:nvPicPr>
+        <p:blipFill>
+          <a:blip r:embed="rId4"/>
+          <a:stretch>
+            <a:fillRect/>
+          </a:stretch>
+        </p:blipFill>
+        <p:spPr>
+          <a:xfrm>
+            <a:off x="364835" y="1122361"/>
+            <a:ext cx="11462330" cy="5735639"/>
+          </a:xfrm>
+          <a:prstGeom prst="rect">
+            <a:avLst/>
+          </a:prstGeom>
+        </p:spPr>
+      </p:pic>
+    </p:spTree>
+    <p:extLst>
+      <p:ext uri="{BB962C8B-B14F-4D97-AF65-F5344CB8AC3E}">
+        <p14:creationId xmlns:p14="http://schemas.microsoft.com/office/powerpoint/2010/main" val="1656646870"/>
+      </p:ext>
+    </p:extLst>
+  </p:cSld>
+  <p:clrMapOvr>
+    <a:masterClrMapping/>
+  </p:clrMapOvr>
+  <p:timing>
+    <p:tnLst>
+      <p:par>
+        <p:cTn id="1" dur="indefinite" restart="never" nodeType="tmRoot"/>
+      </p:par>
+    </p:tnLst>
+  </p:timing>
+</p:sld>
+</file>
+
+<file path=ppt/slides/slide16.xml><?xml version="1.0" encoding="utf-8"?>
+<p:sld xmlns:a="http://schemas.openxmlformats.org/drawingml/2006/main" xmlns:r="http://schemas.openxmlformats.org/officeDocument/2006/relationships" xmlns:p="http://schemas.openxmlformats.org/presentationml/2006/main">
+  <p:cSld>
+    <p:spTree>
+      <p:nvGrpSpPr>
+        <p:cNvPr id="1" name=""/>
+        <p:cNvGrpSpPr/>
+        <p:nvPr/>
+      </p:nvGrpSpPr>
+      <p:grpSpPr>
+        <a:xfrm>
+          <a:off x="0" y="0"/>
+          <a:ext cx="0" cy="0"/>
+          <a:chOff x="0" y="0"/>
+          <a:chExt cx="0" cy="0"/>
+        </a:xfrm>
+      </p:grpSpPr>
+      <p:sp>
+        <p:nvSpPr>
+          <p:cNvPr id="3" name="Rezervirano mjesto sadržaja 2"/>
+          <p:cNvSpPr>
+            <a:spLocks noGrp="1"/>
+          </p:cNvSpPr>
+          <p:nvPr>
+            <p:ph idx="1"/>
+          </p:nvPr>
+        </p:nvSpPr>
+        <p:spPr>
+          <a:xfrm>
+            <a:off x="838200" y="2748805"/>
+            <a:ext cx="10515600" cy="4351338"/>
+          </a:xfrm>
+        </p:spPr>
+        <p:txBody>
+          <a:bodyPr>
+            <a:normAutofit/>
+          </a:bodyPr>
+          <a:lstStyle/>
+          <a:p>
+            <a:pPr marL="0" indent="0">
+              <a:buClr>
+                <a:srgbClr val="0066CC"/>
+              </a:buClr>
+              <a:buNone/>
+            </a:pPr>
+            <a:r>
+              <a:rPr lang="hr-HR" dirty="0" smtClean="0">
+                <a:solidFill>
+                  <a:srgbClr val="0066CC"/>
+                </a:solidFill>
+                <a:latin typeface="Coda" panose="020B0500000000000004" pitchFamily="34" charset="0"/>
+              </a:rPr>
+              <a:t>…</a:t>
+            </a:r>
+          </a:p>
+          <a:p>
+            <a:pPr marL="514350" indent="-514350">
+              <a:buClr>
+                <a:srgbClr val="0066CC"/>
+              </a:buClr>
+              <a:buFont typeface="+mj-lt"/>
+              <a:buAutoNum type="arabicPeriod" startAt="6"/>
+            </a:pPr>
+            <a:r>
+              <a:rPr lang="hr-HR" dirty="0" smtClean="0">
+                <a:solidFill>
+                  <a:srgbClr val="FF5C01"/>
+                </a:solidFill>
+                <a:latin typeface="Coda" panose="020B0500000000000004" pitchFamily="34" charset="0"/>
+              </a:rPr>
+              <a:t>Detekcija i oporavak od greške</a:t>
+            </a:r>
+          </a:p>
+          <a:p>
+            <a:pPr marL="514350" indent="-514350">
+              <a:buClr>
+                <a:srgbClr val="0066CC"/>
+              </a:buClr>
+              <a:buFont typeface="+mj-lt"/>
+              <a:buAutoNum type="arabicPeriod" startAt="6"/>
+            </a:pPr>
+            <a:r>
+              <a:rPr lang="hr-HR" dirty="0" smtClean="0">
+                <a:latin typeface="Coda" panose="020B0500000000000004" pitchFamily="34" charset="0"/>
+              </a:rPr>
+              <a:t>Prepoznavanje umjesto prisjećanja</a:t>
+            </a:r>
+          </a:p>
+          <a:p>
+            <a:pPr marL="514350" indent="-514350">
+              <a:buClr>
+                <a:srgbClr val="0066CC"/>
+              </a:buClr>
+              <a:buFont typeface="+mj-lt"/>
+              <a:buAutoNum type="arabicPeriod" startAt="6"/>
+            </a:pPr>
+            <a:r>
+              <a:rPr lang="hr-HR" dirty="0" smtClean="0">
+                <a:latin typeface="Coda" panose="020B0500000000000004" pitchFamily="34" charset="0"/>
+              </a:rPr>
+              <a:t>Fleksibilnost i efikasnost korištenja</a:t>
+            </a:r>
+          </a:p>
+          <a:p>
+            <a:pPr marL="514350" indent="-514350">
+              <a:buClr>
+                <a:srgbClr val="0066CC"/>
+              </a:buClr>
+              <a:buFont typeface="+mj-lt"/>
+              <a:buAutoNum type="arabicPeriod" startAt="6"/>
+            </a:pPr>
+            <a:r>
+              <a:rPr lang="hr-HR" dirty="0" smtClean="0">
+                <a:latin typeface="Coda" panose="020B0500000000000004" pitchFamily="34" charset="0"/>
+              </a:rPr>
+              <a:t>Estetika i minimalistički </a:t>
+            </a:r>
+            <a:r>
+              <a:rPr lang="hr-HR" dirty="0" smtClean="0">
+                <a:latin typeface="Coda" panose="020B0500000000000004" pitchFamily="34" charset="0"/>
+              </a:rPr>
+              <a:t>dizajn</a:t>
+            </a:r>
+            <a:endParaRPr lang="hr-HR" dirty="0" smtClean="0">
+              <a:latin typeface="Coda" panose="020B0500000000000004" pitchFamily="34" charset="0"/>
+            </a:endParaRPr>
+          </a:p>
+          <a:p>
+            <a:pPr marL="514350" indent="-514350">
+              <a:buClr>
+                <a:srgbClr val="0066CC"/>
+              </a:buClr>
+              <a:buFont typeface="+mj-lt"/>
+              <a:buAutoNum type="arabicPeriod" startAt="6"/>
+            </a:pPr>
+            <a:r>
+              <a:rPr lang="hr-HR" dirty="0" smtClean="0">
+                <a:latin typeface="Coda" panose="020B0500000000000004" pitchFamily="34" charset="0"/>
+              </a:rPr>
+              <a:t>Pomoć i dokumentacija</a:t>
+            </a:r>
+            <a:endParaRPr lang="hr-HR" dirty="0">
+              <a:latin typeface="Coda" panose="020B0500000000000004" pitchFamily="34" charset="0"/>
+            </a:endParaRPr>
+          </a:p>
+        </p:txBody>
+      </p:sp>
+      <p:sp>
+        <p:nvSpPr>
+          <p:cNvPr id="4" name="Pravokutnik 3"/>
+          <p:cNvSpPr/>
+          <p:nvPr/>
+        </p:nvSpPr>
+        <p:spPr>
+          <a:xfrm>
+            <a:off x="0" y="0"/>
+            <a:ext cx="12192000" cy="1122363"/>
+          </a:xfrm>
+          <a:prstGeom prst="rect">
+            <a:avLst/>
+          </a:prstGeom>
+          <a:solidFill>
+            <a:srgbClr val="0066CC"/>
+          </a:solidFill>
+        </p:spPr>
+        <p:style>
+          <a:lnRef idx="2">
+            <a:schemeClr val="accent1">
+              <a:shade val="50000"/>
+            </a:schemeClr>
+          </a:lnRef>
+          <a:fillRef idx="1">
+            <a:schemeClr val="accent1"/>
+          </a:fillRef>
+          <a:effectRef idx="0">
+            <a:schemeClr val="accent1"/>
+          </a:effectRef>
+          <a:fontRef idx="minor">
+            <a:schemeClr val="lt1"/>
+          </a:fontRef>
+        </p:style>
+        <p:txBody>
+          <a:bodyPr rtlCol="0" anchor="ctr"/>
+          <a:lstStyle/>
+          <a:p>
+            <a:pPr algn="ctr"/>
+            <a:endParaRPr lang="hr-HR"/>
+          </a:p>
+        </p:txBody>
+      </p:sp>
+      <p:pic>
+        <p:nvPicPr>
+          <p:cNvPr id="5" name="Slika 4"/>
+          <p:cNvPicPr>
+            <a:picLocks noChangeAspect="1"/>
+          </p:cNvPicPr>
+          <p:nvPr/>
+        </p:nvPicPr>
+        <p:blipFill>
+          <a:blip r:embed="rId2">
+            <a:extLst>
+              <a:ext uri="{28A0092B-C50C-407E-A947-70E740481C1C}">
+                <a14:useLocalDpi xmlns:a14="http://schemas.microsoft.com/office/drawing/2010/main" val="0"/>
+              </a:ext>
+            </a:extLst>
+          </a:blip>
+          <a:stretch>
+            <a:fillRect/>
+          </a:stretch>
+        </p:blipFill>
+        <p:spPr>
+          <a:xfrm>
+            <a:off x="331730" y="146676"/>
+            <a:ext cx="829010" cy="829010"/>
+          </a:xfrm>
+          <a:prstGeom prst="rect">
+            <a:avLst/>
+          </a:prstGeom>
+        </p:spPr>
+      </p:pic>
+      <p:sp>
+        <p:nvSpPr>
+          <p:cNvPr id="6" name="Naslov 1"/>
+          <p:cNvSpPr txBox="1">
+            <a:spLocks/>
+          </p:cNvSpPr>
+          <p:nvPr/>
+        </p:nvSpPr>
+        <p:spPr>
+          <a:xfrm>
+            <a:off x="838200" y="1538989"/>
+            <a:ext cx="10515600" cy="1325563"/>
+          </a:xfrm>
+          <a:prstGeom prst="rect">
+            <a:avLst/>
+          </a:prstGeom>
+        </p:spPr>
+        <p:txBody>
+          <a:bodyPr vert="horz" lIns="91440" tIns="45720" rIns="91440" bIns="45720" rtlCol="0" anchor="ctr">
+            <a:normAutofit/>
+          </a:bodyPr>
+          <a:lstStyle>
+            <a:lvl1pPr algn="l" defTabSz="914400" rtl="0" eaLnBrk="1" latinLnBrk="0" hangingPunct="1">
+              <a:lnSpc>
+                <a:spcPct val="90000"/>
+              </a:lnSpc>
+              <a:spcBef>
+                <a:spcPct val="0"/>
+              </a:spcBef>
+              <a:buNone/>
+              <a:defRPr sz="4400" kern="1200">
+                <a:solidFill>
+                  <a:schemeClr val="tx1"/>
+                </a:solidFill>
+                <a:latin typeface="+mj-lt"/>
+                <a:ea typeface="+mj-ea"/>
+                <a:cs typeface="+mj-cs"/>
+              </a:defRPr>
+            </a:lvl1pPr>
+          </a:lstStyle>
+          <a:p>
+            <a:r>
+              <a:rPr lang="hr-HR" dirty="0" smtClean="0">
+                <a:solidFill>
+                  <a:srgbClr val="0066CC"/>
+                </a:solidFill>
+                <a:latin typeface="Coda" panose="020B0500000000000004" pitchFamily="34" charset="0"/>
+              </a:rPr>
+              <a:t>Heuristike</a:t>
+            </a:r>
+            <a:endParaRPr lang="hr-HR" dirty="0">
+              <a:solidFill>
+                <a:srgbClr val="0066CC"/>
+              </a:solidFill>
+              <a:latin typeface="Coda" panose="020B0500000000000004" pitchFamily="34" charset="0"/>
+            </a:endParaRPr>
+          </a:p>
+        </p:txBody>
+      </p:sp>
+    </p:spTree>
+    <p:extLst>
+      <p:ext uri="{BB962C8B-B14F-4D97-AF65-F5344CB8AC3E}">
+        <p14:creationId xmlns:p14="http://schemas.microsoft.com/office/powerpoint/2010/main" val="335740200"/>
+      </p:ext>
+    </p:extLst>
+  </p:cSld>
+  <p:clrMapOvr>
+    <a:masterClrMapping/>
+  </p:clrMapOvr>
+  <p:timing>
+    <p:tnLst>
+      <p:par>
+        <p:cTn id="1" dur="indefinite" restart="never" nodeType="tmRoot"/>
+      </p:par>
+    </p:tnLst>
+  </p:timing>
+</p:sld>
+</file>
+
+<file path=ppt/slides/slide17.xml><?xml version="1.0" encoding="utf-8"?>
+<p:sld xmlns:a="http://schemas.openxmlformats.org/drawingml/2006/main" xmlns:r="http://schemas.openxmlformats.org/officeDocument/2006/relationships" xmlns:p="http://schemas.openxmlformats.org/presentationml/2006/main">
+  <p:cSld>
+    <p:spTree>
+      <p:nvGrpSpPr>
+        <p:cNvPr id="1" name=""/>
+        <p:cNvGrpSpPr/>
+        <p:nvPr/>
+      </p:nvGrpSpPr>
+      <p:grpSpPr>
+        <a:xfrm>
+          <a:off x="0" y="0"/>
+          <a:ext cx="0" cy="0"/>
+          <a:chOff x="0" y="0"/>
+          <a:chExt cx="0" cy="0"/>
+        </a:xfrm>
+      </p:grpSpPr>
+      <p:sp>
+        <p:nvSpPr>
+          <p:cNvPr id="4" name="Pravokutnik 3"/>
+          <p:cNvSpPr/>
+          <p:nvPr/>
+        </p:nvSpPr>
+        <p:spPr>
+          <a:xfrm>
+            <a:off x="0" y="0"/>
+            <a:ext cx="12192000" cy="1122363"/>
+          </a:xfrm>
+          <a:prstGeom prst="rect">
+            <a:avLst/>
+          </a:prstGeom>
+          <a:solidFill>
+            <a:srgbClr val="0066CC"/>
+          </a:solidFill>
+        </p:spPr>
+        <p:style>
+          <a:lnRef idx="2">
+            <a:schemeClr val="accent1">
+              <a:shade val="50000"/>
+            </a:schemeClr>
+          </a:lnRef>
+          <a:fillRef idx="1">
+            <a:schemeClr val="accent1"/>
+          </a:fillRef>
+          <a:effectRef idx="0">
+            <a:schemeClr val="accent1"/>
+          </a:effectRef>
+          <a:fontRef idx="minor">
+            <a:schemeClr val="lt1"/>
+          </a:fontRef>
+        </p:style>
+        <p:txBody>
+          <a:bodyPr rtlCol="0" anchor="ctr"/>
+          <a:lstStyle/>
+          <a:p>
+            <a:pPr algn="ctr"/>
+            <a:endParaRPr lang="hr-HR"/>
+          </a:p>
+        </p:txBody>
+      </p:sp>
+      <p:pic>
+        <p:nvPicPr>
+          <p:cNvPr id="5" name="Slika 4"/>
+          <p:cNvPicPr>
+            <a:picLocks noChangeAspect="1"/>
+          </p:cNvPicPr>
+          <p:nvPr/>
+        </p:nvPicPr>
+        <p:blipFill>
+          <a:blip r:embed="rId3">
+            <a:extLst>
+              <a:ext uri="{28A0092B-C50C-407E-A947-70E740481C1C}">
+                <a14:useLocalDpi xmlns:a14="http://schemas.microsoft.com/office/drawing/2010/main" val="0"/>
+              </a:ext>
+            </a:extLst>
+          </a:blip>
+          <a:stretch>
+            <a:fillRect/>
+          </a:stretch>
+        </p:blipFill>
+        <p:spPr>
+          <a:xfrm>
+            <a:off x="331730" y="146676"/>
+            <a:ext cx="829010" cy="829010"/>
+          </a:xfrm>
+          <a:prstGeom prst="rect">
+            <a:avLst/>
+          </a:prstGeom>
+        </p:spPr>
+      </p:pic>
+      <p:sp>
+        <p:nvSpPr>
+          <p:cNvPr id="2" name="Rezervirano mjesto sadržaja 1"/>
+          <p:cNvSpPr>
+            <a:spLocks noGrp="1"/>
+          </p:cNvSpPr>
+          <p:nvPr>
+            <p:ph idx="1"/>
+          </p:nvPr>
+        </p:nvSpPr>
+        <p:spPr/>
+        <p:txBody>
+          <a:bodyPr/>
+          <a:lstStyle/>
+          <a:p>
+            <a:endParaRPr lang="hr-HR"/>
+          </a:p>
+        </p:txBody>
+      </p:sp>
+      <p:pic>
+        <p:nvPicPr>
+          <p:cNvPr id="3" name="Slika 2"/>
+          <p:cNvPicPr>
+            <a:picLocks noChangeAspect="1"/>
+          </p:cNvPicPr>
+          <p:nvPr/>
+        </p:nvPicPr>
+        <p:blipFill>
+          <a:blip r:embed="rId4"/>
+          <a:stretch>
+            <a:fillRect/>
+          </a:stretch>
+        </p:blipFill>
+        <p:spPr>
+          <a:xfrm>
+            <a:off x="3748963" y="1137811"/>
+            <a:ext cx="4694073" cy="5735637"/>
+          </a:xfrm>
+          <a:prstGeom prst="rect">
+            <a:avLst/>
+          </a:prstGeom>
+        </p:spPr>
+      </p:pic>
+    </p:spTree>
+    <p:extLst>
+      <p:ext uri="{BB962C8B-B14F-4D97-AF65-F5344CB8AC3E}">
+        <p14:creationId xmlns:p14="http://schemas.microsoft.com/office/powerpoint/2010/main" val="252472658"/>
+      </p:ext>
+    </p:extLst>
+  </p:cSld>
+  <p:clrMapOvr>
+    <a:masterClrMapping/>
+  </p:clrMapOvr>
+  <p:timing>
+    <p:tnLst>
+      <p:par>
+        <p:cTn id="1" dur="indefinite" restart="never" nodeType="tmRoot"/>
+      </p:par>
+    </p:tnLst>
+  </p:timing>
+</p:sld>
+</file>
+
+<file path=ppt/slides/slide18.xml><?xml version="1.0" encoding="utf-8"?>
+<p:sld xmlns:a="http://schemas.openxmlformats.org/drawingml/2006/main" xmlns:r="http://schemas.openxmlformats.org/officeDocument/2006/relationships" xmlns:p="http://schemas.openxmlformats.org/presentationml/2006/main">
+  <p:cSld>
+    <p:spTree>
+      <p:nvGrpSpPr>
+        <p:cNvPr id="1" name=""/>
+        <p:cNvGrpSpPr/>
+        <p:nvPr/>
+      </p:nvGrpSpPr>
+      <p:grpSpPr>
+        <a:xfrm>
+          <a:off x="0" y="0"/>
+          <a:ext cx="0" cy="0"/>
+          <a:chOff x="0" y="0"/>
+          <a:chExt cx="0" cy="0"/>
+        </a:xfrm>
+      </p:grpSpPr>
+      <p:sp>
+        <p:nvSpPr>
+          <p:cNvPr id="3" name="Rezervirano mjesto sadržaja 2"/>
+          <p:cNvSpPr>
+            <a:spLocks noGrp="1"/>
+          </p:cNvSpPr>
+          <p:nvPr>
+            <p:ph idx="1"/>
+          </p:nvPr>
+        </p:nvSpPr>
+        <p:spPr>
+          <a:xfrm>
+            <a:off x="838200" y="2748805"/>
+            <a:ext cx="10515600" cy="4351338"/>
+          </a:xfrm>
+        </p:spPr>
+        <p:txBody>
+          <a:bodyPr>
+            <a:normAutofit/>
+          </a:bodyPr>
+          <a:lstStyle/>
+          <a:p>
+            <a:pPr marL="0" indent="0">
+              <a:buClr>
+                <a:srgbClr val="0066CC"/>
+              </a:buClr>
+              <a:buNone/>
+            </a:pPr>
+            <a:r>
+              <a:rPr lang="hr-HR" dirty="0" smtClean="0">
+                <a:solidFill>
+                  <a:srgbClr val="0066CC"/>
+                </a:solidFill>
+                <a:latin typeface="Coda" panose="020B0500000000000004" pitchFamily="34" charset="0"/>
+              </a:rPr>
+              <a:t>…</a:t>
+            </a:r>
+          </a:p>
+          <a:p>
+            <a:pPr marL="514350" indent="-514350">
+              <a:buClr>
+                <a:srgbClr val="0066CC"/>
+              </a:buClr>
+              <a:buFont typeface="+mj-lt"/>
+              <a:buAutoNum type="arabicPeriod" startAt="6"/>
+            </a:pPr>
+            <a:r>
+              <a:rPr lang="hr-HR" dirty="0" smtClean="0">
+                <a:latin typeface="Coda" panose="020B0500000000000004" pitchFamily="34" charset="0"/>
+              </a:rPr>
+              <a:t>Detekcija i oporavak od greške</a:t>
+            </a:r>
+          </a:p>
+          <a:p>
+            <a:pPr marL="514350" indent="-514350">
+              <a:buClr>
+                <a:srgbClr val="0066CC"/>
+              </a:buClr>
+              <a:buFont typeface="+mj-lt"/>
+              <a:buAutoNum type="arabicPeriod" startAt="6"/>
+            </a:pPr>
+            <a:r>
+              <a:rPr lang="hr-HR" dirty="0" smtClean="0">
+                <a:solidFill>
+                  <a:srgbClr val="FF5C01"/>
+                </a:solidFill>
+                <a:latin typeface="Coda" panose="020B0500000000000004" pitchFamily="34" charset="0"/>
+              </a:rPr>
+              <a:t>Prepoznavanje umjesto prisjećanja</a:t>
+            </a:r>
+          </a:p>
+          <a:p>
+            <a:pPr marL="514350" indent="-514350">
+              <a:buClr>
+                <a:srgbClr val="0066CC"/>
+              </a:buClr>
+              <a:buFont typeface="+mj-lt"/>
+              <a:buAutoNum type="arabicPeriod" startAt="6"/>
+            </a:pPr>
+            <a:r>
+              <a:rPr lang="hr-HR" dirty="0" smtClean="0">
+                <a:latin typeface="Coda" panose="020B0500000000000004" pitchFamily="34" charset="0"/>
+              </a:rPr>
+              <a:t>Fleksibilnost i efikasnost korištenja</a:t>
+            </a:r>
+          </a:p>
+          <a:p>
+            <a:pPr marL="514350" indent="-514350">
+              <a:buClr>
+                <a:srgbClr val="0066CC"/>
+              </a:buClr>
+              <a:buFont typeface="+mj-lt"/>
+              <a:buAutoNum type="arabicPeriod" startAt="6"/>
+            </a:pPr>
+            <a:r>
+              <a:rPr lang="hr-HR" dirty="0" smtClean="0">
+                <a:latin typeface="Coda" panose="020B0500000000000004" pitchFamily="34" charset="0"/>
+              </a:rPr>
+              <a:t>Estetika i minimalistički </a:t>
+            </a:r>
+            <a:r>
+              <a:rPr lang="hr-HR" dirty="0" smtClean="0">
+                <a:latin typeface="Coda" panose="020B0500000000000004" pitchFamily="34" charset="0"/>
+              </a:rPr>
+              <a:t>dizajn</a:t>
+            </a:r>
+            <a:endParaRPr lang="hr-HR" dirty="0" smtClean="0">
+              <a:latin typeface="Coda" panose="020B0500000000000004" pitchFamily="34" charset="0"/>
+            </a:endParaRPr>
+          </a:p>
+          <a:p>
+            <a:pPr marL="514350" indent="-514350">
+              <a:buClr>
+                <a:srgbClr val="0066CC"/>
+              </a:buClr>
+              <a:buFont typeface="+mj-lt"/>
+              <a:buAutoNum type="arabicPeriod" startAt="6"/>
+            </a:pPr>
+            <a:r>
+              <a:rPr lang="hr-HR" dirty="0" smtClean="0">
+                <a:latin typeface="Coda" panose="020B0500000000000004" pitchFamily="34" charset="0"/>
+              </a:rPr>
+              <a:t>Pomoć i dokumentacija</a:t>
+            </a:r>
+            <a:endParaRPr lang="hr-HR" dirty="0">
+              <a:latin typeface="Coda" panose="020B0500000000000004" pitchFamily="34" charset="0"/>
+            </a:endParaRPr>
+          </a:p>
+        </p:txBody>
+      </p:sp>
+      <p:sp>
+        <p:nvSpPr>
+          <p:cNvPr id="4" name="Pravokutnik 3"/>
+          <p:cNvSpPr/>
+          <p:nvPr/>
+        </p:nvSpPr>
+        <p:spPr>
+          <a:xfrm>
+            <a:off x="0" y="0"/>
+            <a:ext cx="12192000" cy="1122363"/>
+          </a:xfrm>
+          <a:prstGeom prst="rect">
+            <a:avLst/>
+          </a:prstGeom>
+          <a:solidFill>
+            <a:srgbClr val="0066CC"/>
+          </a:solidFill>
+        </p:spPr>
+        <p:style>
+          <a:lnRef idx="2">
+            <a:schemeClr val="accent1">
+              <a:shade val="50000"/>
+            </a:schemeClr>
+          </a:lnRef>
+          <a:fillRef idx="1">
+            <a:schemeClr val="accent1"/>
+          </a:fillRef>
+          <a:effectRef idx="0">
+            <a:schemeClr val="accent1"/>
+          </a:effectRef>
+          <a:fontRef idx="minor">
+            <a:schemeClr val="lt1"/>
+          </a:fontRef>
+        </p:style>
+        <p:txBody>
+          <a:bodyPr rtlCol="0" anchor="ctr"/>
+          <a:lstStyle/>
+          <a:p>
+            <a:pPr algn="ctr"/>
+            <a:endParaRPr lang="hr-HR"/>
+          </a:p>
+        </p:txBody>
+      </p:sp>
+      <p:pic>
+        <p:nvPicPr>
+          <p:cNvPr id="5" name="Slika 4"/>
+          <p:cNvPicPr>
+            <a:picLocks noChangeAspect="1"/>
+          </p:cNvPicPr>
+          <p:nvPr/>
+        </p:nvPicPr>
+        <p:blipFill>
+          <a:blip r:embed="rId2">
+            <a:extLst>
+              <a:ext uri="{28A0092B-C50C-407E-A947-70E740481C1C}">
+                <a14:useLocalDpi xmlns:a14="http://schemas.microsoft.com/office/drawing/2010/main" val="0"/>
+              </a:ext>
+            </a:extLst>
+          </a:blip>
+          <a:stretch>
+            <a:fillRect/>
+          </a:stretch>
+        </p:blipFill>
+        <p:spPr>
+          <a:xfrm>
+            <a:off x="331730" y="146676"/>
+            <a:ext cx="829010" cy="829010"/>
+          </a:xfrm>
+          <a:prstGeom prst="rect">
+            <a:avLst/>
+          </a:prstGeom>
+        </p:spPr>
+      </p:pic>
+      <p:sp>
+        <p:nvSpPr>
+          <p:cNvPr id="6" name="Naslov 1"/>
+          <p:cNvSpPr txBox="1">
+            <a:spLocks/>
+          </p:cNvSpPr>
+          <p:nvPr/>
+        </p:nvSpPr>
+        <p:spPr>
+          <a:xfrm>
+            <a:off x="838200" y="1538989"/>
+            <a:ext cx="10515600" cy="1325563"/>
+          </a:xfrm>
+          <a:prstGeom prst="rect">
+            <a:avLst/>
+          </a:prstGeom>
+        </p:spPr>
+        <p:txBody>
+          <a:bodyPr vert="horz" lIns="91440" tIns="45720" rIns="91440" bIns="45720" rtlCol="0" anchor="ctr">
+            <a:normAutofit/>
+          </a:bodyPr>
+          <a:lstStyle>
+            <a:lvl1pPr algn="l" defTabSz="914400" rtl="0" eaLnBrk="1" latinLnBrk="0" hangingPunct="1">
+              <a:lnSpc>
+                <a:spcPct val="90000"/>
+              </a:lnSpc>
+              <a:spcBef>
+                <a:spcPct val="0"/>
+              </a:spcBef>
+              <a:buNone/>
+              <a:defRPr sz="4400" kern="1200">
+                <a:solidFill>
+                  <a:schemeClr val="tx1"/>
+                </a:solidFill>
+                <a:latin typeface="+mj-lt"/>
+                <a:ea typeface="+mj-ea"/>
+                <a:cs typeface="+mj-cs"/>
+              </a:defRPr>
+            </a:lvl1pPr>
+          </a:lstStyle>
+          <a:p>
+            <a:r>
+              <a:rPr lang="hr-HR" dirty="0" smtClean="0">
+                <a:solidFill>
+                  <a:srgbClr val="0066CC"/>
+                </a:solidFill>
+                <a:latin typeface="Coda" panose="020B0500000000000004" pitchFamily="34" charset="0"/>
+              </a:rPr>
+              <a:t>Heuristike</a:t>
+            </a:r>
+            <a:endParaRPr lang="hr-HR" dirty="0">
+              <a:solidFill>
+                <a:srgbClr val="0066CC"/>
+              </a:solidFill>
+              <a:latin typeface="Coda" panose="020B0500000000000004" pitchFamily="34" charset="0"/>
+            </a:endParaRPr>
+          </a:p>
+        </p:txBody>
+      </p:sp>
+    </p:spTree>
+    <p:extLst>
+      <p:ext uri="{BB962C8B-B14F-4D97-AF65-F5344CB8AC3E}">
+        <p14:creationId xmlns:p14="http://schemas.microsoft.com/office/powerpoint/2010/main" val="2351942032"/>
+      </p:ext>
+    </p:extLst>
+  </p:cSld>
+  <p:clrMapOvr>
+    <a:masterClrMapping/>
+  </p:clrMapOvr>
+  <p:timing>
+    <p:tnLst>
+      <p:par>
+        <p:cTn id="1" dur="indefinite" restart="never" nodeType="tmRoot"/>
+      </p:par>
+    </p:tnLst>
+  </p:timing>
+</p:sld>
+</file>
+
+<file path=ppt/slides/slide19.xml><?xml version="1.0" encoding="utf-8"?>
+<p:sld xmlns:a="http://schemas.openxmlformats.org/drawingml/2006/main" xmlns:r="http://schemas.openxmlformats.org/officeDocument/2006/relationships" xmlns:p="http://schemas.openxmlformats.org/presentationml/2006/main">
+  <p:cSld>
+    <p:spTree>
+      <p:nvGrpSpPr>
+        <p:cNvPr id="1" name=""/>
+        <p:cNvGrpSpPr/>
+        <p:nvPr/>
+      </p:nvGrpSpPr>
+      <p:grpSpPr>
+        <a:xfrm>
+          <a:off x="0" y="0"/>
+          <a:ext cx="0" cy="0"/>
+          <a:chOff x="0" y="0"/>
+          <a:chExt cx="0" cy="0"/>
+        </a:xfrm>
+      </p:grpSpPr>
+      <p:sp>
+        <p:nvSpPr>
+          <p:cNvPr id="4" name="Pravokutnik 3"/>
+          <p:cNvSpPr/>
+          <p:nvPr/>
+        </p:nvSpPr>
+        <p:spPr>
+          <a:xfrm>
+            <a:off x="0" y="0"/>
+            <a:ext cx="12192000" cy="1122363"/>
+          </a:xfrm>
+          <a:prstGeom prst="rect">
+            <a:avLst/>
+          </a:prstGeom>
+          <a:solidFill>
+            <a:srgbClr val="0066CC"/>
+          </a:solidFill>
+        </p:spPr>
+        <p:style>
+          <a:lnRef idx="2">
+            <a:schemeClr val="accent1">
+              <a:shade val="50000"/>
+            </a:schemeClr>
+          </a:lnRef>
+          <a:fillRef idx="1">
+            <a:schemeClr val="accent1"/>
+          </a:fillRef>
+          <a:effectRef idx="0">
+            <a:schemeClr val="accent1"/>
+          </a:effectRef>
+          <a:fontRef idx="minor">
+            <a:schemeClr val="lt1"/>
+          </a:fontRef>
+        </p:style>
+        <p:txBody>
+          <a:bodyPr rtlCol="0" anchor="ctr"/>
+          <a:lstStyle/>
+          <a:p>
+            <a:pPr algn="ctr"/>
+            <a:endParaRPr lang="hr-HR"/>
+          </a:p>
+        </p:txBody>
+      </p:sp>
+      <p:pic>
+        <p:nvPicPr>
+          <p:cNvPr id="5" name="Slika 4"/>
+          <p:cNvPicPr>
+            <a:picLocks noChangeAspect="1"/>
+          </p:cNvPicPr>
+          <p:nvPr/>
+        </p:nvPicPr>
+        <p:blipFill>
+          <a:blip r:embed="rId3">
+            <a:extLst>
+              <a:ext uri="{28A0092B-C50C-407E-A947-70E740481C1C}">
+                <a14:useLocalDpi xmlns:a14="http://schemas.microsoft.com/office/drawing/2010/main" val="0"/>
+              </a:ext>
+            </a:extLst>
+          </a:blip>
+          <a:stretch>
+            <a:fillRect/>
+          </a:stretch>
+        </p:blipFill>
+        <p:spPr>
+          <a:xfrm>
+            <a:off x="331730" y="146676"/>
+            <a:ext cx="829010" cy="829010"/>
+          </a:xfrm>
+          <a:prstGeom prst="rect">
+            <a:avLst/>
+          </a:prstGeom>
+        </p:spPr>
+      </p:pic>
+    </p:spTree>
+    <p:extLst>
+      <p:ext uri="{BB962C8B-B14F-4D97-AF65-F5344CB8AC3E}">
+        <p14:creationId xmlns:p14="http://schemas.microsoft.com/office/powerpoint/2010/main" val="621666392"/>
       </p:ext>
     </p:extLst>
   </p:cSld>
@@ -4352,7 +7520,7 @@
 </p:sld>
 </file>
 
-<file path=ppt/slides/slide3.xml><?xml version="1.0" encoding="utf-8"?>
+<file path=ppt/slides/slide20.xml><?xml version="1.0" encoding="utf-8"?>
 <p:sld xmlns:a="http://schemas.openxmlformats.org/drawingml/2006/main" xmlns:r="http://schemas.openxmlformats.org/officeDocument/2006/relationships" xmlns:p="http://schemas.openxmlformats.org/presentationml/2006/main">
   <p:cSld>
     <p:spTree>
@@ -4371,24 +7539,32 @@
       </p:grpSpPr>
       <p:sp>
         <p:nvSpPr>
-          <p:cNvPr id="2" name="Naslov 1"/>
-          <p:cNvSpPr>
-            <a:spLocks noGrp="1"/>
-          </p:cNvSpPr>
-          <p:nvPr>
-            <p:ph type="title"/>
-          </p:nvPr>
-        </p:nvSpPr>
-        <p:spPr>
-          <a:xfrm>
-            <a:off x="838200" y="1538989"/>
-            <a:ext cx="10515600" cy="1325563"/>
-          </a:xfrm>
-        </p:spPr>
-        <p:txBody>
-          <a:bodyPr/>
-          <a:lstStyle/>
-          <a:p>
+          <p:cNvPr id="3" name="Rezervirano mjesto sadržaja 2"/>
+          <p:cNvSpPr>
+            <a:spLocks noGrp="1"/>
+          </p:cNvSpPr>
+          <p:nvPr>
+            <p:ph idx="1"/>
+          </p:nvPr>
+        </p:nvSpPr>
+        <p:spPr>
+          <a:xfrm>
+            <a:off x="838200" y="2748805"/>
+            <a:ext cx="10515600" cy="4351338"/>
+          </a:xfrm>
+        </p:spPr>
+        <p:txBody>
+          <a:bodyPr>
+            <a:normAutofit/>
+          </a:bodyPr>
+          <a:lstStyle/>
+          <a:p>
+            <a:pPr marL="0" indent="0">
+              <a:buClr>
+                <a:srgbClr val="0066CC"/>
+              </a:buClr>
+              <a:buNone/>
+            </a:pPr>
             <a:r>
               <a:rPr lang="hr-HR" dirty="0" smtClean="0">
                 <a:solidFill>
@@ -4396,12 +7572,96 @@
                 </a:solidFill>
                 <a:latin typeface="Coda" panose="020B0500000000000004" pitchFamily="34" charset="0"/>
               </a:rPr>
-              <a:t>Ciljevi</a:t>
+              <a:t>…</a:t>
+            </a:r>
+          </a:p>
+          <a:p>
+            <a:pPr marL="514350" indent="-514350">
+              <a:buClr>
+                <a:srgbClr val="0066CC"/>
+              </a:buClr>
+              <a:buFont typeface="+mj-lt"/>
+              <a:buAutoNum type="arabicPeriod" startAt="6"/>
+            </a:pPr>
+            <a:r>
+              <a:rPr lang="hr-HR" dirty="0" smtClean="0">
+                <a:latin typeface="Coda" panose="020B0500000000000004" pitchFamily="34" charset="0"/>
+              </a:rPr>
+              <a:t>Detekcija i oporavak od greške</a:t>
+            </a:r>
+          </a:p>
+          <a:p>
+            <a:pPr marL="514350" indent="-514350">
+              <a:buClr>
+                <a:srgbClr val="0066CC"/>
+              </a:buClr>
+              <a:buFont typeface="+mj-lt"/>
+              <a:buAutoNum type="arabicPeriod" startAt="6"/>
+            </a:pPr>
+            <a:r>
+              <a:rPr lang="hr-HR" dirty="0" smtClean="0">
+                <a:latin typeface="Coda" panose="020B0500000000000004" pitchFamily="34" charset="0"/>
+              </a:rPr>
+              <a:t>Prepoznavanje umjesto prisjećanja</a:t>
+            </a:r>
+          </a:p>
+          <a:p>
+            <a:pPr marL="514350" indent="-514350">
+              <a:buClr>
+                <a:srgbClr val="0066CC"/>
+              </a:buClr>
+              <a:buFont typeface="+mj-lt"/>
+              <a:buAutoNum type="arabicPeriod" startAt="6"/>
+            </a:pPr>
+            <a:r>
+              <a:rPr lang="hr-HR" dirty="0" smtClean="0">
+                <a:solidFill>
+                  <a:srgbClr val="FF5C01"/>
+                </a:solidFill>
+                <a:latin typeface="Coda" panose="020B0500000000000004" pitchFamily="34" charset="0"/>
+              </a:rPr>
+              <a:t>Fleksibilnost i efikasnost korištenja</a:t>
+            </a:r>
+          </a:p>
+          <a:p>
+            <a:pPr marL="514350" indent="-514350">
+              <a:buClr>
+                <a:srgbClr val="0066CC"/>
+              </a:buClr>
+              <a:buFont typeface="+mj-lt"/>
+              <a:buAutoNum type="arabicPeriod" startAt="6"/>
+            </a:pPr>
+            <a:r>
+              <a:rPr lang="hr-HR" dirty="0" smtClean="0">
+                <a:latin typeface="Coda" panose="020B0500000000000004" pitchFamily="34" charset="0"/>
+              </a:rPr>
+              <a:t>Estetika i minimalistički </a:t>
+            </a:r>
+            <a:r>
+              <a:rPr lang="hr-HR" dirty="0" smtClean="0">
+                <a:latin typeface="Coda" panose="020B0500000000000004" pitchFamily="34" charset="0"/>
+              </a:rPr>
+              <a:t>dizajn</a:t>
+            </a:r>
+            <a:endParaRPr lang="hr-HR" dirty="0" smtClean="0">
+              <a:latin typeface="Coda" panose="020B0500000000000004" pitchFamily="34" charset="0"/>
+            </a:endParaRPr>
+          </a:p>
+          <a:p>
+            <a:pPr marL="514350" indent="-514350">
+              <a:buClr>
+                <a:srgbClr val="0066CC"/>
+              </a:buClr>
+              <a:buFont typeface="+mj-lt"/>
+              <a:buAutoNum type="arabicPeriod" startAt="6"/>
+            </a:pPr>
+            <a:r>
+              <a:rPr lang="hr-HR" dirty="0" smtClean="0">
+                <a:latin typeface="Coda" panose="020B0500000000000004" pitchFamily="34" charset="0"/>
+              </a:rPr>
+              <a:t>Pomoć i dokumentacija</a:t>
             </a:r>
             <a:endParaRPr lang="hr-HR" dirty="0">
-              <a:solidFill>
-                <a:srgbClr val="0066CC"/>
-              </a:solidFill>
               <a:latin typeface="Coda" panose="020B0500000000000004" pitchFamily="34" charset="0"/>
             </a:endParaRPr>
           </a:p>
@@ -4482,7 +7742,1515 @@
       </p:pic>
       <p:sp>
         <p:nvSpPr>
-          <p:cNvPr id="7" name="Rezervirano mjesto sadržaja 2"/>
+          <p:cNvPr id="6" name="Naslov 1"/>
+          <p:cNvSpPr txBox="1">
+            <a:spLocks/>
+          </p:cNvSpPr>
+          <p:nvPr/>
+        </p:nvSpPr>
+        <p:spPr>
+          <a:xfrm>
+            <a:off x="838200" y="1538989"/>
+            <a:ext cx="10515600" cy="1325563"/>
+          </a:xfrm>
+          <a:prstGeom prst="rect">
+            <a:avLst/>
+          </a:prstGeom>
+        </p:spPr>
+        <p:txBody>
+          <a:bodyPr vert="horz" lIns="91440" tIns="45720" rIns="91440" bIns="45720" rtlCol="0" anchor="ctr">
+            <a:normAutofit/>
+          </a:bodyPr>
+          <a:lstStyle>
+            <a:lvl1pPr algn="l" defTabSz="914400" rtl="0" eaLnBrk="1" latinLnBrk="0" hangingPunct="1">
+              <a:lnSpc>
+                <a:spcPct val="90000"/>
+              </a:lnSpc>
+              <a:spcBef>
+                <a:spcPct val="0"/>
+              </a:spcBef>
+              <a:buNone/>
+              <a:defRPr sz="4400" kern="1200">
+                <a:solidFill>
+                  <a:schemeClr val="tx1"/>
+                </a:solidFill>
+                <a:latin typeface="+mj-lt"/>
+                <a:ea typeface="+mj-ea"/>
+                <a:cs typeface="+mj-cs"/>
+              </a:defRPr>
+            </a:lvl1pPr>
+          </a:lstStyle>
+          <a:p>
+            <a:r>
+              <a:rPr lang="hr-HR" dirty="0" smtClean="0">
+                <a:solidFill>
+                  <a:srgbClr val="0066CC"/>
+                </a:solidFill>
+                <a:latin typeface="Coda" panose="020B0500000000000004" pitchFamily="34" charset="0"/>
+              </a:rPr>
+              <a:t>Heuristike</a:t>
+            </a:r>
+            <a:endParaRPr lang="hr-HR" dirty="0">
+              <a:solidFill>
+                <a:srgbClr val="0066CC"/>
+              </a:solidFill>
+              <a:latin typeface="Coda" panose="020B0500000000000004" pitchFamily="34" charset="0"/>
+            </a:endParaRPr>
+          </a:p>
+        </p:txBody>
+      </p:sp>
+    </p:spTree>
+    <p:extLst>
+      <p:ext uri="{BB962C8B-B14F-4D97-AF65-F5344CB8AC3E}">
+        <p14:creationId xmlns:p14="http://schemas.microsoft.com/office/powerpoint/2010/main" val="767984127"/>
+      </p:ext>
+    </p:extLst>
+  </p:cSld>
+  <p:clrMapOvr>
+    <a:masterClrMapping/>
+  </p:clrMapOvr>
+  <p:timing>
+    <p:tnLst>
+      <p:par>
+        <p:cTn id="1" dur="indefinite" restart="never" nodeType="tmRoot"/>
+      </p:par>
+    </p:tnLst>
+  </p:timing>
+</p:sld>
+</file>
+
+<file path=ppt/slides/slide21.xml><?xml version="1.0" encoding="utf-8"?>
+<p:sld xmlns:a="http://schemas.openxmlformats.org/drawingml/2006/main" xmlns:r="http://schemas.openxmlformats.org/officeDocument/2006/relationships" xmlns:p="http://schemas.openxmlformats.org/presentationml/2006/main">
+  <p:cSld>
+    <p:spTree>
+      <p:nvGrpSpPr>
+        <p:cNvPr id="1" name=""/>
+        <p:cNvGrpSpPr/>
+        <p:nvPr/>
+      </p:nvGrpSpPr>
+      <p:grpSpPr>
+        <a:xfrm>
+          <a:off x="0" y="0"/>
+          <a:ext cx="0" cy="0"/>
+          <a:chOff x="0" y="0"/>
+          <a:chExt cx="0" cy="0"/>
+        </a:xfrm>
+      </p:grpSpPr>
+      <p:sp>
+        <p:nvSpPr>
+          <p:cNvPr id="4" name="Pravokutnik 3"/>
+          <p:cNvSpPr/>
+          <p:nvPr/>
+        </p:nvSpPr>
+        <p:spPr>
+          <a:xfrm>
+            <a:off x="0" y="0"/>
+            <a:ext cx="12192000" cy="1122363"/>
+          </a:xfrm>
+          <a:prstGeom prst="rect">
+            <a:avLst/>
+          </a:prstGeom>
+          <a:solidFill>
+            <a:srgbClr val="0066CC"/>
+          </a:solidFill>
+        </p:spPr>
+        <p:style>
+          <a:lnRef idx="2">
+            <a:schemeClr val="accent1">
+              <a:shade val="50000"/>
+            </a:schemeClr>
+          </a:lnRef>
+          <a:fillRef idx="1">
+            <a:schemeClr val="accent1"/>
+          </a:fillRef>
+          <a:effectRef idx="0">
+            <a:schemeClr val="accent1"/>
+          </a:effectRef>
+          <a:fontRef idx="minor">
+            <a:schemeClr val="lt1"/>
+          </a:fontRef>
+        </p:style>
+        <p:txBody>
+          <a:bodyPr rtlCol="0" anchor="ctr"/>
+          <a:lstStyle/>
+          <a:p>
+            <a:pPr algn="ctr"/>
+            <a:endParaRPr lang="hr-HR"/>
+          </a:p>
+        </p:txBody>
+      </p:sp>
+      <p:pic>
+        <p:nvPicPr>
+          <p:cNvPr id="5" name="Slika 4"/>
+          <p:cNvPicPr>
+            <a:picLocks noChangeAspect="1"/>
+          </p:cNvPicPr>
+          <p:nvPr/>
+        </p:nvPicPr>
+        <p:blipFill>
+          <a:blip r:embed="rId3">
+            <a:extLst>
+              <a:ext uri="{28A0092B-C50C-407E-A947-70E740481C1C}">
+                <a14:useLocalDpi xmlns:a14="http://schemas.microsoft.com/office/drawing/2010/main" val="0"/>
+              </a:ext>
+            </a:extLst>
+          </a:blip>
+          <a:stretch>
+            <a:fillRect/>
+          </a:stretch>
+        </p:blipFill>
+        <p:spPr>
+          <a:xfrm>
+            <a:off x="331730" y="146676"/>
+            <a:ext cx="829010" cy="829010"/>
+          </a:xfrm>
+          <a:prstGeom prst="rect">
+            <a:avLst/>
+          </a:prstGeom>
+        </p:spPr>
+      </p:pic>
+      <p:sp>
+        <p:nvSpPr>
+          <p:cNvPr id="2" name="Rezervirano mjesto sadržaja 1"/>
+          <p:cNvSpPr>
+            <a:spLocks noGrp="1"/>
+          </p:cNvSpPr>
+          <p:nvPr>
+            <p:ph idx="1"/>
+          </p:nvPr>
+        </p:nvSpPr>
+        <p:spPr/>
+        <p:txBody>
+          <a:bodyPr/>
+          <a:lstStyle/>
+          <a:p>
+            <a:endParaRPr lang="hr-HR"/>
+          </a:p>
+        </p:txBody>
+      </p:sp>
+    </p:spTree>
+    <p:extLst>
+      <p:ext uri="{BB962C8B-B14F-4D97-AF65-F5344CB8AC3E}">
+        <p14:creationId xmlns:p14="http://schemas.microsoft.com/office/powerpoint/2010/main" val="2630935484"/>
+      </p:ext>
+    </p:extLst>
+  </p:cSld>
+  <p:clrMapOvr>
+    <a:masterClrMapping/>
+  </p:clrMapOvr>
+  <p:timing>
+    <p:tnLst>
+      <p:par>
+        <p:cTn id="1" dur="indefinite" restart="never" nodeType="tmRoot"/>
+      </p:par>
+    </p:tnLst>
+  </p:timing>
+</p:sld>
+</file>
+
+<file path=ppt/slides/slide22.xml><?xml version="1.0" encoding="utf-8"?>
+<p:sld xmlns:a="http://schemas.openxmlformats.org/drawingml/2006/main" xmlns:r="http://schemas.openxmlformats.org/officeDocument/2006/relationships" xmlns:p="http://schemas.openxmlformats.org/presentationml/2006/main">
+  <p:cSld>
+    <p:spTree>
+      <p:nvGrpSpPr>
+        <p:cNvPr id="1" name=""/>
+        <p:cNvGrpSpPr/>
+        <p:nvPr/>
+      </p:nvGrpSpPr>
+      <p:grpSpPr>
+        <a:xfrm>
+          <a:off x="0" y="0"/>
+          <a:ext cx="0" cy="0"/>
+          <a:chOff x="0" y="0"/>
+          <a:chExt cx="0" cy="0"/>
+        </a:xfrm>
+      </p:grpSpPr>
+      <p:sp>
+        <p:nvSpPr>
+          <p:cNvPr id="3" name="Rezervirano mjesto sadržaja 2"/>
+          <p:cNvSpPr>
+            <a:spLocks noGrp="1"/>
+          </p:cNvSpPr>
+          <p:nvPr>
+            <p:ph idx="1"/>
+          </p:nvPr>
+        </p:nvSpPr>
+        <p:spPr>
+          <a:xfrm>
+            <a:off x="838200" y="2748805"/>
+            <a:ext cx="10515600" cy="4351338"/>
+          </a:xfrm>
+        </p:spPr>
+        <p:txBody>
+          <a:bodyPr>
+            <a:normAutofit/>
+          </a:bodyPr>
+          <a:lstStyle/>
+          <a:p>
+            <a:pPr marL="0" indent="0">
+              <a:buClr>
+                <a:srgbClr val="0066CC"/>
+              </a:buClr>
+              <a:buNone/>
+            </a:pPr>
+            <a:r>
+              <a:rPr lang="hr-HR" dirty="0" smtClean="0">
+                <a:solidFill>
+                  <a:srgbClr val="0066CC"/>
+                </a:solidFill>
+                <a:latin typeface="Coda" panose="020B0500000000000004" pitchFamily="34" charset="0"/>
+              </a:rPr>
+              <a:t>…</a:t>
+            </a:r>
+          </a:p>
+          <a:p>
+            <a:pPr marL="514350" indent="-514350">
+              <a:buClr>
+                <a:srgbClr val="0066CC"/>
+              </a:buClr>
+              <a:buFont typeface="+mj-lt"/>
+              <a:buAutoNum type="arabicPeriod" startAt="6"/>
+            </a:pPr>
+            <a:r>
+              <a:rPr lang="hr-HR" dirty="0" smtClean="0">
+                <a:latin typeface="Coda" panose="020B0500000000000004" pitchFamily="34" charset="0"/>
+              </a:rPr>
+              <a:t>Detekcija i oporavak od greške</a:t>
+            </a:r>
+          </a:p>
+          <a:p>
+            <a:pPr marL="514350" indent="-514350">
+              <a:buClr>
+                <a:srgbClr val="0066CC"/>
+              </a:buClr>
+              <a:buFont typeface="+mj-lt"/>
+              <a:buAutoNum type="arabicPeriod" startAt="6"/>
+            </a:pPr>
+            <a:r>
+              <a:rPr lang="hr-HR" dirty="0" smtClean="0">
+                <a:latin typeface="Coda" panose="020B0500000000000004" pitchFamily="34" charset="0"/>
+              </a:rPr>
+              <a:t>Prepoznavanje umjesto prisjećanja</a:t>
+            </a:r>
+          </a:p>
+          <a:p>
+            <a:pPr marL="514350" indent="-514350">
+              <a:buClr>
+                <a:srgbClr val="0066CC"/>
+              </a:buClr>
+              <a:buFont typeface="+mj-lt"/>
+              <a:buAutoNum type="arabicPeriod" startAt="6"/>
+            </a:pPr>
+            <a:r>
+              <a:rPr lang="hr-HR" dirty="0" smtClean="0">
+                <a:latin typeface="Coda" panose="020B0500000000000004" pitchFamily="34" charset="0"/>
+              </a:rPr>
+              <a:t>Fleksibilnost i efikasnost korištenja</a:t>
+            </a:r>
+          </a:p>
+          <a:p>
+            <a:pPr marL="514350" indent="-514350">
+              <a:buClr>
+                <a:srgbClr val="0066CC"/>
+              </a:buClr>
+              <a:buFont typeface="+mj-lt"/>
+              <a:buAutoNum type="arabicPeriod" startAt="6"/>
+            </a:pPr>
+            <a:r>
+              <a:rPr lang="hr-HR" dirty="0" smtClean="0">
+                <a:solidFill>
+                  <a:srgbClr val="FF5C01"/>
+                </a:solidFill>
+                <a:latin typeface="Coda" panose="020B0500000000000004" pitchFamily="34" charset="0"/>
+              </a:rPr>
+              <a:t>Estetika i minimalistički </a:t>
+            </a:r>
+            <a:r>
+              <a:rPr lang="hr-HR" dirty="0" smtClean="0">
+                <a:solidFill>
+                  <a:srgbClr val="FF5C01"/>
+                </a:solidFill>
+                <a:latin typeface="Coda" panose="020B0500000000000004" pitchFamily="34" charset="0"/>
+              </a:rPr>
+              <a:t>dizajn</a:t>
+            </a:r>
+            <a:endParaRPr lang="hr-HR" dirty="0" smtClean="0">
+              <a:solidFill>
+                <a:srgbClr val="FF5C01"/>
+              </a:solidFill>
+              <a:latin typeface="Coda" panose="020B0500000000000004" pitchFamily="34" charset="0"/>
+            </a:endParaRPr>
+          </a:p>
+          <a:p>
+            <a:pPr marL="514350" indent="-514350">
+              <a:buClr>
+                <a:srgbClr val="0066CC"/>
+              </a:buClr>
+              <a:buFont typeface="+mj-lt"/>
+              <a:buAutoNum type="arabicPeriod" startAt="6"/>
+            </a:pPr>
+            <a:r>
+              <a:rPr lang="hr-HR" dirty="0" smtClean="0">
+                <a:latin typeface="Coda" panose="020B0500000000000004" pitchFamily="34" charset="0"/>
+              </a:rPr>
+              <a:t>Pomoć i dokumentacija</a:t>
+            </a:r>
+            <a:endParaRPr lang="hr-HR" dirty="0">
+              <a:latin typeface="Coda" panose="020B0500000000000004" pitchFamily="34" charset="0"/>
+            </a:endParaRPr>
+          </a:p>
+        </p:txBody>
+      </p:sp>
+      <p:sp>
+        <p:nvSpPr>
+          <p:cNvPr id="4" name="Pravokutnik 3"/>
+          <p:cNvSpPr/>
+          <p:nvPr/>
+        </p:nvSpPr>
+        <p:spPr>
+          <a:xfrm>
+            <a:off x="0" y="0"/>
+            <a:ext cx="12192000" cy="1122363"/>
+          </a:xfrm>
+          <a:prstGeom prst="rect">
+            <a:avLst/>
+          </a:prstGeom>
+          <a:solidFill>
+            <a:srgbClr val="0066CC"/>
+          </a:solidFill>
+        </p:spPr>
+        <p:style>
+          <a:lnRef idx="2">
+            <a:schemeClr val="accent1">
+              <a:shade val="50000"/>
+            </a:schemeClr>
+          </a:lnRef>
+          <a:fillRef idx="1">
+            <a:schemeClr val="accent1"/>
+          </a:fillRef>
+          <a:effectRef idx="0">
+            <a:schemeClr val="accent1"/>
+          </a:effectRef>
+          <a:fontRef idx="minor">
+            <a:schemeClr val="lt1"/>
+          </a:fontRef>
+        </p:style>
+        <p:txBody>
+          <a:bodyPr rtlCol="0" anchor="ctr"/>
+          <a:lstStyle/>
+          <a:p>
+            <a:pPr algn="ctr"/>
+            <a:endParaRPr lang="hr-HR"/>
+          </a:p>
+        </p:txBody>
+      </p:sp>
+      <p:pic>
+        <p:nvPicPr>
+          <p:cNvPr id="5" name="Slika 4"/>
+          <p:cNvPicPr>
+            <a:picLocks noChangeAspect="1"/>
+          </p:cNvPicPr>
+          <p:nvPr/>
+        </p:nvPicPr>
+        <p:blipFill>
+          <a:blip r:embed="rId2">
+            <a:extLst>
+              <a:ext uri="{28A0092B-C50C-407E-A947-70E740481C1C}">
+                <a14:useLocalDpi xmlns:a14="http://schemas.microsoft.com/office/drawing/2010/main" val="0"/>
+              </a:ext>
+            </a:extLst>
+          </a:blip>
+          <a:stretch>
+            <a:fillRect/>
+          </a:stretch>
+        </p:blipFill>
+        <p:spPr>
+          <a:xfrm>
+            <a:off x="331730" y="146676"/>
+            <a:ext cx="829010" cy="829010"/>
+          </a:xfrm>
+          <a:prstGeom prst="rect">
+            <a:avLst/>
+          </a:prstGeom>
+        </p:spPr>
+      </p:pic>
+      <p:sp>
+        <p:nvSpPr>
+          <p:cNvPr id="6" name="Naslov 1"/>
+          <p:cNvSpPr txBox="1">
+            <a:spLocks/>
+          </p:cNvSpPr>
+          <p:nvPr/>
+        </p:nvSpPr>
+        <p:spPr>
+          <a:xfrm>
+            <a:off x="838200" y="1538989"/>
+            <a:ext cx="10515600" cy="1325563"/>
+          </a:xfrm>
+          <a:prstGeom prst="rect">
+            <a:avLst/>
+          </a:prstGeom>
+        </p:spPr>
+        <p:txBody>
+          <a:bodyPr vert="horz" lIns="91440" tIns="45720" rIns="91440" bIns="45720" rtlCol="0" anchor="ctr">
+            <a:normAutofit/>
+          </a:bodyPr>
+          <a:lstStyle>
+            <a:lvl1pPr algn="l" defTabSz="914400" rtl="0" eaLnBrk="1" latinLnBrk="0" hangingPunct="1">
+              <a:lnSpc>
+                <a:spcPct val="90000"/>
+              </a:lnSpc>
+              <a:spcBef>
+                <a:spcPct val="0"/>
+              </a:spcBef>
+              <a:buNone/>
+              <a:defRPr sz="4400" kern="1200">
+                <a:solidFill>
+                  <a:schemeClr val="tx1"/>
+                </a:solidFill>
+                <a:latin typeface="+mj-lt"/>
+                <a:ea typeface="+mj-ea"/>
+                <a:cs typeface="+mj-cs"/>
+              </a:defRPr>
+            </a:lvl1pPr>
+          </a:lstStyle>
+          <a:p>
+            <a:r>
+              <a:rPr lang="hr-HR" dirty="0" smtClean="0">
+                <a:solidFill>
+                  <a:srgbClr val="0066CC"/>
+                </a:solidFill>
+                <a:latin typeface="Coda" panose="020B0500000000000004" pitchFamily="34" charset="0"/>
+              </a:rPr>
+              <a:t>Heuristike</a:t>
+            </a:r>
+            <a:endParaRPr lang="hr-HR" dirty="0">
+              <a:solidFill>
+                <a:srgbClr val="0066CC"/>
+              </a:solidFill>
+              <a:latin typeface="Coda" panose="020B0500000000000004" pitchFamily="34" charset="0"/>
+            </a:endParaRPr>
+          </a:p>
+        </p:txBody>
+      </p:sp>
+    </p:spTree>
+    <p:extLst>
+      <p:ext uri="{BB962C8B-B14F-4D97-AF65-F5344CB8AC3E}">
+        <p14:creationId xmlns:p14="http://schemas.microsoft.com/office/powerpoint/2010/main" val="3703821156"/>
+      </p:ext>
+    </p:extLst>
+  </p:cSld>
+  <p:clrMapOvr>
+    <a:masterClrMapping/>
+  </p:clrMapOvr>
+  <p:timing>
+    <p:tnLst>
+      <p:par>
+        <p:cTn id="1" dur="indefinite" restart="never" nodeType="tmRoot"/>
+      </p:par>
+    </p:tnLst>
+  </p:timing>
+</p:sld>
+</file>
+
+<file path=ppt/slides/slide23.xml><?xml version="1.0" encoding="utf-8"?>
+<p:sld xmlns:a="http://schemas.openxmlformats.org/drawingml/2006/main" xmlns:r="http://schemas.openxmlformats.org/officeDocument/2006/relationships" xmlns:p="http://schemas.openxmlformats.org/presentationml/2006/main">
+  <p:cSld>
+    <p:spTree>
+      <p:nvGrpSpPr>
+        <p:cNvPr id="1" name=""/>
+        <p:cNvGrpSpPr/>
+        <p:nvPr/>
+      </p:nvGrpSpPr>
+      <p:grpSpPr>
+        <a:xfrm>
+          <a:off x="0" y="0"/>
+          <a:ext cx="0" cy="0"/>
+          <a:chOff x="0" y="0"/>
+          <a:chExt cx="0" cy="0"/>
+        </a:xfrm>
+      </p:grpSpPr>
+      <p:sp>
+        <p:nvSpPr>
+          <p:cNvPr id="4" name="Pravokutnik 3"/>
+          <p:cNvSpPr/>
+          <p:nvPr/>
+        </p:nvSpPr>
+        <p:spPr>
+          <a:xfrm>
+            <a:off x="0" y="0"/>
+            <a:ext cx="12192000" cy="1122363"/>
+          </a:xfrm>
+          <a:prstGeom prst="rect">
+            <a:avLst/>
+          </a:prstGeom>
+          <a:solidFill>
+            <a:srgbClr val="0066CC"/>
+          </a:solidFill>
+        </p:spPr>
+        <p:style>
+          <a:lnRef idx="2">
+            <a:schemeClr val="accent1">
+              <a:shade val="50000"/>
+            </a:schemeClr>
+          </a:lnRef>
+          <a:fillRef idx="1">
+            <a:schemeClr val="accent1"/>
+          </a:fillRef>
+          <a:effectRef idx="0">
+            <a:schemeClr val="accent1"/>
+          </a:effectRef>
+          <a:fontRef idx="minor">
+            <a:schemeClr val="lt1"/>
+          </a:fontRef>
+        </p:style>
+        <p:txBody>
+          <a:bodyPr rtlCol="0" anchor="ctr"/>
+          <a:lstStyle/>
+          <a:p>
+            <a:pPr algn="ctr"/>
+            <a:endParaRPr lang="hr-HR"/>
+          </a:p>
+        </p:txBody>
+      </p:sp>
+      <p:pic>
+        <p:nvPicPr>
+          <p:cNvPr id="5" name="Slika 4"/>
+          <p:cNvPicPr>
+            <a:picLocks noChangeAspect="1"/>
+          </p:cNvPicPr>
+          <p:nvPr/>
+        </p:nvPicPr>
+        <p:blipFill>
+          <a:blip r:embed="rId3">
+            <a:extLst>
+              <a:ext uri="{28A0092B-C50C-407E-A947-70E740481C1C}">
+                <a14:useLocalDpi xmlns:a14="http://schemas.microsoft.com/office/drawing/2010/main" val="0"/>
+              </a:ext>
+            </a:extLst>
+          </a:blip>
+          <a:stretch>
+            <a:fillRect/>
+          </a:stretch>
+        </p:blipFill>
+        <p:spPr>
+          <a:xfrm>
+            <a:off x="331730" y="146676"/>
+            <a:ext cx="829010" cy="829010"/>
+          </a:xfrm>
+          <a:prstGeom prst="rect">
+            <a:avLst/>
+          </a:prstGeom>
+        </p:spPr>
+      </p:pic>
+      <p:sp>
+        <p:nvSpPr>
+          <p:cNvPr id="2" name="Rezervirano mjesto sadržaja 1"/>
+          <p:cNvSpPr>
+            <a:spLocks noGrp="1"/>
+          </p:cNvSpPr>
+          <p:nvPr>
+            <p:ph idx="1"/>
+          </p:nvPr>
+        </p:nvSpPr>
+        <p:spPr/>
+        <p:txBody>
+          <a:bodyPr/>
+          <a:lstStyle/>
+          <a:p>
+            <a:endParaRPr lang="hr-HR"/>
+          </a:p>
+        </p:txBody>
+      </p:sp>
+    </p:spTree>
+    <p:extLst>
+      <p:ext uri="{BB962C8B-B14F-4D97-AF65-F5344CB8AC3E}">
+        <p14:creationId xmlns:p14="http://schemas.microsoft.com/office/powerpoint/2010/main" val="2173063645"/>
+      </p:ext>
+    </p:extLst>
+  </p:cSld>
+  <p:clrMapOvr>
+    <a:masterClrMapping/>
+  </p:clrMapOvr>
+  <p:timing>
+    <p:tnLst>
+      <p:par>
+        <p:cTn id="1" dur="indefinite" restart="never" nodeType="tmRoot"/>
+      </p:par>
+    </p:tnLst>
+  </p:timing>
+</p:sld>
+</file>
+
+<file path=ppt/slides/slide24.xml><?xml version="1.0" encoding="utf-8"?>
+<p:sld xmlns:a="http://schemas.openxmlformats.org/drawingml/2006/main" xmlns:r="http://schemas.openxmlformats.org/officeDocument/2006/relationships" xmlns:p="http://schemas.openxmlformats.org/presentationml/2006/main">
+  <p:cSld>
+    <p:spTree>
+      <p:nvGrpSpPr>
+        <p:cNvPr id="1" name=""/>
+        <p:cNvGrpSpPr/>
+        <p:nvPr/>
+      </p:nvGrpSpPr>
+      <p:grpSpPr>
+        <a:xfrm>
+          <a:off x="0" y="0"/>
+          <a:ext cx="0" cy="0"/>
+          <a:chOff x="0" y="0"/>
+          <a:chExt cx="0" cy="0"/>
+        </a:xfrm>
+      </p:grpSpPr>
+      <p:sp>
+        <p:nvSpPr>
+          <p:cNvPr id="3" name="Rezervirano mjesto sadržaja 2"/>
+          <p:cNvSpPr>
+            <a:spLocks noGrp="1"/>
+          </p:cNvSpPr>
+          <p:nvPr>
+            <p:ph idx="1"/>
+          </p:nvPr>
+        </p:nvSpPr>
+        <p:spPr>
+          <a:xfrm>
+            <a:off x="838200" y="2748805"/>
+            <a:ext cx="10515600" cy="4351338"/>
+          </a:xfrm>
+        </p:spPr>
+        <p:txBody>
+          <a:bodyPr>
+            <a:normAutofit/>
+          </a:bodyPr>
+          <a:lstStyle/>
+          <a:p>
+            <a:pPr marL="0" indent="0">
+              <a:buClr>
+                <a:srgbClr val="0066CC"/>
+              </a:buClr>
+              <a:buNone/>
+            </a:pPr>
+            <a:r>
+              <a:rPr lang="hr-HR" dirty="0" smtClean="0">
+                <a:solidFill>
+                  <a:srgbClr val="0066CC"/>
+                </a:solidFill>
+                <a:latin typeface="Coda" panose="020B0500000000000004" pitchFamily="34" charset="0"/>
+              </a:rPr>
+              <a:t>…</a:t>
+            </a:r>
+          </a:p>
+          <a:p>
+            <a:pPr marL="514350" indent="-514350">
+              <a:buClr>
+                <a:srgbClr val="0066CC"/>
+              </a:buClr>
+              <a:buFont typeface="+mj-lt"/>
+              <a:buAutoNum type="arabicPeriod" startAt="6"/>
+            </a:pPr>
+            <a:r>
+              <a:rPr lang="hr-HR" dirty="0" smtClean="0">
+                <a:latin typeface="Coda" panose="020B0500000000000004" pitchFamily="34" charset="0"/>
+              </a:rPr>
+              <a:t>Detekcija i oporavak od greške</a:t>
+            </a:r>
+          </a:p>
+          <a:p>
+            <a:pPr marL="514350" indent="-514350">
+              <a:buClr>
+                <a:srgbClr val="0066CC"/>
+              </a:buClr>
+              <a:buFont typeface="+mj-lt"/>
+              <a:buAutoNum type="arabicPeriod" startAt="6"/>
+            </a:pPr>
+            <a:r>
+              <a:rPr lang="hr-HR" dirty="0" smtClean="0">
+                <a:latin typeface="Coda" panose="020B0500000000000004" pitchFamily="34" charset="0"/>
+              </a:rPr>
+              <a:t>Prepoznavanje umjesto prisjećanja</a:t>
+            </a:r>
+          </a:p>
+          <a:p>
+            <a:pPr marL="514350" indent="-514350">
+              <a:buClr>
+                <a:srgbClr val="0066CC"/>
+              </a:buClr>
+              <a:buFont typeface="+mj-lt"/>
+              <a:buAutoNum type="arabicPeriod" startAt="6"/>
+            </a:pPr>
+            <a:r>
+              <a:rPr lang="hr-HR" dirty="0" smtClean="0">
+                <a:latin typeface="Coda" panose="020B0500000000000004" pitchFamily="34" charset="0"/>
+              </a:rPr>
+              <a:t>Fleksibilnost i efikasnost korištenja</a:t>
+            </a:r>
+          </a:p>
+          <a:p>
+            <a:pPr marL="514350" indent="-514350">
+              <a:buClr>
+                <a:srgbClr val="0066CC"/>
+              </a:buClr>
+              <a:buFont typeface="+mj-lt"/>
+              <a:buAutoNum type="arabicPeriod" startAt="6"/>
+            </a:pPr>
+            <a:r>
+              <a:rPr lang="hr-HR" dirty="0" smtClean="0">
+                <a:latin typeface="Coda" panose="020B0500000000000004" pitchFamily="34" charset="0"/>
+              </a:rPr>
+              <a:t>Estetika i minimalistički </a:t>
+            </a:r>
+            <a:r>
+              <a:rPr lang="hr-HR" dirty="0" smtClean="0">
+                <a:latin typeface="Coda" panose="020B0500000000000004" pitchFamily="34" charset="0"/>
+              </a:rPr>
+              <a:t>dizajn</a:t>
+            </a:r>
+            <a:endParaRPr lang="hr-HR" dirty="0" smtClean="0">
+              <a:latin typeface="Coda" panose="020B0500000000000004" pitchFamily="34" charset="0"/>
+            </a:endParaRPr>
+          </a:p>
+          <a:p>
+            <a:pPr marL="514350" indent="-514350">
+              <a:buClr>
+                <a:srgbClr val="0066CC"/>
+              </a:buClr>
+              <a:buFont typeface="+mj-lt"/>
+              <a:buAutoNum type="arabicPeriod" startAt="6"/>
+            </a:pPr>
+            <a:r>
+              <a:rPr lang="hr-HR" dirty="0" smtClean="0">
+                <a:solidFill>
+                  <a:srgbClr val="FF5C01"/>
+                </a:solidFill>
+                <a:latin typeface="Coda" panose="020B0500000000000004" pitchFamily="34" charset="0"/>
+              </a:rPr>
+              <a:t>Pomoć i dokumentacija</a:t>
+            </a:r>
+            <a:endParaRPr lang="hr-HR" dirty="0">
+              <a:solidFill>
+                <a:srgbClr val="FF5C01"/>
+              </a:solidFill>
+              <a:latin typeface="Coda" panose="020B0500000000000004" pitchFamily="34" charset="0"/>
+            </a:endParaRPr>
+          </a:p>
+        </p:txBody>
+      </p:sp>
+      <p:sp>
+        <p:nvSpPr>
+          <p:cNvPr id="4" name="Pravokutnik 3"/>
+          <p:cNvSpPr/>
+          <p:nvPr/>
+        </p:nvSpPr>
+        <p:spPr>
+          <a:xfrm>
+            <a:off x="0" y="0"/>
+            <a:ext cx="12192000" cy="1122363"/>
+          </a:xfrm>
+          <a:prstGeom prst="rect">
+            <a:avLst/>
+          </a:prstGeom>
+          <a:solidFill>
+            <a:srgbClr val="0066CC"/>
+          </a:solidFill>
+        </p:spPr>
+        <p:style>
+          <a:lnRef idx="2">
+            <a:schemeClr val="accent1">
+              <a:shade val="50000"/>
+            </a:schemeClr>
+          </a:lnRef>
+          <a:fillRef idx="1">
+            <a:schemeClr val="accent1"/>
+          </a:fillRef>
+          <a:effectRef idx="0">
+            <a:schemeClr val="accent1"/>
+          </a:effectRef>
+          <a:fontRef idx="minor">
+            <a:schemeClr val="lt1"/>
+          </a:fontRef>
+        </p:style>
+        <p:txBody>
+          <a:bodyPr rtlCol="0" anchor="ctr"/>
+          <a:lstStyle/>
+          <a:p>
+            <a:pPr algn="ctr"/>
+            <a:endParaRPr lang="hr-HR"/>
+          </a:p>
+        </p:txBody>
+      </p:sp>
+      <p:pic>
+        <p:nvPicPr>
+          <p:cNvPr id="5" name="Slika 4"/>
+          <p:cNvPicPr>
+            <a:picLocks noChangeAspect="1"/>
+          </p:cNvPicPr>
+          <p:nvPr/>
+        </p:nvPicPr>
+        <p:blipFill>
+          <a:blip r:embed="rId2">
+            <a:extLst>
+              <a:ext uri="{28A0092B-C50C-407E-A947-70E740481C1C}">
+                <a14:useLocalDpi xmlns:a14="http://schemas.microsoft.com/office/drawing/2010/main" val="0"/>
+              </a:ext>
+            </a:extLst>
+          </a:blip>
+          <a:stretch>
+            <a:fillRect/>
+          </a:stretch>
+        </p:blipFill>
+        <p:spPr>
+          <a:xfrm>
+            <a:off x="331730" y="146676"/>
+            <a:ext cx="829010" cy="829010"/>
+          </a:xfrm>
+          <a:prstGeom prst="rect">
+            <a:avLst/>
+          </a:prstGeom>
+        </p:spPr>
+      </p:pic>
+      <p:sp>
+        <p:nvSpPr>
+          <p:cNvPr id="6" name="Naslov 1"/>
+          <p:cNvSpPr txBox="1">
+            <a:spLocks/>
+          </p:cNvSpPr>
+          <p:nvPr/>
+        </p:nvSpPr>
+        <p:spPr>
+          <a:xfrm>
+            <a:off x="838200" y="1538989"/>
+            <a:ext cx="10515600" cy="1325563"/>
+          </a:xfrm>
+          <a:prstGeom prst="rect">
+            <a:avLst/>
+          </a:prstGeom>
+        </p:spPr>
+        <p:txBody>
+          <a:bodyPr vert="horz" lIns="91440" tIns="45720" rIns="91440" bIns="45720" rtlCol="0" anchor="ctr">
+            <a:normAutofit/>
+          </a:bodyPr>
+          <a:lstStyle>
+            <a:lvl1pPr algn="l" defTabSz="914400" rtl="0" eaLnBrk="1" latinLnBrk="0" hangingPunct="1">
+              <a:lnSpc>
+                <a:spcPct val="90000"/>
+              </a:lnSpc>
+              <a:spcBef>
+                <a:spcPct val="0"/>
+              </a:spcBef>
+              <a:buNone/>
+              <a:defRPr sz="4400" kern="1200">
+                <a:solidFill>
+                  <a:schemeClr val="tx1"/>
+                </a:solidFill>
+                <a:latin typeface="+mj-lt"/>
+                <a:ea typeface="+mj-ea"/>
+                <a:cs typeface="+mj-cs"/>
+              </a:defRPr>
+            </a:lvl1pPr>
+          </a:lstStyle>
+          <a:p>
+            <a:r>
+              <a:rPr lang="hr-HR" dirty="0" smtClean="0">
+                <a:solidFill>
+                  <a:srgbClr val="0066CC"/>
+                </a:solidFill>
+                <a:latin typeface="Coda" panose="020B0500000000000004" pitchFamily="34" charset="0"/>
+              </a:rPr>
+              <a:t>Heuristike</a:t>
+            </a:r>
+            <a:endParaRPr lang="hr-HR" dirty="0">
+              <a:solidFill>
+                <a:srgbClr val="0066CC"/>
+              </a:solidFill>
+              <a:latin typeface="Coda" panose="020B0500000000000004" pitchFamily="34" charset="0"/>
+            </a:endParaRPr>
+          </a:p>
+        </p:txBody>
+      </p:sp>
+    </p:spTree>
+    <p:extLst>
+      <p:ext uri="{BB962C8B-B14F-4D97-AF65-F5344CB8AC3E}">
+        <p14:creationId xmlns:p14="http://schemas.microsoft.com/office/powerpoint/2010/main" val="484389876"/>
+      </p:ext>
+    </p:extLst>
+  </p:cSld>
+  <p:clrMapOvr>
+    <a:masterClrMapping/>
+  </p:clrMapOvr>
+  <p:timing>
+    <p:tnLst>
+      <p:par>
+        <p:cTn id="1" dur="indefinite" restart="never" nodeType="tmRoot"/>
+      </p:par>
+    </p:tnLst>
+  </p:timing>
+</p:sld>
+</file>
+
+<file path=ppt/slides/slide25.xml><?xml version="1.0" encoding="utf-8"?>
+<p:sld xmlns:a="http://schemas.openxmlformats.org/drawingml/2006/main" xmlns:r="http://schemas.openxmlformats.org/officeDocument/2006/relationships" xmlns:p="http://schemas.openxmlformats.org/presentationml/2006/main">
+  <p:cSld>
+    <p:spTree>
+      <p:nvGrpSpPr>
+        <p:cNvPr id="1" name=""/>
+        <p:cNvGrpSpPr/>
+        <p:nvPr/>
+      </p:nvGrpSpPr>
+      <p:grpSpPr>
+        <a:xfrm>
+          <a:off x="0" y="0"/>
+          <a:ext cx="0" cy="0"/>
+          <a:chOff x="0" y="0"/>
+          <a:chExt cx="0" cy="0"/>
+        </a:xfrm>
+      </p:grpSpPr>
+      <p:sp>
+        <p:nvSpPr>
+          <p:cNvPr id="4" name="Pravokutnik 3"/>
+          <p:cNvSpPr/>
+          <p:nvPr/>
+        </p:nvSpPr>
+        <p:spPr>
+          <a:xfrm>
+            <a:off x="0" y="0"/>
+            <a:ext cx="12192000" cy="1122363"/>
+          </a:xfrm>
+          <a:prstGeom prst="rect">
+            <a:avLst/>
+          </a:prstGeom>
+          <a:solidFill>
+            <a:srgbClr val="0066CC"/>
+          </a:solidFill>
+        </p:spPr>
+        <p:style>
+          <a:lnRef idx="2">
+            <a:schemeClr val="accent1">
+              <a:shade val="50000"/>
+            </a:schemeClr>
+          </a:lnRef>
+          <a:fillRef idx="1">
+            <a:schemeClr val="accent1"/>
+          </a:fillRef>
+          <a:effectRef idx="0">
+            <a:schemeClr val="accent1"/>
+          </a:effectRef>
+          <a:fontRef idx="minor">
+            <a:schemeClr val="lt1"/>
+          </a:fontRef>
+        </p:style>
+        <p:txBody>
+          <a:bodyPr rtlCol="0" anchor="ctr"/>
+          <a:lstStyle/>
+          <a:p>
+            <a:pPr algn="ctr"/>
+            <a:endParaRPr lang="hr-HR"/>
+          </a:p>
+        </p:txBody>
+      </p:sp>
+      <p:pic>
+        <p:nvPicPr>
+          <p:cNvPr id="5" name="Slika 4"/>
+          <p:cNvPicPr>
+            <a:picLocks noChangeAspect="1"/>
+          </p:cNvPicPr>
+          <p:nvPr/>
+        </p:nvPicPr>
+        <p:blipFill>
+          <a:blip r:embed="rId3">
+            <a:extLst>
+              <a:ext uri="{28A0092B-C50C-407E-A947-70E740481C1C}">
+                <a14:useLocalDpi xmlns:a14="http://schemas.microsoft.com/office/drawing/2010/main" val="0"/>
+              </a:ext>
+            </a:extLst>
+          </a:blip>
+          <a:stretch>
+            <a:fillRect/>
+          </a:stretch>
+        </p:blipFill>
+        <p:spPr>
+          <a:xfrm>
+            <a:off x="331730" y="146676"/>
+            <a:ext cx="829010" cy="829010"/>
+          </a:xfrm>
+          <a:prstGeom prst="rect">
+            <a:avLst/>
+          </a:prstGeom>
+        </p:spPr>
+      </p:pic>
+      <p:sp>
+        <p:nvSpPr>
+          <p:cNvPr id="2" name="Rezervirano mjesto sadržaja 1"/>
+          <p:cNvSpPr>
+            <a:spLocks noGrp="1"/>
+          </p:cNvSpPr>
+          <p:nvPr>
+            <p:ph idx="1"/>
+          </p:nvPr>
+        </p:nvSpPr>
+        <p:spPr/>
+        <p:txBody>
+          <a:bodyPr/>
+          <a:lstStyle/>
+          <a:p>
+            <a:endParaRPr lang="hr-HR"/>
+          </a:p>
+        </p:txBody>
+      </p:sp>
+    </p:spTree>
+    <p:extLst>
+      <p:ext uri="{BB962C8B-B14F-4D97-AF65-F5344CB8AC3E}">
+        <p14:creationId xmlns:p14="http://schemas.microsoft.com/office/powerpoint/2010/main" val="1771570508"/>
+      </p:ext>
+    </p:extLst>
+  </p:cSld>
+  <p:clrMapOvr>
+    <a:masterClrMapping/>
+  </p:clrMapOvr>
+  <p:timing>
+    <p:tnLst>
+      <p:par>
+        <p:cTn id="1" dur="indefinite" restart="never" nodeType="tmRoot"/>
+      </p:par>
+    </p:tnLst>
+  </p:timing>
+</p:sld>
+</file>
+
+<file path=ppt/slides/slide26.xml><?xml version="1.0" encoding="utf-8"?>
+<p:sld xmlns:a="http://schemas.openxmlformats.org/drawingml/2006/main" xmlns:r="http://schemas.openxmlformats.org/officeDocument/2006/relationships" xmlns:p="http://schemas.openxmlformats.org/presentationml/2006/main">
+  <p:cSld>
+    <p:spTree>
+      <p:nvGrpSpPr>
+        <p:cNvPr id="1" name=""/>
+        <p:cNvGrpSpPr/>
+        <p:nvPr/>
+      </p:nvGrpSpPr>
+      <p:grpSpPr>
+        <a:xfrm>
+          <a:off x="0" y="0"/>
+          <a:ext cx="0" cy="0"/>
+          <a:chOff x="0" y="0"/>
+          <a:chExt cx="0" cy="0"/>
+        </a:xfrm>
+      </p:grpSpPr>
+      <p:sp>
+        <p:nvSpPr>
+          <p:cNvPr id="14" name="Rezervirano mjesto teksta 13"/>
+          <p:cNvSpPr>
+            <a:spLocks noGrp="1"/>
+          </p:cNvSpPr>
+          <p:nvPr>
+            <p:ph type="body" idx="1"/>
+          </p:nvPr>
+        </p:nvSpPr>
+        <p:spPr>
+          <a:xfrm>
+            <a:off x="839788" y="2757608"/>
+            <a:ext cx="5157787" cy="823912"/>
+          </a:xfrm>
+        </p:spPr>
+        <p:txBody>
+          <a:bodyPr>
+            <a:normAutofit/>
+          </a:bodyPr>
+          <a:lstStyle/>
+          <a:p>
+            <a:pPr marL="457200" indent="-457200">
+              <a:buClr>
+                <a:srgbClr val="0066CC"/>
+              </a:buClr>
+              <a:buFont typeface="+mj-lt"/>
+              <a:buAutoNum type="arabicPeriod"/>
+            </a:pPr>
+            <a:r>
+              <a:rPr lang="hr-HR" sz="2800" b="0" dirty="0" err="1" smtClean="0">
+                <a:latin typeface="Coda" panose="020B0500000000000004" pitchFamily="34" charset="0"/>
+              </a:rPr>
+              <a:t>Fittsov</a:t>
+            </a:r>
+            <a:r>
+              <a:rPr lang="hr-HR" sz="2800" b="0" dirty="0" smtClean="0">
+                <a:latin typeface="Coda" panose="020B0500000000000004" pitchFamily="34" charset="0"/>
+              </a:rPr>
+              <a:t> zakon</a:t>
+            </a:r>
+          </a:p>
+        </p:txBody>
+      </p:sp>
+      <p:sp>
+        <p:nvSpPr>
+          <p:cNvPr id="15" name="Rezervirano mjesto teksta 14"/>
+          <p:cNvSpPr>
+            <a:spLocks noGrp="1"/>
+          </p:cNvSpPr>
+          <p:nvPr>
+            <p:ph type="body" sz="quarter" idx="3"/>
+          </p:nvPr>
+        </p:nvSpPr>
+        <p:spPr>
+          <a:xfrm>
+            <a:off x="6172200" y="2757608"/>
+            <a:ext cx="5183188" cy="823912"/>
+          </a:xfrm>
+        </p:spPr>
+        <p:txBody>
+          <a:bodyPr>
+            <a:normAutofit/>
+          </a:bodyPr>
+          <a:lstStyle/>
+          <a:p>
+            <a:pPr marL="457200" indent="-457200">
+              <a:buClr>
+                <a:srgbClr val="0066CC"/>
+              </a:buClr>
+              <a:buFont typeface="+mj-lt"/>
+              <a:buAutoNum type="arabicPeriod" startAt="2"/>
+            </a:pPr>
+            <a:r>
+              <a:rPr lang="hr-HR" sz="2800" b="0" dirty="0" err="1" smtClean="0">
+                <a:latin typeface="Coda" panose="020B0500000000000004" pitchFamily="34" charset="0"/>
+              </a:rPr>
+              <a:t>Hickov</a:t>
+            </a:r>
+            <a:r>
+              <a:rPr lang="hr-HR" sz="2800" b="0" dirty="0" smtClean="0">
+                <a:latin typeface="Coda" panose="020B0500000000000004" pitchFamily="34" charset="0"/>
+              </a:rPr>
+              <a:t> zakon</a:t>
+            </a:r>
+          </a:p>
+        </p:txBody>
+      </p:sp>
+      <p:sp>
+        <p:nvSpPr>
+          <p:cNvPr id="4" name="Pravokutnik 3"/>
+          <p:cNvSpPr/>
+          <p:nvPr/>
+        </p:nvSpPr>
+        <p:spPr>
+          <a:xfrm>
+            <a:off x="0" y="0"/>
+            <a:ext cx="12192000" cy="1122363"/>
+          </a:xfrm>
+          <a:prstGeom prst="rect">
+            <a:avLst/>
+          </a:prstGeom>
+          <a:solidFill>
+            <a:srgbClr val="0066CC"/>
+          </a:solidFill>
+        </p:spPr>
+        <p:style>
+          <a:lnRef idx="2">
+            <a:schemeClr val="accent1">
+              <a:shade val="50000"/>
+            </a:schemeClr>
+          </a:lnRef>
+          <a:fillRef idx="1">
+            <a:schemeClr val="accent1"/>
+          </a:fillRef>
+          <a:effectRef idx="0">
+            <a:schemeClr val="accent1"/>
+          </a:effectRef>
+          <a:fontRef idx="minor">
+            <a:schemeClr val="lt1"/>
+          </a:fontRef>
+        </p:style>
+        <p:txBody>
+          <a:bodyPr rtlCol="0" anchor="ctr"/>
+          <a:lstStyle/>
+          <a:p>
+            <a:pPr algn="ctr"/>
+            <a:endParaRPr lang="hr-HR"/>
+          </a:p>
+        </p:txBody>
+      </p:sp>
+      <p:pic>
+        <p:nvPicPr>
+          <p:cNvPr id="5" name="Slika 4"/>
+          <p:cNvPicPr>
+            <a:picLocks noChangeAspect="1"/>
+          </p:cNvPicPr>
+          <p:nvPr/>
+        </p:nvPicPr>
+        <p:blipFill>
+          <a:blip r:embed="rId2">
+            <a:extLst>
+              <a:ext uri="{28A0092B-C50C-407E-A947-70E740481C1C}">
+                <a14:useLocalDpi xmlns:a14="http://schemas.microsoft.com/office/drawing/2010/main" val="0"/>
+              </a:ext>
+            </a:extLst>
+          </a:blip>
+          <a:stretch>
+            <a:fillRect/>
+          </a:stretch>
+        </p:blipFill>
+        <p:spPr>
+          <a:xfrm>
+            <a:off x="331730" y="146676"/>
+            <a:ext cx="829010" cy="829010"/>
+          </a:xfrm>
+          <a:prstGeom prst="rect">
+            <a:avLst/>
+          </a:prstGeom>
+        </p:spPr>
+      </p:pic>
+      <p:sp>
+        <p:nvSpPr>
+          <p:cNvPr id="6" name="Naslov 1"/>
+          <p:cNvSpPr txBox="1">
+            <a:spLocks/>
+          </p:cNvSpPr>
+          <p:nvPr/>
+        </p:nvSpPr>
+        <p:spPr>
+          <a:xfrm>
+            <a:off x="838200" y="1538989"/>
+            <a:ext cx="10515600" cy="1325563"/>
+          </a:xfrm>
+          <a:prstGeom prst="rect">
+            <a:avLst/>
+          </a:prstGeom>
+        </p:spPr>
+        <p:txBody>
+          <a:bodyPr vert="horz" lIns="91440" tIns="45720" rIns="91440" bIns="45720" rtlCol="0" anchor="ctr">
+            <a:normAutofit/>
+          </a:bodyPr>
+          <a:lstStyle>
+            <a:lvl1pPr algn="l" defTabSz="914400" rtl="0" eaLnBrk="1" latinLnBrk="0" hangingPunct="1">
+              <a:lnSpc>
+                <a:spcPct val="90000"/>
+              </a:lnSpc>
+              <a:spcBef>
+                <a:spcPct val="0"/>
+              </a:spcBef>
+              <a:buNone/>
+              <a:defRPr sz="4400" kern="1200">
+                <a:solidFill>
+                  <a:schemeClr val="tx1"/>
+                </a:solidFill>
+                <a:latin typeface="+mj-lt"/>
+                <a:ea typeface="+mj-ea"/>
+                <a:cs typeface="+mj-cs"/>
+              </a:defRPr>
+            </a:lvl1pPr>
+          </a:lstStyle>
+          <a:p>
+            <a:r>
+              <a:rPr lang="hr-HR" dirty="0" smtClean="0">
+                <a:solidFill>
+                  <a:srgbClr val="0066CC"/>
+                </a:solidFill>
+                <a:latin typeface="Coda" panose="020B0500000000000004" pitchFamily="34" charset="0"/>
+              </a:rPr>
+              <a:t>Teorije niske razine</a:t>
+            </a:r>
+            <a:endParaRPr lang="hr-HR" dirty="0">
+              <a:solidFill>
+                <a:srgbClr val="0066CC"/>
+              </a:solidFill>
+              <a:latin typeface="Coda" panose="020B0500000000000004" pitchFamily="34" charset="0"/>
+            </a:endParaRPr>
+          </a:p>
+        </p:txBody>
+      </p:sp>
+      <p:pic>
+        <p:nvPicPr>
+          <p:cNvPr id="9" name="Slika 8"/>
+          <p:cNvPicPr/>
+          <p:nvPr/>
+        </p:nvPicPr>
+        <p:blipFill rotWithShape="1">
+          <a:blip r:embed="rId3"/>
+          <a:srcRect l="40049" t="55208" r="52589" b="39951"/>
+          <a:stretch/>
+        </p:blipFill>
+        <p:spPr bwMode="auto">
+          <a:xfrm>
+            <a:off x="1160740" y="4195405"/>
+            <a:ext cx="2897506" cy="1209468"/>
+          </a:xfrm>
+          <a:prstGeom prst="rect">
+            <a:avLst/>
+          </a:prstGeom>
+          <a:ln>
+            <a:noFill/>
+          </a:ln>
+          <a:extLst>
+            <a:ext uri="{53640926-AAD7-44D8-BBD7-CCE9431645EC}">
+              <a14:shadowObscured xmlns:a14="http://schemas.microsoft.com/office/drawing/2010/main"/>
+            </a:ext>
+          </a:extLst>
+        </p:spPr>
+      </p:pic>
+    </p:spTree>
+    <p:extLst>
+      <p:ext uri="{BB962C8B-B14F-4D97-AF65-F5344CB8AC3E}">
+        <p14:creationId xmlns:p14="http://schemas.microsoft.com/office/powerpoint/2010/main" val="3642831469"/>
+      </p:ext>
+    </p:extLst>
+  </p:cSld>
+  <p:clrMapOvr>
+    <a:masterClrMapping/>
+  </p:clrMapOvr>
+  <p:timing>
+    <p:tnLst>
+      <p:par>
+        <p:cTn id="1" dur="indefinite" restart="never" nodeType="tmRoot"/>
+      </p:par>
+    </p:tnLst>
+  </p:timing>
+</p:sld>
+</file>
+
+<file path=ppt/slides/slide27.xml><?xml version="1.0" encoding="utf-8"?>
+<p:sld xmlns:a="http://schemas.openxmlformats.org/drawingml/2006/main" xmlns:r="http://schemas.openxmlformats.org/officeDocument/2006/relationships" xmlns:p="http://schemas.openxmlformats.org/presentationml/2006/main">
+  <p:cSld>
+    <p:spTree>
+      <p:nvGrpSpPr>
+        <p:cNvPr id="1" name=""/>
+        <p:cNvGrpSpPr/>
+        <p:nvPr/>
+      </p:nvGrpSpPr>
+      <p:grpSpPr>
+        <a:xfrm>
+          <a:off x="0" y="0"/>
+          <a:ext cx="0" cy="0"/>
+          <a:chOff x="0" y="0"/>
+          <a:chExt cx="0" cy="0"/>
+        </a:xfrm>
+      </p:grpSpPr>
+      <p:sp>
+        <p:nvSpPr>
+          <p:cNvPr id="4" name="Pravokutnik 3"/>
+          <p:cNvSpPr/>
+          <p:nvPr/>
+        </p:nvSpPr>
+        <p:spPr>
+          <a:xfrm>
+            <a:off x="0" y="0"/>
+            <a:ext cx="12192000" cy="1122363"/>
+          </a:xfrm>
+          <a:prstGeom prst="rect">
+            <a:avLst/>
+          </a:prstGeom>
+          <a:solidFill>
+            <a:srgbClr val="0066CC"/>
+          </a:solidFill>
+        </p:spPr>
+        <p:style>
+          <a:lnRef idx="2">
+            <a:schemeClr val="accent1">
+              <a:shade val="50000"/>
+            </a:schemeClr>
+          </a:lnRef>
+          <a:fillRef idx="1">
+            <a:schemeClr val="accent1"/>
+          </a:fillRef>
+          <a:effectRef idx="0">
+            <a:schemeClr val="accent1"/>
+          </a:effectRef>
+          <a:fontRef idx="minor">
+            <a:schemeClr val="lt1"/>
+          </a:fontRef>
+        </p:style>
+        <p:txBody>
+          <a:bodyPr rtlCol="0" anchor="ctr"/>
+          <a:lstStyle/>
+          <a:p>
+            <a:pPr algn="ctr"/>
+            <a:endParaRPr lang="hr-HR"/>
+          </a:p>
+        </p:txBody>
+      </p:sp>
+      <p:pic>
+        <p:nvPicPr>
+          <p:cNvPr id="5" name="Slika 4"/>
+          <p:cNvPicPr>
+            <a:picLocks noChangeAspect="1"/>
+          </p:cNvPicPr>
+          <p:nvPr/>
+        </p:nvPicPr>
+        <p:blipFill>
+          <a:blip r:embed="rId2">
+            <a:extLst>
+              <a:ext uri="{28A0092B-C50C-407E-A947-70E740481C1C}">
+                <a14:useLocalDpi xmlns:a14="http://schemas.microsoft.com/office/drawing/2010/main" val="0"/>
+              </a:ext>
+            </a:extLst>
+          </a:blip>
+          <a:stretch>
+            <a:fillRect/>
+          </a:stretch>
+        </p:blipFill>
+        <p:spPr>
+          <a:xfrm>
+            <a:off x="331730" y="146676"/>
+            <a:ext cx="829010" cy="829010"/>
+          </a:xfrm>
+          <a:prstGeom prst="rect">
+            <a:avLst/>
+          </a:prstGeom>
+        </p:spPr>
+      </p:pic>
+      <p:sp>
+        <p:nvSpPr>
+          <p:cNvPr id="6" name="Naslov 1"/>
+          <p:cNvSpPr txBox="1">
+            <a:spLocks/>
+          </p:cNvSpPr>
+          <p:nvPr/>
+        </p:nvSpPr>
+        <p:spPr>
+          <a:xfrm>
+            <a:off x="838200" y="1538989"/>
+            <a:ext cx="10515600" cy="1325563"/>
+          </a:xfrm>
+          <a:prstGeom prst="rect">
+            <a:avLst/>
+          </a:prstGeom>
+        </p:spPr>
+        <p:txBody>
+          <a:bodyPr vert="horz" lIns="91440" tIns="45720" rIns="91440" bIns="45720" rtlCol="0" anchor="ctr">
+            <a:normAutofit/>
+          </a:bodyPr>
+          <a:lstStyle>
+            <a:lvl1pPr algn="l" defTabSz="914400" rtl="0" eaLnBrk="1" latinLnBrk="0" hangingPunct="1">
+              <a:lnSpc>
+                <a:spcPct val="90000"/>
+              </a:lnSpc>
+              <a:spcBef>
+                <a:spcPct val="0"/>
+              </a:spcBef>
+              <a:buNone/>
+              <a:defRPr sz="4400" kern="1200">
+                <a:solidFill>
+                  <a:schemeClr val="tx1"/>
+                </a:solidFill>
+                <a:latin typeface="+mj-lt"/>
+                <a:ea typeface="+mj-ea"/>
+                <a:cs typeface="+mj-cs"/>
+              </a:defRPr>
+            </a:lvl1pPr>
+          </a:lstStyle>
+          <a:p>
+            <a:r>
+              <a:rPr lang="hr-HR" dirty="0" smtClean="0">
+                <a:solidFill>
+                  <a:srgbClr val="0066CC"/>
+                </a:solidFill>
+                <a:latin typeface="Coda" panose="020B0500000000000004" pitchFamily="34" charset="0"/>
+              </a:rPr>
+              <a:t>CRAP principi</a:t>
+            </a:r>
+            <a:endParaRPr lang="hr-HR" dirty="0">
+              <a:solidFill>
+                <a:srgbClr val="0066CC"/>
+              </a:solidFill>
+              <a:latin typeface="Coda" panose="020B0500000000000004" pitchFamily="34" charset="0"/>
+            </a:endParaRPr>
+          </a:p>
+        </p:txBody>
+      </p:sp>
+      <p:sp>
+        <p:nvSpPr>
+          <p:cNvPr id="8" name="Rezervirano mjesto sadržaja 2"/>
           <p:cNvSpPr txBox="1">
             <a:spLocks/>
           </p:cNvSpPr>
@@ -4674,11 +9442,23 @@
               <a:buChar char="§"/>
             </a:pPr>
             <a:r>
-              <a:rPr lang="hr-HR" dirty="0" smtClean="0">
+              <a:rPr lang="hr-HR" b="1" dirty="0" err="1" smtClean="0">
+                <a:solidFill>
+                  <a:srgbClr val="FF5C01"/>
+                </a:solidFill>
                 <a:latin typeface="Coda" panose="020B0500000000000004" pitchFamily="34" charset="0"/>
               </a:rPr>
-              <a:t>Jednostavnost</a:t>
-            </a:r>
+              <a:t>C</a:t>
+            </a:r>
+            <a:r>
+              <a:rPr lang="hr-HR" dirty="0" err="1" smtClean="0">
+                <a:latin typeface="Coda" panose="020B0500000000000004" pitchFamily="34" charset="0"/>
+              </a:rPr>
+              <a:t>ontrast</a:t>
+            </a:r>
+            <a:endParaRPr lang="hr-HR" dirty="0" smtClean="0">
+              <a:latin typeface="Coda" panose="020B0500000000000004" pitchFamily="34" charset="0"/>
+            </a:endParaRPr>
           </a:p>
           <a:p>
             <a:pPr>
@@ -4689,11 +9469,23 @@
               <a:buChar char="§"/>
             </a:pPr>
             <a:r>
-              <a:rPr lang="hr-HR" dirty="0" smtClean="0">
+              <a:rPr lang="hr-HR" b="1" dirty="0" err="1" smtClean="0">
+                <a:solidFill>
+                  <a:srgbClr val="FF5C01"/>
+                </a:solidFill>
                 <a:latin typeface="Coda" panose="020B0500000000000004" pitchFamily="34" charset="0"/>
               </a:rPr>
-              <a:t>Ugodno korištenje</a:t>
-            </a:r>
+              <a:t>R</a:t>
+            </a:r>
+            <a:r>
+              <a:rPr lang="hr-HR" dirty="0" err="1" smtClean="0">
+                <a:latin typeface="Coda" panose="020B0500000000000004" pitchFamily="34" charset="0"/>
+              </a:rPr>
+              <a:t>epetiton</a:t>
+            </a:r>
+            <a:endParaRPr lang="hr-HR" dirty="0" smtClean="0">
+              <a:latin typeface="Coda" panose="020B0500000000000004" pitchFamily="34" charset="0"/>
+            </a:endParaRPr>
           </a:p>
           <a:p>
             <a:pPr>
@@ -4704,11 +9496,23 @@
               <a:buChar char="§"/>
             </a:pPr>
             <a:r>
-              <a:rPr lang="hr-HR" dirty="0" smtClean="0">
+              <a:rPr lang="hr-HR" b="1" dirty="0" err="1" smtClean="0">
+                <a:solidFill>
+                  <a:srgbClr val="FF5C01"/>
+                </a:solidFill>
                 <a:latin typeface="Coda" panose="020B0500000000000004" pitchFamily="34" charset="0"/>
               </a:rPr>
-              <a:t>Minimalistički dizajn</a:t>
-            </a:r>
+              <a:t>A</a:t>
+            </a:r>
+            <a:r>
+              <a:rPr lang="hr-HR" dirty="0" err="1" smtClean="0">
+                <a:latin typeface="Coda" panose="020B0500000000000004" pitchFamily="34" charset="0"/>
+              </a:rPr>
+              <a:t>lignment</a:t>
+            </a:r>
+            <a:endParaRPr lang="hr-HR" dirty="0" smtClean="0">
+              <a:latin typeface="Coda" panose="020B0500000000000004" pitchFamily="34" charset="0"/>
+            </a:endParaRPr>
           </a:p>
           <a:p>
             <a:pPr>
@@ -4719,27 +9523,21 @@
               <a:buChar char="§"/>
             </a:pPr>
             <a:r>
-              <a:rPr lang="hr-HR" dirty="0" smtClean="0">
+              <a:rPr lang="hr-HR" b="1" dirty="0" err="1" smtClean="0">
+                <a:solidFill>
+                  <a:srgbClr val="FF5C01"/>
+                </a:solidFill>
                 <a:latin typeface="Coda" panose="020B0500000000000004" pitchFamily="34" charset="0"/>
               </a:rPr>
-              <a:t>Sigurnost</a:t>
-            </a:r>
-          </a:p>
-          <a:p>
-            <a:pPr>
-              <a:buClr>
-                <a:srgbClr val="0066CC"/>
-              </a:buClr>
-              <a:buFont typeface="Wingdings" panose="05000000000000000000" pitchFamily="2" charset="2"/>
-              <a:buChar char="§"/>
-            </a:pPr>
+              <a:t>P</a:t>
+            </a:r>
             <a:r>
               <a:rPr lang="hr-HR" dirty="0" err="1" smtClean="0">
                 <a:latin typeface="Coda" panose="020B0500000000000004" pitchFamily="34" charset="0"/>
               </a:rPr>
-              <a:t>Responzivnost</a:t>
-            </a:r>
-            <a:endParaRPr lang="hr-HR" dirty="0" smtClean="0">
+              <a:t>roximity</a:t>
+            </a:r>
+            <a:endParaRPr lang="hr-HR" dirty="0">
               <a:latin typeface="Coda" panose="020B0500000000000004" pitchFamily="34" charset="0"/>
             </a:endParaRPr>
           </a:p>
@@ -4748,7 +9546,7 @@
     </p:spTree>
     <p:extLst>
       <p:ext uri="{BB962C8B-B14F-4D97-AF65-F5344CB8AC3E}">
-        <p14:creationId xmlns:p14="http://schemas.microsoft.com/office/powerpoint/2010/main" val="1807083859"/>
+        <p14:creationId xmlns:p14="http://schemas.microsoft.com/office/powerpoint/2010/main" val="3099100939"/>
       </p:ext>
     </p:extLst>
   </p:cSld>
@@ -4765,204 +9563,7 @@
 </p:sld>
 </file>
 
-<file path=ppt/slides/slide4.xml><?xml version="1.0" encoding="utf-8"?>
-<p:sld xmlns:a="http://schemas.openxmlformats.org/drawingml/2006/main" xmlns:r="http://schemas.openxmlformats.org/officeDocument/2006/relationships" xmlns:p="http://schemas.openxmlformats.org/presentationml/2006/main">
-  <p:cSld>
-    <p:spTree>
-      <p:nvGrpSpPr>
-        <p:cNvPr id="1" name=""/>
-        <p:cNvGrpSpPr/>
-        <p:nvPr/>
-      </p:nvGrpSpPr>
-      <p:grpSpPr>
-        <a:xfrm>
-          <a:off x="0" y="0"/>
-          <a:ext cx="0" cy="0"/>
-          <a:chOff x="0" y="0"/>
-          <a:chExt cx="0" cy="0"/>
-        </a:xfrm>
-      </p:grpSpPr>
-      <p:pic>
-        <p:nvPicPr>
-          <p:cNvPr id="8" name="Rezervirano mjesto sadržaja 7"/>
-          <p:cNvPicPr>
-            <a:picLocks noGrp="1" noChangeAspect="1"/>
-          </p:cNvPicPr>
-          <p:nvPr>
-            <p:ph idx="1"/>
-          </p:nvPr>
-        </p:nvPicPr>
-        <p:blipFill rotWithShape="1">
-          <a:blip r:embed="rId2">
-            <a:extLst>
-              <a:ext uri="{28A0092B-C50C-407E-A947-70E740481C1C}">
-                <a14:useLocalDpi xmlns:a14="http://schemas.microsoft.com/office/drawing/2010/main" val="0"/>
-              </a:ext>
-            </a:extLst>
-          </a:blip>
-          <a:srcRect t="49884"/>
-          <a:stretch/>
-        </p:blipFill>
-        <p:spPr>
-          <a:xfrm>
-            <a:off x="838200" y="3281178"/>
-            <a:ext cx="10515600" cy="1963062"/>
-          </a:xfrm>
-        </p:spPr>
-      </p:pic>
-      <p:sp>
-        <p:nvSpPr>
-          <p:cNvPr id="4" name="Pravokutnik 3"/>
-          <p:cNvSpPr/>
-          <p:nvPr/>
-        </p:nvSpPr>
-        <p:spPr>
-          <a:xfrm>
-            <a:off x="0" y="0"/>
-            <a:ext cx="12192000" cy="1122363"/>
-          </a:xfrm>
-          <a:prstGeom prst="rect">
-            <a:avLst/>
-          </a:prstGeom>
-          <a:solidFill>
-            <a:srgbClr val="0066CC"/>
-          </a:solidFill>
-        </p:spPr>
-        <p:style>
-          <a:lnRef idx="2">
-            <a:schemeClr val="accent1">
-              <a:shade val="50000"/>
-            </a:schemeClr>
-          </a:lnRef>
-          <a:fillRef idx="1">
-            <a:schemeClr val="accent1"/>
-          </a:fillRef>
-          <a:effectRef idx="0">
-            <a:schemeClr val="accent1"/>
-          </a:effectRef>
-          <a:fontRef idx="minor">
-            <a:schemeClr val="lt1"/>
-          </a:fontRef>
-        </p:style>
-        <p:txBody>
-          <a:bodyPr rtlCol="0" anchor="ctr"/>
-          <a:lstStyle/>
-          <a:p>
-            <a:pPr algn="ctr"/>
-            <a:endParaRPr lang="hr-HR"/>
-          </a:p>
-        </p:txBody>
-      </p:sp>
-      <p:pic>
-        <p:nvPicPr>
-          <p:cNvPr id="5" name="Slika 4"/>
-          <p:cNvPicPr>
-            <a:picLocks noChangeAspect="1"/>
-          </p:cNvPicPr>
-          <p:nvPr/>
-        </p:nvPicPr>
-        <p:blipFill>
-          <a:blip r:embed="rId3">
-            <a:extLst>
-              <a:ext uri="{28A0092B-C50C-407E-A947-70E740481C1C}">
-                <a14:useLocalDpi xmlns:a14="http://schemas.microsoft.com/office/drawing/2010/main" val="0"/>
-              </a:ext>
-            </a:extLst>
-          </a:blip>
-          <a:stretch>
-            <a:fillRect/>
-          </a:stretch>
-        </p:blipFill>
-        <p:spPr>
-          <a:xfrm>
-            <a:off x="331730" y="146676"/>
-            <a:ext cx="829010" cy="829010"/>
-          </a:xfrm>
-          <a:prstGeom prst="rect">
-            <a:avLst/>
-          </a:prstGeom>
-        </p:spPr>
-      </p:pic>
-      <p:sp>
-        <p:nvSpPr>
-          <p:cNvPr id="6" name="Naslov 1"/>
-          <p:cNvSpPr txBox="1">
-            <a:spLocks/>
-          </p:cNvSpPr>
-          <p:nvPr/>
-        </p:nvSpPr>
-        <p:spPr>
-          <a:xfrm>
-            <a:off x="838200" y="1538989"/>
-            <a:ext cx="10515600" cy="1325563"/>
-          </a:xfrm>
-          <a:prstGeom prst="rect">
-            <a:avLst/>
-          </a:prstGeom>
-        </p:spPr>
-        <p:txBody>
-          <a:bodyPr vert="horz" lIns="91440" tIns="45720" rIns="91440" bIns="45720" rtlCol="0" anchor="ctr">
-            <a:normAutofit/>
-          </a:bodyPr>
-          <a:lstStyle>
-            <a:lvl1pPr algn="l" defTabSz="914400" rtl="0" eaLnBrk="1" latinLnBrk="0" hangingPunct="1">
-              <a:lnSpc>
-                <a:spcPct val="90000"/>
-              </a:lnSpc>
-              <a:spcBef>
-                <a:spcPct val="0"/>
-              </a:spcBef>
-              <a:buNone/>
-              <a:defRPr sz="4400" kern="1200">
-                <a:solidFill>
-                  <a:schemeClr val="tx1"/>
-                </a:solidFill>
-                <a:latin typeface="+mj-lt"/>
-                <a:ea typeface="+mj-ea"/>
-                <a:cs typeface="+mj-cs"/>
-              </a:defRPr>
-            </a:lvl1pPr>
-          </a:lstStyle>
-          <a:p>
-            <a:r>
-              <a:rPr lang="hr-HR" dirty="0" smtClean="0">
-                <a:solidFill>
-                  <a:srgbClr val="0066CC"/>
-                </a:solidFill>
-                <a:latin typeface="Coda" panose="020B0500000000000004" pitchFamily="34" charset="0"/>
-              </a:rPr>
-              <a:t>Tijek projekta</a:t>
-            </a:r>
-            <a:endParaRPr lang="hr-HR" dirty="0">
-              <a:solidFill>
-                <a:srgbClr val="0066CC"/>
-              </a:solidFill>
-              <a:latin typeface="Coda" panose="020B0500000000000004" pitchFamily="34" charset="0"/>
-            </a:endParaRPr>
-          </a:p>
-        </p:txBody>
-      </p:sp>
-    </p:spTree>
-    <p:extLst>
-      <p:ext uri="{BB962C8B-B14F-4D97-AF65-F5344CB8AC3E}">
-        <p14:creationId xmlns:p14="http://schemas.microsoft.com/office/powerpoint/2010/main" val="1865832111"/>
-      </p:ext>
-    </p:extLst>
-  </p:cSld>
-  <p:clrMapOvr>
-    <a:masterClrMapping/>
-  </p:clrMapOvr>
-  <p:timing>
-    <p:tnLst>
-      <p:par>
-        <p:cTn id="1" dur="indefinite" restart="never" nodeType="tmRoot"/>
-      </p:par>
-    </p:tnLst>
-  </p:timing>
-</p:sld>
-</file>
-
-<file path=ppt/slides/slide5.xml><?xml version="1.0" encoding="utf-8"?>
+<file path=ppt/slides/slide28.xml><?xml version="1.0" encoding="utf-8"?>
 <p:sld xmlns:a="http://schemas.openxmlformats.org/drawingml/2006/main" xmlns:r="http://schemas.openxmlformats.org/officeDocument/2006/relationships" xmlns:p="http://schemas.openxmlformats.org/presentationml/2006/main">
   <p:cSld>
     <p:spTree>
@@ -5090,24 +9691,24 @@
                   <a:srgbClr val="0066CC"/>
                 </a:solidFill>
                 <a:effectLst>
-                  <a:glow rad="228600">
+                  <a:glow rad="1905000">
                     <a:schemeClr val="bg1">
-                      <a:alpha val="40000"/>
+                      <a:alpha val="60000"/>
                     </a:schemeClr>
                   </a:glow>
                 </a:effectLst>
                 <a:latin typeface="Coda" panose="020B0500000000000004" pitchFamily="34" charset="0"/>
               </a:rPr>
-              <a:t>Evaluacija dizajna…</a:t>
+              <a:t>Demo aplikacije…</a:t>
             </a:r>
             <a:endParaRPr lang="hr-HR" b="1" dirty="0">
               <a:solidFill>
                 <a:srgbClr val="0066CC"/>
               </a:solidFill>
               <a:effectLst>
-                <a:glow rad="228600">
+                <a:glow rad="1905000">
                   <a:schemeClr val="bg1">
-                    <a:alpha val="40000"/>
+                    <a:alpha val="60000"/>
                   </a:schemeClr>
                 </a:glow>
               </a:effectLst>
@@ -5192,7 +9793,7 @@
     </p:spTree>
     <p:extLst>
       <p:ext uri="{BB962C8B-B14F-4D97-AF65-F5344CB8AC3E}">
-        <p14:creationId xmlns:p14="http://schemas.microsoft.com/office/powerpoint/2010/main" val="2559921032"/>
+        <p14:creationId xmlns:p14="http://schemas.microsoft.com/office/powerpoint/2010/main" val="3525995189"/>
       </p:ext>
     </p:extLst>
   </p:cSld>
@@ -5209,7 +9810,7 @@
 </p:sld>
 </file>
 
-<file path=ppt/slides/slide6.xml><?xml version="1.0" encoding="utf-8"?>
+<file path=ppt/slides/slide3.xml><?xml version="1.0" encoding="utf-8"?>
 <p:sld xmlns:a="http://schemas.openxmlformats.org/drawingml/2006/main" xmlns:r="http://schemas.openxmlformats.org/officeDocument/2006/relationships" xmlns:p="http://schemas.openxmlformats.org/presentationml/2006/main">
   <p:cSld>
     <p:spTree>
@@ -5228,119 +9829,24 @@
       </p:grpSpPr>
       <p:sp>
         <p:nvSpPr>
-          <p:cNvPr id="3" name="Rezervirano mjesto sadržaja 2"/>
-          <p:cNvSpPr>
-            <a:spLocks noGrp="1"/>
-          </p:cNvSpPr>
-          <p:nvPr>
-            <p:ph idx="1"/>
-          </p:nvPr>
-        </p:nvSpPr>
-        <p:spPr>
-          <a:xfrm>
-            <a:off x="838200" y="2748805"/>
-            <a:ext cx="10515600" cy="4351338"/>
-          </a:xfrm>
-        </p:spPr>
-        <p:txBody>
-          <a:bodyPr>
-            <a:normAutofit/>
-          </a:bodyPr>
-          <a:lstStyle/>
-          <a:p>
-            <a:pPr marL="514350" indent="-514350">
-              <a:buClr>
-                <a:srgbClr val="0066CC"/>
-              </a:buClr>
-              <a:buFont typeface="+mj-lt"/>
-              <a:buAutoNum type="arabicPeriod"/>
-            </a:pPr>
-            <a:endParaRPr lang="hr-HR" dirty="0" smtClean="0">
-              <a:latin typeface="Coda" panose="020B0500000000000004" pitchFamily="34" charset="0"/>
-            </a:endParaRPr>
-          </a:p>
-          <a:p>
-            <a:pPr marL="514350" indent="-514350">
-              <a:buClr>
-                <a:srgbClr val="0066CC"/>
-              </a:buClr>
-              <a:buFont typeface="+mj-lt"/>
-              <a:buAutoNum type="arabicPeriod"/>
-            </a:pPr>
-            <a:r>
-              <a:rPr lang="hr-HR" dirty="0" smtClean="0">
-                <a:latin typeface="Coda" panose="020B0500000000000004" pitchFamily="34" charset="0"/>
-              </a:rPr>
-              <a:t>Podudaranje stvarnog svijeta sa sustavom</a:t>
-            </a:r>
-          </a:p>
-          <a:p>
-            <a:pPr marL="514350" indent="-514350">
-              <a:buClr>
-                <a:srgbClr val="0066CC"/>
-              </a:buClr>
-              <a:buFont typeface="+mj-lt"/>
-              <a:buAutoNum type="arabicPeriod"/>
-            </a:pPr>
-            <a:r>
-              <a:rPr lang="hr-HR" dirty="0" smtClean="0">
-                <a:latin typeface="Coda" panose="020B0500000000000004" pitchFamily="34" charset="0"/>
-              </a:rPr>
-              <a:t>Konzistencija i standardi</a:t>
-            </a:r>
-          </a:p>
-          <a:p>
-            <a:pPr marL="514350" indent="-514350">
-              <a:buClr>
-                <a:srgbClr val="0066CC"/>
-              </a:buClr>
-              <a:buFont typeface="+mj-lt"/>
-              <a:buAutoNum type="arabicPeriod"/>
-            </a:pPr>
-            <a:r>
-              <a:rPr lang="hr-HR" dirty="0" smtClean="0">
-                <a:latin typeface="Coda" panose="020B0500000000000004" pitchFamily="34" charset="0"/>
-              </a:rPr>
-              <a:t>Vidljivost  statusa sustava</a:t>
-            </a:r>
-          </a:p>
-          <a:p>
-            <a:pPr marL="514350" indent="-514350">
-              <a:buClr>
-                <a:srgbClr val="0066CC"/>
-              </a:buClr>
-              <a:buFont typeface="+mj-lt"/>
-              <a:buAutoNum type="arabicPeriod"/>
-            </a:pPr>
-            <a:r>
-              <a:rPr lang="hr-HR" dirty="0" smtClean="0">
-                <a:latin typeface="Coda" panose="020B0500000000000004" pitchFamily="34" charset="0"/>
-              </a:rPr>
-              <a:t>Korisnička sloboda i kontrola</a:t>
-            </a:r>
-          </a:p>
-          <a:p>
-            <a:pPr marL="514350" indent="-514350">
-              <a:buClr>
-                <a:srgbClr val="0066CC"/>
-              </a:buClr>
-              <a:buFont typeface="+mj-lt"/>
-              <a:buAutoNum type="arabicPeriod"/>
-            </a:pPr>
-            <a:r>
-              <a:rPr lang="hr-HR" dirty="0" smtClean="0">
-                <a:latin typeface="Coda" panose="020B0500000000000004" pitchFamily="34" charset="0"/>
-              </a:rPr>
-              <a:t>Sprječavanje grešaka</a:t>
-            </a:r>
-          </a:p>
-          <a:p>
-            <a:pPr marL="0" indent="0">
-              <a:buClr>
-                <a:srgbClr val="0066CC"/>
-              </a:buClr>
-              <a:buNone/>
-            </a:pPr>
+          <p:cNvPr id="2" name="Naslov 1"/>
+          <p:cNvSpPr>
+            <a:spLocks noGrp="1"/>
+          </p:cNvSpPr>
+          <p:nvPr>
+            <p:ph type="title"/>
+          </p:nvPr>
+        </p:nvSpPr>
+        <p:spPr>
+          <a:xfrm>
+            <a:off x="838200" y="1538989"/>
+            <a:ext cx="10515600" cy="1325563"/>
+          </a:xfrm>
+        </p:spPr>
+        <p:txBody>
+          <a:bodyPr/>
+          <a:lstStyle/>
+          <a:p>
             <a:r>
               <a:rPr lang="hr-HR" dirty="0" smtClean="0">
                 <a:solidFill>
@@ -5348,302 +9854,12 @@
                 </a:solidFill>
                 <a:latin typeface="Coda" panose="020B0500000000000004" pitchFamily="34" charset="0"/>
               </a:rPr>
-              <a:t>…</a:t>
-            </a:r>
-          </a:p>
-        </p:txBody>
-      </p:sp>
-      <p:sp>
-        <p:nvSpPr>
-          <p:cNvPr id="4" name="Pravokutnik 3"/>
-          <p:cNvSpPr/>
-          <p:nvPr/>
-        </p:nvSpPr>
-        <p:spPr>
-          <a:xfrm>
-            <a:off x="0" y="0"/>
-            <a:ext cx="12192000" cy="1122363"/>
-          </a:xfrm>
-          <a:prstGeom prst="rect">
-            <a:avLst/>
-          </a:prstGeom>
-          <a:solidFill>
-            <a:srgbClr val="0066CC"/>
-          </a:solidFill>
-        </p:spPr>
-        <p:style>
-          <a:lnRef idx="2">
-            <a:schemeClr val="accent1">
-              <a:shade val="50000"/>
-            </a:schemeClr>
-          </a:lnRef>
-          <a:fillRef idx="1">
-            <a:schemeClr val="accent1"/>
-          </a:fillRef>
-          <a:effectRef idx="0">
-            <a:schemeClr val="accent1"/>
-          </a:effectRef>
-          <a:fontRef idx="minor">
-            <a:schemeClr val="lt1"/>
-          </a:fontRef>
-        </p:style>
-        <p:txBody>
-          <a:bodyPr rtlCol="0" anchor="ctr"/>
-          <a:lstStyle/>
-          <a:p>
-            <a:pPr algn="ctr"/>
-            <a:endParaRPr lang="hr-HR"/>
-          </a:p>
-        </p:txBody>
-      </p:sp>
-      <p:pic>
-        <p:nvPicPr>
-          <p:cNvPr id="5" name="Slika 4"/>
-          <p:cNvPicPr>
-            <a:picLocks noChangeAspect="1"/>
-          </p:cNvPicPr>
-          <p:nvPr/>
-        </p:nvPicPr>
-        <p:blipFill>
-          <a:blip r:embed="rId3">
-            <a:extLst>
-              <a:ext uri="{28A0092B-C50C-407E-A947-70E740481C1C}">
-                <a14:useLocalDpi xmlns:a14="http://schemas.microsoft.com/office/drawing/2010/main" val="0"/>
-              </a:ext>
-            </a:extLst>
-          </a:blip>
-          <a:stretch>
-            <a:fillRect/>
-          </a:stretch>
-        </p:blipFill>
-        <p:spPr>
-          <a:xfrm>
-            <a:off x="331730" y="146676"/>
-            <a:ext cx="829010" cy="829010"/>
-          </a:xfrm>
-          <a:prstGeom prst="rect">
-            <a:avLst/>
-          </a:prstGeom>
-        </p:spPr>
-      </p:pic>
-      <p:sp>
-        <p:nvSpPr>
-          <p:cNvPr id="6" name="Naslov 1"/>
-          <p:cNvSpPr txBox="1">
-            <a:spLocks/>
-          </p:cNvSpPr>
-          <p:nvPr/>
-        </p:nvSpPr>
-        <p:spPr>
-          <a:xfrm>
-            <a:off x="838200" y="1538989"/>
-            <a:ext cx="10515600" cy="1325563"/>
-          </a:xfrm>
-          <a:prstGeom prst="rect">
-            <a:avLst/>
-          </a:prstGeom>
-        </p:spPr>
-        <p:txBody>
-          <a:bodyPr vert="horz" lIns="91440" tIns="45720" rIns="91440" bIns="45720" rtlCol="0" anchor="ctr">
-            <a:normAutofit/>
-          </a:bodyPr>
-          <a:lstStyle>
-            <a:lvl1pPr algn="l" defTabSz="914400" rtl="0" eaLnBrk="1" latinLnBrk="0" hangingPunct="1">
-              <a:lnSpc>
-                <a:spcPct val="90000"/>
-              </a:lnSpc>
-              <a:spcBef>
-                <a:spcPct val="0"/>
-              </a:spcBef>
-              <a:buNone/>
-              <a:defRPr sz="4400" kern="1200">
-                <a:solidFill>
-                  <a:schemeClr val="tx1"/>
-                </a:solidFill>
-                <a:latin typeface="+mj-lt"/>
-                <a:ea typeface="+mj-ea"/>
-                <a:cs typeface="+mj-cs"/>
-              </a:defRPr>
-            </a:lvl1pPr>
-          </a:lstStyle>
-          <a:p>
-            <a:r>
-              <a:rPr lang="hr-HR" dirty="0" smtClean="0">
-                <a:solidFill>
-                  <a:srgbClr val="0066CC"/>
-                </a:solidFill>
-                <a:latin typeface="Coda" panose="020B0500000000000004" pitchFamily="34" charset="0"/>
-              </a:rPr>
-              <a:t>Heuristike</a:t>
+              <a:t>Ciljevi</a:t>
             </a:r>
             <a:endParaRPr lang="hr-HR" dirty="0">
               <a:solidFill>
                 <a:srgbClr val="0066CC"/>
               </a:solidFill>
-              <a:latin typeface="Coda" panose="020B0500000000000004" pitchFamily="34" charset="0"/>
-            </a:endParaRPr>
-          </a:p>
-        </p:txBody>
-      </p:sp>
-    </p:spTree>
-    <p:extLst>
-      <p:ext uri="{BB962C8B-B14F-4D97-AF65-F5344CB8AC3E}">
-        <p14:creationId xmlns:p14="http://schemas.microsoft.com/office/powerpoint/2010/main" val="1137056629"/>
-      </p:ext>
-    </p:extLst>
-  </p:cSld>
-  <p:clrMapOvr>
-    <a:masterClrMapping/>
-  </p:clrMapOvr>
-  <p:timing>
-    <p:tnLst>
-      <p:par>
-        <p:cTn id="1" dur="indefinite" restart="never" nodeType="tmRoot"/>
-      </p:par>
-    </p:tnLst>
-  </p:timing>
-</p:sld>
-</file>
-
-<file path=ppt/slides/slide7.xml><?xml version="1.0" encoding="utf-8"?>
-<p:sld xmlns:a="http://schemas.openxmlformats.org/drawingml/2006/main" xmlns:r="http://schemas.openxmlformats.org/officeDocument/2006/relationships" xmlns:p="http://schemas.openxmlformats.org/presentationml/2006/main">
-  <p:cSld>
-    <p:spTree>
-      <p:nvGrpSpPr>
-        <p:cNvPr id="1" name=""/>
-        <p:cNvGrpSpPr/>
-        <p:nvPr/>
-      </p:nvGrpSpPr>
-      <p:grpSpPr>
-        <a:xfrm>
-          <a:off x="0" y="0"/>
-          <a:ext cx="0" cy="0"/>
-          <a:chOff x="0" y="0"/>
-          <a:chExt cx="0" cy="0"/>
-        </a:xfrm>
-      </p:grpSpPr>
-      <p:sp>
-        <p:nvSpPr>
-          <p:cNvPr id="3" name="Rezervirano mjesto sadržaja 2"/>
-          <p:cNvSpPr>
-            <a:spLocks noGrp="1"/>
-          </p:cNvSpPr>
-          <p:nvPr>
-            <p:ph idx="1"/>
-          </p:nvPr>
-        </p:nvSpPr>
-        <p:spPr>
-          <a:xfrm>
-            <a:off x="838200" y="2748805"/>
-            <a:ext cx="10515600" cy="4351338"/>
-          </a:xfrm>
-        </p:spPr>
-        <p:txBody>
-          <a:bodyPr>
-            <a:normAutofit/>
-          </a:bodyPr>
-          <a:lstStyle/>
-          <a:p>
-            <a:pPr marL="0" indent="0">
-              <a:buClr>
-                <a:srgbClr val="0066CC"/>
-              </a:buClr>
-              <a:buNone/>
-            </a:pPr>
-            <a:r>
-              <a:rPr lang="hr-HR" dirty="0" smtClean="0">
-                <a:solidFill>
-                  <a:srgbClr val="0066CC"/>
-                </a:solidFill>
-                <a:latin typeface="Coda" panose="020B0500000000000004" pitchFamily="34" charset="0"/>
-              </a:rPr>
-              <a:t>…</a:t>
-            </a:r>
-          </a:p>
-          <a:p>
-            <a:pPr marL="514350" indent="-514350">
-              <a:buClr>
-                <a:srgbClr val="0066CC"/>
-              </a:buClr>
-              <a:buFont typeface="+mj-lt"/>
-              <a:buAutoNum type="arabicPeriod" startAt="6"/>
-            </a:pPr>
-            <a:r>
-              <a:rPr lang="hr-HR" dirty="0" smtClean="0">
-                <a:latin typeface="Coda" panose="020B0500000000000004" pitchFamily="34" charset="0"/>
-              </a:rPr>
-              <a:t>Detekcija i oporavak od greške</a:t>
-            </a:r>
-          </a:p>
-          <a:p>
-            <a:pPr marL="514350" indent="-514350">
-              <a:buClr>
-                <a:srgbClr val="0066CC"/>
-              </a:buClr>
-              <a:buFont typeface="+mj-lt"/>
-              <a:buAutoNum type="arabicPeriod" startAt="6"/>
-            </a:pPr>
-            <a:r>
-              <a:rPr lang="hr-HR" dirty="0" smtClean="0">
-                <a:latin typeface="Coda" panose="020B0500000000000004" pitchFamily="34" charset="0"/>
-              </a:rPr>
-              <a:t>Prepoznavanje umjesto prisjećanja</a:t>
-            </a:r>
-          </a:p>
-          <a:p>
-            <a:pPr marL="514350" indent="-514350">
-              <a:buClr>
-                <a:srgbClr val="0066CC"/>
-              </a:buClr>
-              <a:buFont typeface="+mj-lt"/>
-              <a:buAutoNum type="arabicPeriod" startAt="6"/>
-            </a:pPr>
-            <a:r>
-              <a:rPr lang="hr-HR" dirty="0" smtClean="0">
-                <a:latin typeface="Coda" panose="020B0500000000000004" pitchFamily="34" charset="0"/>
-              </a:rPr>
-              <a:t>Fleksibilnost i efikasnost korištenja</a:t>
-            </a:r>
-          </a:p>
-          <a:p>
-            <a:pPr marL="514350" indent="-514350">
-              <a:buClr>
-                <a:srgbClr val="0066CC"/>
-              </a:buClr>
-              <a:buFont typeface="+mj-lt"/>
-              <a:buAutoNum type="arabicPeriod" startAt="6"/>
-            </a:pPr>
-            <a:r>
-              <a:rPr lang="hr-HR" dirty="0" smtClean="0">
-                <a:latin typeface="Coda" panose="020B0500000000000004" pitchFamily="34" charset="0"/>
-              </a:rPr>
-              <a:t>Estetika i minimalistički </a:t>
-            </a:r>
-            <a:r>
-              <a:rPr lang="hr-HR" dirty="0" err="1" smtClean="0">
-                <a:latin typeface="Coda" panose="020B0500000000000004" pitchFamily="34" charset="0"/>
-              </a:rPr>
-              <a:t>dizaja</a:t>
-            </a:r>
-            <a:endParaRPr lang="hr-HR" dirty="0" smtClean="0">
-              <a:latin typeface="Coda" panose="020B0500000000000004" pitchFamily="34" charset="0"/>
-            </a:endParaRPr>
-          </a:p>
-          <a:p>
-            <a:pPr marL="514350" indent="-514350">
-              <a:buClr>
-                <a:srgbClr val="0066CC"/>
-              </a:buClr>
-              <a:buFont typeface="+mj-lt"/>
-              <a:buAutoNum type="arabicPeriod" startAt="6"/>
-            </a:pPr>
-            <a:r>
-              <a:rPr lang="hr-HR" dirty="0" smtClean="0">
-                <a:latin typeface="Coda" panose="020B0500000000000004" pitchFamily="34" charset="0"/>
-              </a:rPr>
-              <a:t>Pomoć i dokumentacija</a:t>
-            </a:r>
-            <a:endParaRPr lang="hr-HR" dirty="0">
               <a:latin typeface="Coda" panose="020B0500000000000004" pitchFamily="34" charset="0"/>
             </a:endParaRPr>
           </a:p>
@@ -5724,566 +9940,7 @@
       </p:pic>
       <p:sp>
         <p:nvSpPr>
-          <p:cNvPr id="6" name="Naslov 1"/>
-          <p:cNvSpPr txBox="1">
-            <a:spLocks/>
-          </p:cNvSpPr>
-          <p:nvPr/>
-        </p:nvSpPr>
-        <p:spPr>
-          <a:xfrm>
-            <a:off x="838200" y="1538989"/>
-            <a:ext cx="10515600" cy="1325563"/>
-          </a:xfrm>
-          <a:prstGeom prst="rect">
-            <a:avLst/>
-          </a:prstGeom>
-        </p:spPr>
-        <p:txBody>
-          <a:bodyPr vert="horz" lIns="91440" tIns="45720" rIns="91440" bIns="45720" rtlCol="0" anchor="ctr">
-            <a:normAutofit/>
-          </a:bodyPr>
-          <a:lstStyle>
-            <a:lvl1pPr algn="l" defTabSz="914400" rtl="0" eaLnBrk="1" latinLnBrk="0" hangingPunct="1">
-              <a:lnSpc>
-                <a:spcPct val="90000"/>
-              </a:lnSpc>
-              <a:spcBef>
-                <a:spcPct val="0"/>
-              </a:spcBef>
-              <a:buNone/>
-              <a:defRPr sz="4400" kern="1200">
-                <a:solidFill>
-                  <a:schemeClr val="tx1"/>
-                </a:solidFill>
-                <a:latin typeface="+mj-lt"/>
-                <a:ea typeface="+mj-ea"/>
-                <a:cs typeface="+mj-cs"/>
-              </a:defRPr>
-            </a:lvl1pPr>
-          </a:lstStyle>
-          <a:p>
-            <a:r>
-              <a:rPr lang="hr-HR" dirty="0" smtClean="0">
-                <a:solidFill>
-                  <a:srgbClr val="0066CC"/>
-                </a:solidFill>
-                <a:latin typeface="Coda" panose="020B0500000000000004" pitchFamily="34" charset="0"/>
-              </a:rPr>
-              <a:t>Heuristike</a:t>
-            </a:r>
-            <a:endParaRPr lang="hr-HR" dirty="0">
-              <a:solidFill>
-                <a:srgbClr val="0066CC"/>
-              </a:solidFill>
-              <a:latin typeface="Coda" panose="020B0500000000000004" pitchFamily="34" charset="0"/>
-            </a:endParaRPr>
-          </a:p>
-        </p:txBody>
-      </p:sp>
-    </p:spTree>
-    <p:extLst>
-      <p:ext uri="{BB962C8B-B14F-4D97-AF65-F5344CB8AC3E}">
-        <p14:creationId xmlns:p14="http://schemas.microsoft.com/office/powerpoint/2010/main" val="335740200"/>
-      </p:ext>
-    </p:extLst>
-  </p:cSld>
-  <p:clrMapOvr>
-    <a:masterClrMapping/>
-  </p:clrMapOvr>
-  <p:timing>
-    <p:tnLst>
-      <p:par>
-        <p:cTn id="1" dur="indefinite" restart="never" nodeType="tmRoot"/>
-      </p:par>
-    </p:tnLst>
-  </p:timing>
-</p:sld>
-</file>
-
-<file path=ppt/slides/slide8.xml><?xml version="1.0" encoding="utf-8"?>
-<p:sld xmlns:a="http://schemas.openxmlformats.org/drawingml/2006/main" xmlns:r="http://schemas.openxmlformats.org/officeDocument/2006/relationships" xmlns:p="http://schemas.openxmlformats.org/presentationml/2006/main">
-  <p:cSld>
-    <p:spTree>
-      <p:nvGrpSpPr>
-        <p:cNvPr id="1" name=""/>
-        <p:cNvGrpSpPr/>
-        <p:nvPr/>
-      </p:nvGrpSpPr>
-      <p:grpSpPr>
-        <a:xfrm>
-          <a:off x="0" y="0"/>
-          <a:ext cx="0" cy="0"/>
-          <a:chOff x="0" y="0"/>
-          <a:chExt cx="0" cy="0"/>
-        </a:xfrm>
-      </p:grpSpPr>
-      <p:sp>
-        <p:nvSpPr>
-          <p:cNvPr id="14" name="Rezervirano mjesto teksta 13"/>
-          <p:cNvSpPr>
-            <a:spLocks noGrp="1"/>
-          </p:cNvSpPr>
-          <p:nvPr>
-            <p:ph type="body" idx="1"/>
-          </p:nvPr>
-        </p:nvSpPr>
-        <p:spPr>
-          <a:xfrm>
-            <a:off x="839788" y="2757608"/>
-            <a:ext cx="5157787" cy="823912"/>
-          </a:xfrm>
-        </p:spPr>
-        <p:txBody>
-          <a:bodyPr>
-            <a:normAutofit/>
-          </a:bodyPr>
-          <a:lstStyle/>
-          <a:p>
-            <a:pPr marL="457200" indent="-457200">
-              <a:buClr>
-                <a:srgbClr val="0066CC"/>
-              </a:buClr>
-              <a:buFont typeface="+mj-lt"/>
-              <a:buAutoNum type="arabicPeriod"/>
-            </a:pPr>
-            <a:r>
-              <a:rPr lang="hr-HR" sz="2800" b="0" dirty="0" err="1" smtClean="0">
-                <a:latin typeface="Coda" panose="020B0500000000000004" pitchFamily="34" charset="0"/>
-              </a:rPr>
-              <a:t>Fitts</a:t>
-            </a:r>
-            <a:r>
-              <a:rPr lang="hr-HR" sz="2800" b="0" dirty="0" err="1" smtClean="0">
-                <a:latin typeface="Coda" panose="020B0500000000000004" pitchFamily="34" charset="0"/>
-              </a:rPr>
-              <a:t>ov</a:t>
-            </a:r>
-            <a:r>
-              <a:rPr lang="hr-HR" sz="2800" b="0" dirty="0" smtClean="0">
-                <a:latin typeface="Coda" panose="020B0500000000000004" pitchFamily="34" charset="0"/>
-              </a:rPr>
-              <a:t> zakon</a:t>
-            </a:r>
-            <a:endParaRPr lang="hr-HR" sz="2800" b="0" dirty="0" smtClean="0">
-              <a:latin typeface="Coda" panose="020B0500000000000004" pitchFamily="34" charset="0"/>
-            </a:endParaRPr>
-          </a:p>
-        </p:txBody>
-      </p:sp>
-      <p:sp>
-        <p:nvSpPr>
-          <p:cNvPr id="3" name="Rezervirano mjesto sadržaja 2"/>
-          <p:cNvSpPr>
-            <a:spLocks noGrp="1"/>
-          </p:cNvSpPr>
-          <p:nvPr>
-            <p:ph sz="half" idx="2"/>
-          </p:nvPr>
-        </p:nvSpPr>
-        <p:spPr>
-          <a:xfrm>
-            <a:off x="839788" y="3581520"/>
-            <a:ext cx="5157787" cy="2958176"/>
-          </a:xfrm>
-        </p:spPr>
-        <p:txBody>
-          <a:bodyPr/>
-          <a:lstStyle/>
-          <a:p>
-            <a:pPr marL="0" indent="0">
-              <a:buClr>
-                <a:srgbClr val="0066CC"/>
-              </a:buClr>
-              <a:buNone/>
-            </a:pPr>
-            <a:endParaRPr lang="hr-HR" dirty="0">
-              <a:latin typeface="Coda" panose="020B0500000000000004" pitchFamily="34" charset="0"/>
-            </a:endParaRPr>
-          </a:p>
-        </p:txBody>
-      </p:sp>
-      <p:sp>
-        <p:nvSpPr>
-          <p:cNvPr id="15" name="Rezervirano mjesto teksta 14"/>
-          <p:cNvSpPr>
-            <a:spLocks noGrp="1"/>
-          </p:cNvSpPr>
-          <p:nvPr>
-            <p:ph type="body" sz="quarter" idx="3"/>
-          </p:nvPr>
-        </p:nvSpPr>
-        <p:spPr>
-          <a:xfrm>
-            <a:off x="6172200" y="2757608"/>
-            <a:ext cx="5183188" cy="823912"/>
-          </a:xfrm>
-        </p:spPr>
-        <p:txBody>
-          <a:bodyPr>
-            <a:normAutofit/>
-          </a:bodyPr>
-          <a:lstStyle/>
-          <a:p>
-            <a:pPr marL="457200" indent="-457200">
-              <a:buClr>
-                <a:srgbClr val="0066CC"/>
-              </a:buClr>
-              <a:buFont typeface="+mj-lt"/>
-              <a:buAutoNum type="arabicPeriod" startAt="2"/>
-            </a:pPr>
-            <a:r>
-              <a:rPr lang="hr-HR" sz="2800" b="0" dirty="0" err="1" smtClean="0">
-                <a:latin typeface="Coda" panose="020B0500000000000004" pitchFamily="34" charset="0"/>
-              </a:rPr>
-              <a:t>Hick</a:t>
-            </a:r>
-            <a:r>
-              <a:rPr lang="hr-HR" sz="2800" b="0" dirty="0" err="1" smtClean="0">
-                <a:latin typeface="Coda" panose="020B0500000000000004" pitchFamily="34" charset="0"/>
-              </a:rPr>
-              <a:t>ov</a:t>
-            </a:r>
-            <a:r>
-              <a:rPr lang="hr-HR" sz="2800" b="0" dirty="0" smtClean="0">
-                <a:latin typeface="Coda" panose="020B0500000000000004" pitchFamily="34" charset="0"/>
-              </a:rPr>
-              <a:t> zakon</a:t>
-            </a:r>
-            <a:endParaRPr lang="hr-HR" sz="2800" b="0" dirty="0" smtClean="0">
-              <a:latin typeface="Coda" panose="020B0500000000000004" pitchFamily="34" charset="0"/>
-            </a:endParaRPr>
-          </a:p>
-        </p:txBody>
-      </p:sp>
-      <p:sp>
-        <p:nvSpPr>
-          <p:cNvPr id="16" name="Rezervirano mjesto sadržaja 15"/>
-          <p:cNvSpPr>
-            <a:spLocks noGrp="1"/>
-          </p:cNvSpPr>
-          <p:nvPr>
-            <p:ph sz="quarter" idx="4"/>
-          </p:nvPr>
-        </p:nvSpPr>
-        <p:spPr>
-          <a:xfrm>
-            <a:off x="6172200" y="3581520"/>
-            <a:ext cx="5183188" cy="2958176"/>
-          </a:xfrm>
-        </p:spPr>
-        <p:txBody>
-          <a:bodyPr/>
-          <a:lstStyle/>
-          <a:p>
-            <a:endParaRPr lang="hr-HR"/>
-          </a:p>
-        </p:txBody>
-      </p:sp>
-      <p:sp>
-        <p:nvSpPr>
-          <p:cNvPr id="4" name="Pravokutnik 3"/>
-          <p:cNvSpPr/>
-          <p:nvPr/>
-        </p:nvSpPr>
-        <p:spPr>
-          <a:xfrm>
-            <a:off x="0" y="0"/>
-            <a:ext cx="12192000" cy="1122363"/>
-          </a:xfrm>
-          <a:prstGeom prst="rect">
-            <a:avLst/>
-          </a:prstGeom>
-          <a:solidFill>
-            <a:srgbClr val="0066CC"/>
-          </a:solidFill>
-        </p:spPr>
-        <p:style>
-          <a:lnRef idx="2">
-            <a:schemeClr val="accent1">
-              <a:shade val="50000"/>
-            </a:schemeClr>
-          </a:lnRef>
-          <a:fillRef idx="1">
-            <a:schemeClr val="accent1"/>
-          </a:fillRef>
-          <a:effectRef idx="0">
-            <a:schemeClr val="accent1"/>
-          </a:effectRef>
-          <a:fontRef idx="minor">
-            <a:schemeClr val="lt1"/>
-          </a:fontRef>
-        </p:style>
-        <p:txBody>
-          <a:bodyPr rtlCol="0" anchor="ctr"/>
-          <a:lstStyle/>
-          <a:p>
-            <a:pPr algn="ctr"/>
-            <a:endParaRPr lang="hr-HR"/>
-          </a:p>
-        </p:txBody>
-      </p:sp>
-      <p:pic>
-        <p:nvPicPr>
-          <p:cNvPr id="5" name="Slika 4"/>
-          <p:cNvPicPr>
-            <a:picLocks noChangeAspect="1"/>
-          </p:cNvPicPr>
-          <p:nvPr/>
-        </p:nvPicPr>
-        <p:blipFill>
-          <a:blip r:embed="rId2">
-            <a:extLst>
-              <a:ext uri="{28A0092B-C50C-407E-A947-70E740481C1C}">
-                <a14:useLocalDpi xmlns:a14="http://schemas.microsoft.com/office/drawing/2010/main" val="0"/>
-              </a:ext>
-            </a:extLst>
-          </a:blip>
-          <a:stretch>
-            <a:fillRect/>
-          </a:stretch>
-        </p:blipFill>
-        <p:spPr>
-          <a:xfrm>
-            <a:off x="331730" y="146676"/>
-            <a:ext cx="829010" cy="829010"/>
-          </a:xfrm>
-          <a:prstGeom prst="rect">
-            <a:avLst/>
-          </a:prstGeom>
-        </p:spPr>
-      </p:pic>
-      <p:sp>
-        <p:nvSpPr>
-          <p:cNvPr id="6" name="Naslov 1"/>
-          <p:cNvSpPr txBox="1">
-            <a:spLocks/>
-          </p:cNvSpPr>
-          <p:nvPr/>
-        </p:nvSpPr>
-        <p:spPr>
-          <a:xfrm>
-            <a:off x="838200" y="1538989"/>
-            <a:ext cx="10515600" cy="1325563"/>
-          </a:xfrm>
-          <a:prstGeom prst="rect">
-            <a:avLst/>
-          </a:prstGeom>
-        </p:spPr>
-        <p:txBody>
-          <a:bodyPr vert="horz" lIns="91440" tIns="45720" rIns="91440" bIns="45720" rtlCol="0" anchor="ctr">
-            <a:normAutofit/>
-          </a:bodyPr>
-          <a:lstStyle>
-            <a:lvl1pPr algn="l" defTabSz="914400" rtl="0" eaLnBrk="1" latinLnBrk="0" hangingPunct="1">
-              <a:lnSpc>
-                <a:spcPct val="90000"/>
-              </a:lnSpc>
-              <a:spcBef>
-                <a:spcPct val="0"/>
-              </a:spcBef>
-              <a:buNone/>
-              <a:defRPr sz="4400" kern="1200">
-                <a:solidFill>
-                  <a:schemeClr val="tx1"/>
-                </a:solidFill>
-                <a:latin typeface="+mj-lt"/>
-                <a:ea typeface="+mj-ea"/>
-                <a:cs typeface="+mj-cs"/>
-              </a:defRPr>
-            </a:lvl1pPr>
-          </a:lstStyle>
-          <a:p>
-            <a:r>
-              <a:rPr lang="hr-HR" dirty="0" smtClean="0">
-                <a:solidFill>
-                  <a:srgbClr val="0066CC"/>
-                </a:solidFill>
-                <a:latin typeface="Coda" panose="020B0500000000000004" pitchFamily="34" charset="0"/>
-              </a:rPr>
-              <a:t>Teorije niske razine</a:t>
-            </a:r>
-            <a:endParaRPr lang="hr-HR" dirty="0">
-              <a:solidFill>
-                <a:srgbClr val="0066CC"/>
-              </a:solidFill>
-              <a:latin typeface="Coda" panose="020B0500000000000004" pitchFamily="34" charset="0"/>
-            </a:endParaRPr>
-          </a:p>
-        </p:txBody>
-      </p:sp>
-    </p:spTree>
-    <p:extLst>
-      <p:ext uri="{BB962C8B-B14F-4D97-AF65-F5344CB8AC3E}">
-        <p14:creationId xmlns:p14="http://schemas.microsoft.com/office/powerpoint/2010/main" val="3642831469"/>
-      </p:ext>
-    </p:extLst>
-  </p:cSld>
-  <p:clrMapOvr>
-    <a:masterClrMapping/>
-  </p:clrMapOvr>
-  <p:timing>
-    <p:tnLst>
-      <p:par>
-        <p:cTn id="1" dur="indefinite" restart="never" nodeType="tmRoot"/>
-      </p:par>
-    </p:tnLst>
-  </p:timing>
-</p:sld>
-</file>
-
-<file path=ppt/slides/slide9.xml><?xml version="1.0" encoding="utf-8"?>
-<p:sld xmlns:a="http://schemas.openxmlformats.org/drawingml/2006/main" xmlns:r="http://schemas.openxmlformats.org/officeDocument/2006/relationships" xmlns:p="http://schemas.openxmlformats.org/presentationml/2006/main">
-  <p:cSld>
-    <p:spTree>
-      <p:nvGrpSpPr>
-        <p:cNvPr id="1" name=""/>
-        <p:cNvGrpSpPr/>
-        <p:nvPr/>
-      </p:nvGrpSpPr>
-      <p:grpSpPr>
-        <a:xfrm>
-          <a:off x="0" y="0"/>
-          <a:ext cx="0" cy="0"/>
-          <a:chOff x="0" y="0"/>
-          <a:chExt cx="0" cy="0"/>
-        </a:xfrm>
-      </p:grpSpPr>
-      <p:sp>
-        <p:nvSpPr>
-          <p:cNvPr id="4" name="Pravokutnik 3"/>
-          <p:cNvSpPr/>
-          <p:nvPr/>
-        </p:nvSpPr>
-        <p:spPr>
-          <a:xfrm>
-            <a:off x="0" y="0"/>
-            <a:ext cx="12192000" cy="1122363"/>
-          </a:xfrm>
-          <a:prstGeom prst="rect">
-            <a:avLst/>
-          </a:prstGeom>
-          <a:solidFill>
-            <a:srgbClr val="0066CC"/>
-          </a:solidFill>
-        </p:spPr>
-        <p:style>
-          <a:lnRef idx="2">
-            <a:schemeClr val="accent1">
-              <a:shade val="50000"/>
-            </a:schemeClr>
-          </a:lnRef>
-          <a:fillRef idx="1">
-            <a:schemeClr val="accent1"/>
-          </a:fillRef>
-          <a:effectRef idx="0">
-            <a:schemeClr val="accent1"/>
-          </a:effectRef>
-          <a:fontRef idx="minor">
-            <a:schemeClr val="lt1"/>
-          </a:fontRef>
-        </p:style>
-        <p:txBody>
-          <a:bodyPr rtlCol="0" anchor="ctr"/>
-          <a:lstStyle/>
-          <a:p>
-            <a:pPr algn="ctr"/>
-            <a:endParaRPr lang="hr-HR"/>
-          </a:p>
-        </p:txBody>
-      </p:sp>
-      <p:pic>
-        <p:nvPicPr>
-          <p:cNvPr id="5" name="Slika 4"/>
-          <p:cNvPicPr>
-            <a:picLocks noChangeAspect="1"/>
-          </p:cNvPicPr>
-          <p:nvPr/>
-        </p:nvPicPr>
-        <p:blipFill>
-          <a:blip r:embed="rId2">
-            <a:extLst>
-              <a:ext uri="{28A0092B-C50C-407E-A947-70E740481C1C}">
-                <a14:useLocalDpi xmlns:a14="http://schemas.microsoft.com/office/drawing/2010/main" val="0"/>
-              </a:ext>
-            </a:extLst>
-          </a:blip>
-          <a:stretch>
-            <a:fillRect/>
-          </a:stretch>
-        </p:blipFill>
-        <p:spPr>
-          <a:xfrm>
-            <a:off x="331730" y="146676"/>
-            <a:ext cx="829010" cy="829010"/>
-          </a:xfrm>
-          <a:prstGeom prst="rect">
-            <a:avLst/>
-          </a:prstGeom>
-        </p:spPr>
-      </p:pic>
-      <p:sp>
-        <p:nvSpPr>
-          <p:cNvPr id="6" name="Naslov 1"/>
-          <p:cNvSpPr txBox="1">
-            <a:spLocks/>
-          </p:cNvSpPr>
-          <p:nvPr/>
-        </p:nvSpPr>
-        <p:spPr>
-          <a:xfrm>
-            <a:off x="838200" y="1538989"/>
-            <a:ext cx="10515600" cy="1325563"/>
-          </a:xfrm>
-          <a:prstGeom prst="rect">
-            <a:avLst/>
-          </a:prstGeom>
-        </p:spPr>
-        <p:txBody>
-          <a:bodyPr vert="horz" lIns="91440" tIns="45720" rIns="91440" bIns="45720" rtlCol="0" anchor="ctr">
-            <a:normAutofit/>
-          </a:bodyPr>
-          <a:lstStyle>
-            <a:lvl1pPr algn="l" defTabSz="914400" rtl="0" eaLnBrk="1" latinLnBrk="0" hangingPunct="1">
-              <a:lnSpc>
-                <a:spcPct val="90000"/>
-              </a:lnSpc>
-              <a:spcBef>
-                <a:spcPct val="0"/>
-              </a:spcBef>
-              <a:buNone/>
-              <a:defRPr sz="4400" kern="1200">
-                <a:solidFill>
-                  <a:schemeClr val="tx1"/>
-                </a:solidFill>
-                <a:latin typeface="+mj-lt"/>
-                <a:ea typeface="+mj-ea"/>
-                <a:cs typeface="+mj-cs"/>
-              </a:defRPr>
-            </a:lvl1pPr>
-          </a:lstStyle>
-          <a:p>
-            <a:r>
-              <a:rPr lang="hr-HR" dirty="0" smtClean="0">
-                <a:solidFill>
-                  <a:srgbClr val="0066CC"/>
-                </a:solidFill>
-                <a:latin typeface="Coda" panose="020B0500000000000004" pitchFamily="34" charset="0"/>
-              </a:rPr>
-              <a:t>CRAP principi</a:t>
-            </a:r>
-            <a:endParaRPr lang="hr-HR" dirty="0">
-              <a:solidFill>
-                <a:srgbClr val="0066CC"/>
-              </a:solidFill>
-              <a:latin typeface="Coda" panose="020B0500000000000004" pitchFamily="34" charset="0"/>
-            </a:endParaRPr>
-          </a:p>
-        </p:txBody>
-      </p:sp>
-      <p:sp>
-        <p:nvSpPr>
-          <p:cNvPr id="8" name="Rezervirano mjesto sadržaja 2"/>
+          <p:cNvPr id="7" name="Rezervirano mjesto sadržaja 2"/>
           <p:cNvSpPr txBox="1">
             <a:spLocks/>
           </p:cNvSpPr>
@@ -6468,112 +10125,1461 @@
           </a:lstStyle>
           <a:p>
             <a:pPr>
+              <a:buClr>
+                <a:srgbClr val="0066CC"/>
+              </a:buClr>
               <a:buFont typeface="Wingdings" panose="05000000000000000000" pitchFamily="2" charset="2"/>
               <a:buChar char="§"/>
             </a:pPr>
             <a:r>
-              <a:rPr lang="hr-HR" b="1" dirty="0" err="1" smtClean="0">
-                <a:solidFill>
-                  <a:srgbClr val="0066CC"/>
-                </a:solidFill>
+              <a:rPr lang="hr-HR" dirty="0" smtClean="0">
                 <a:latin typeface="Coda" panose="020B0500000000000004" pitchFamily="34" charset="0"/>
               </a:rPr>
-              <a:t>C</a:t>
-            </a:r>
+              <a:t>Jednostavnost</a:t>
+            </a:r>
+          </a:p>
+          <a:p>
+            <a:pPr>
+              <a:buClr>
+                <a:srgbClr val="0066CC"/>
+              </a:buClr>
+              <a:buFont typeface="Wingdings" panose="05000000000000000000" pitchFamily="2" charset="2"/>
+              <a:buChar char="§"/>
+            </a:pPr>
+            <a:r>
+              <a:rPr lang="hr-HR" dirty="0" smtClean="0">
+                <a:latin typeface="Coda" panose="020B0500000000000004" pitchFamily="34" charset="0"/>
+              </a:rPr>
+              <a:t>Ugodno korištenje</a:t>
+            </a:r>
+          </a:p>
+          <a:p>
+            <a:pPr>
+              <a:buClr>
+                <a:srgbClr val="0066CC"/>
+              </a:buClr>
+              <a:buFont typeface="Wingdings" panose="05000000000000000000" pitchFamily="2" charset="2"/>
+              <a:buChar char="§"/>
+            </a:pPr>
+            <a:r>
+              <a:rPr lang="hr-HR" dirty="0" smtClean="0">
+                <a:latin typeface="Coda" panose="020B0500000000000004" pitchFamily="34" charset="0"/>
+              </a:rPr>
+              <a:t>Minimalistički dizajn</a:t>
+            </a:r>
+          </a:p>
+          <a:p>
+            <a:pPr>
+              <a:buClr>
+                <a:srgbClr val="0066CC"/>
+              </a:buClr>
+              <a:buFont typeface="Wingdings" panose="05000000000000000000" pitchFamily="2" charset="2"/>
+              <a:buChar char="§"/>
+            </a:pPr>
+            <a:r>
+              <a:rPr lang="hr-HR" dirty="0" smtClean="0">
+                <a:latin typeface="Coda" panose="020B0500000000000004" pitchFamily="34" charset="0"/>
+              </a:rPr>
+              <a:t>Sigurnost</a:t>
+            </a:r>
+          </a:p>
+          <a:p>
+            <a:pPr>
+              <a:buClr>
+                <a:srgbClr val="0066CC"/>
+              </a:buClr>
+              <a:buFont typeface="Wingdings" panose="05000000000000000000" pitchFamily="2" charset="2"/>
+              <a:buChar char="§"/>
+            </a:pPr>
             <a:r>
               <a:rPr lang="hr-HR" dirty="0" err="1" smtClean="0">
                 <a:latin typeface="Coda" panose="020B0500000000000004" pitchFamily="34" charset="0"/>
               </a:rPr>
-              <a:t>ontrast</a:t>
+              <a:t>Responzivnost</a:t>
             </a:r>
             <a:endParaRPr lang="hr-HR" dirty="0" smtClean="0">
               <a:latin typeface="Coda" panose="020B0500000000000004" pitchFamily="34" charset="0"/>
             </a:endParaRPr>
           </a:p>
-          <a:p>
-            <a:pPr>
-              <a:buFont typeface="Wingdings" panose="05000000000000000000" pitchFamily="2" charset="2"/>
-              <a:buChar char="§"/>
-            </a:pPr>
-            <a:r>
-              <a:rPr lang="hr-HR" b="1" dirty="0" err="1" smtClean="0">
-                <a:solidFill>
-                  <a:srgbClr val="0066CC"/>
-                </a:solidFill>
-                <a:latin typeface="Coda" panose="020B0500000000000004" pitchFamily="34" charset="0"/>
-              </a:rPr>
-              <a:t>R</a:t>
-            </a:r>
-            <a:r>
-              <a:rPr lang="hr-HR" dirty="0" err="1" smtClean="0">
-                <a:latin typeface="Coda" panose="020B0500000000000004" pitchFamily="34" charset="0"/>
-              </a:rPr>
-              <a:t>epetiton</a:t>
-            </a:r>
-            <a:endParaRPr lang="hr-HR" dirty="0" smtClean="0">
-              <a:latin typeface="Coda" panose="020B0500000000000004" pitchFamily="34" charset="0"/>
-            </a:endParaRPr>
-          </a:p>
-          <a:p>
-            <a:pPr>
-              <a:buFont typeface="Wingdings" panose="05000000000000000000" pitchFamily="2" charset="2"/>
-              <a:buChar char="§"/>
-            </a:pPr>
-            <a:r>
-              <a:rPr lang="hr-HR" b="1" dirty="0" err="1" smtClean="0">
-                <a:solidFill>
-                  <a:srgbClr val="0066CC"/>
-                </a:solidFill>
-                <a:latin typeface="Coda" panose="020B0500000000000004" pitchFamily="34" charset="0"/>
-              </a:rPr>
-              <a:t>A</a:t>
-            </a:r>
-            <a:r>
-              <a:rPr lang="hr-HR" dirty="0" err="1" smtClean="0">
-                <a:latin typeface="Coda" panose="020B0500000000000004" pitchFamily="34" charset="0"/>
-              </a:rPr>
-              <a:t>lignment</a:t>
-            </a:r>
-            <a:endParaRPr lang="hr-HR" dirty="0" smtClean="0">
-              <a:latin typeface="Coda" panose="020B0500000000000004" pitchFamily="34" charset="0"/>
-            </a:endParaRPr>
-          </a:p>
-          <a:p>
-            <a:pPr>
-              <a:buFont typeface="Wingdings" panose="05000000000000000000" pitchFamily="2" charset="2"/>
-              <a:buChar char="§"/>
-            </a:pPr>
-            <a:r>
-              <a:rPr lang="hr-HR" b="1" dirty="0" err="1" smtClean="0">
-                <a:solidFill>
-                  <a:srgbClr val="0066CC"/>
-                </a:solidFill>
-                <a:latin typeface="Coda" panose="020B0500000000000004" pitchFamily="34" charset="0"/>
-              </a:rPr>
-              <a:t>P</a:t>
-            </a:r>
-            <a:r>
-              <a:rPr lang="hr-HR" dirty="0" err="1" smtClean="0">
-                <a:latin typeface="Coda" panose="020B0500000000000004" pitchFamily="34" charset="0"/>
-              </a:rPr>
-              <a:t>roximity</a:t>
-            </a:r>
-            <a:endParaRPr lang="hr-HR" dirty="0">
-              <a:latin typeface="Coda" panose="020B0500000000000004" pitchFamily="34" charset="0"/>
-            </a:endParaRPr>
-          </a:p>
         </p:txBody>
       </p:sp>
     </p:spTree>
     <p:extLst>
       <p:ext uri="{BB962C8B-B14F-4D97-AF65-F5344CB8AC3E}">
-        <p14:creationId xmlns:p14="http://schemas.microsoft.com/office/powerpoint/2010/main" val="3099100939"/>
+        <p14:creationId xmlns:p14="http://schemas.microsoft.com/office/powerpoint/2010/main" val="1807083859"/>
       </p:ext>
     </p:extLst>
   </p:cSld>
   <p:clrMapOvr>
     <a:masterClrMapping/>
   </p:clrMapOvr>
+  <p:timing>
+    <p:tnLst>
+      <p:par>
+        <p:cTn id="1" dur="indefinite" restart="never" nodeType="tmRoot"/>
+      </p:par>
+    </p:tnLst>
+  </p:timing>
+</p:sld>
+</file>
+
+<file path=ppt/slides/slide4.xml><?xml version="1.0" encoding="utf-8"?>
+<p:sld xmlns:a="http://schemas.openxmlformats.org/drawingml/2006/main" xmlns:r="http://schemas.openxmlformats.org/officeDocument/2006/relationships" xmlns:p="http://schemas.openxmlformats.org/presentationml/2006/main">
+  <p:cSld>
+    <p:spTree>
+      <p:nvGrpSpPr>
+        <p:cNvPr id="1" name=""/>
+        <p:cNvGrpSpPr/>
+        <p:nvPr/>
+      </p:nvGrpSpPr>
+      <p:grpSpPr>
+        <a:xfrm>
+          <a:off x="0" y="0"/>
+          <a:ext cx="0" cy="0"/>
+          <a:chOff x="0" y="0"/>
+          <a:chExt cx="0" cy="0"/>
+        </a:xfrm>
+      </p:grpSpPr>
+      <p:pic>
+        <p:nvPicPr>
+          <p:cNvPr id="8" name="Rezervirano mjesto sadržaja 7"/>
+          <p:cNvPicPr>
+            <a:picLocks noGrp="1" noChangeAspect="1"/>
+          </p:cNvPicPr>
+          <p:nvPr>
+            <p:ph idx="1"/>
+          </p:nvPr>
+        </p:nvPicPr>
+        <p:blipFill rotWithShape="1">
+          <a:blip r:embed="rId2">
+            <a:extLst>
+              <a:ext uri="{28A0092B-C50C-407E-A947-70E740481C1C}">
+                <a14:useLocalDpi xmlns:a14="http://schemas.microsoft.com/office/drawing/2010/main" val="0"/>
+              </a:ext>
+            </a:extLst>
+          </a:blip>
+          <a:srcRect t="49884"/>
+          <a:stretch/>
+        </p:blipFill>
+        <p:spPr>
+          <a:xfrm>
+            <a:off x="838200" y="3281178"/>
+            <a:ext cx="10515600" cy="1963062"/>
+          </a:xfrm>
+        </p:spPr>
+      </p:pic>
+      <p:sp>
+        <p:nvSpPr>
+          <p:cNvPr id="4" name="Pravokutnik 3"/>
+          <p:cNvSpPr/>
+          <p:nvPr/>
+        </p:nvSpPr>
+        <p:spPr>
+          <a:xfrm>
+            <a:off x="0" y="0"/>
+            <a:ext cx="12192000" cy="1122363"/>
+          </a:xfrm>
+          <a:prstGeom prst="rect">
+            <a:avLst/>
+          </a:prstGeom>
+          <a:solidFill>
+            <a:srgbClr val="0066CC"/>
+          </a:solidFill>
+        </p:spPr>
+        <p:style>
+          <a:lnRef idx="2">
+            <a:schemeClr val="accent1">
+              <a:shade val="50000"/>
+            </a:schemeClr>
+          </a:lnRef>
+          <a:fillRef idx="1">
+            <a:schemeClr val="accent1"/>
+          </a:fillRef>
+          <a:effectRef idx="0">
+            <a:schemeClr val="accent1"/>
+          </a:effectRef>
+          <a:fontRef idx="minor">
+            <a:schemeClr val="lt1"/>
+          </a:fontRef>
+        </p:style>
+        <p:txBody>
+          <a:bodyPr rtlCol="0" anchor="ctr"/>
+          <a:lstStyle/>
+          <a:p>
+            <a:pPr algn="ctr"/>
+            <a:endParaRPr lang="hr-HR"/>
+          </a:p>
+        </p:txBody>
+      </p:sp>
+      <p:pic>
+        <p:nvPicPr>
+          <p:cNvPr id="5" name="Slika 4"/>
+          <p:cNvPicPr>
+            <a:picLocks noChangeAspect="1"/>
+          </p:cNvPicPr>
+          <p:nvPr/>
+        </p:nvPicPr>
+        <p:blipFill>
+          <a:blip r:embed="rId3">
+            <a:extLst>
+              <a:ext uri="{28A0092B-C50C-407E-A947-70E740481C1C}">
+                <a14:useLocalDpi xmlns:a14="http://schemas.microsoft.com/office/drawing/2010/main" val="0"/>
+              </a:ext>
+            </a:extLst>
+          </a:blip>
+          <a:stretch>
+            <a:fillRect/>
+          </a:stretch>
+        </p:blipFill>
+        <p:spPr>
+          <a:xfrm>
+            <a:off x="331730" y="146676"/>
+            <a:ext cx="829010" cy="829010"/>
+          </a:xfrm>
+          <a:prstGeom prst="rect">
+            <a:avLst/>
+          </a:prstGeom>
+        </p:spPr>
+      </p:pic>
+      <p:sp>
+        <p:nvSpPr>
+          <p:cNvPr id="6" name="Naslov 1"/>
+          <p:cNvSpPr txBox="1">
+            <a:spLocks/>
+          </p:cNvSpPr>
+          <p:nvPr/>
+        </p:nvSpPr>
+        <p:spPr>
+          <a:xfrm>
+            <a:off x="838200" y="1538989"/>
+            <a:ext cx="10515600" cy="1325563"/>
+          </a:xfrm>
+          <a:prstGeom prst="rect">
+            <a:avLst/>
+          </a:prstGeom>
+        </p:spPr>
+        <p:txBody>
+          <a:bodyPr vert="horz" lIns="91440" tIns="45720" rIns="91440" bIns="45720" rtlCol="0" anchor="ctr">
+            <a:normAutofit/>
+          </a:bodyPr>
+          <a:lstStyle>
+            <a:lvl1pPr algn="l" defTabSz="914400" rtl="0" eaLnBrk="1" latinLnBrk="0" hangingPunct="1">
+              <a:lnSpc>
+                <a:spcPct val="90000"/>
+              </a:lnSpc>
+              <a:spcBef>
+                <a:spcPct val="0"/>
+              </a:spcBef>
+              <a:buNone/>
+              <a:defRPr sz="4400" kern="1200">
+                <a:solidFill>
+                  <a:schemeClr val="tx1"/>
+                </a:solidFill>
+                <a:latin typeface="+mj-lt"/>
+                <a:ea typeface="+mj-ea"/>
+                <a:cs typeface="+mj-cs"/>
+              </a:defRPr>
+            </a:lvl1pPr>
+          </a:lstStyle>
+          <a:p>
+            <a:r>
+              <a:rPr lang="hr-HR" dirty="0" smtClean="0">
+                <a:solidFill>
+                  <a:srgbClr val="0066CC"/>
+                </a:solidFill>
+                <a:latin typeface="Coda" panose="020B0500000000000004" pitchFamily="34" charset="0"/>
+              </a:rPr>
+              <a:t>Tijek projekta</a:t>
+            </a:r>
+            <a:endParaRPr lang="hr-HR" dirty="0">
+              <a:solidFill>
+                <a:srgbClr val="0066CC"/>
+              </a:solidFill>
+              <a:latin typeface="Coda" panose="020B0500000000000004" pitchFamily="34" charset="0"/>
+            </a:endParaRPr>
+          </a:p>
+        </p:txBody>
+      </p:sp>
+    </p:spTree>
+    <p:extLst>
+      <p:ext uri="{BB962C8B-B14F-4D97-AF65-F5344CB8AC3E}">
+        <p14:creationId xmlns:p14="http://schemas.microsoft.com/office/powerpoint/2010/main" val="1865832111"/>
+      </p:ext>
+    </p:extLst>
+  </p:cSld>
+  <p:clrMapOvr>
+    <a:masterClrMapping/>
+  </p:clrMapOvr>
+  <p:timing>
+    <p:tnLst>
+      <p:par>
+        <p:cTn id="1" dur="indefinite" restart="never" nodeType="tmRoot"/>
+      </p:par>
+    </p:tnLst>
+  </p:timing>
+</p:sld>
+</file>
+
+<file path=ppt/slides/slide5.xml><?xml version="1.0" encoding="utf-8"?>
+<p:sld xmlns:a="http://schemas.openxmlformats.org/drawingml/2006/main" xmlns:r="http://schemas.openxmlformats.org/officeDocument/2006/relationships" xmlns:p="http://schemas.openxmlformats.org/presentationml/2006/main">
+  <p:cSld>
+    <p:spTree>
+      <p:nvGrpSpPr>
+        <p:cNvPr id="1" name=""/>
+        <p:cNvGrpSpPr/>
+        <p:nvPr/>
+      </p:nvGrpSpPr>
+      <p:grpSpPr>
+        <a:xfrm>
+          <a:off x="0" y="0"/>
+          <a:ext cx="0" cy="0"/>
+          <a:chOff x="0" y="0"/>
+          <a:chExt cx="0" cy="0"/>
+        </a:xfrm>
+      </p:grpSpPr>
+      <p:pic>
+        <p:nvPicPr>
+          <p:cNvPr id="5" name="Slika 4"/>
+          <p:cNvPicPr>
+            <a:picLocks/>
+          </p:cNvPicPr>
+          <p:nvPr/>
+        </p:nvPicPr>
+        <p:blipFill>
+          <a:blip r:embed="rId2" cstate="print">
+            <a:extLst>
+              <a:ext uri="{28A0092B-C50C-407E-A947-70E740481C1C}">
+                <a14:useLocalDpi xmlns:a14="http://schemas.microsoft.com/office/drawing/2010/main" val="0"/>
+              </a:ext>
+            </a:extLst>
+          </a:blip>
+          <a:stretch>
+            <a:fillRect/>
+          </a:stretch>
+        </p:blipFill>
+        <p:spPr>
+          <a:xfrm>
+            <a:off x="0" y="1122364"/>
+            <a:ext cx="12192000" cy="5735636"/>
+          </a:xfrm>
+          <a:prstGeom prst="rect">
+            <a:avLst/>
+          </a:prstGeom>
+          <a:noFill/>
+          <a:ln>
+            <a:noFill/>
+          </a:ln>
+          <a:effectLst>
+            <a:softEdge rad="0"/>
+          </a:effectLst>
+        </p:spPr>
+      </p:pic>
+      <p:sp>
+        <p:nvSpPr>
+          <p:cNvPr id="6" name="Pravokutnik 5"/>
+          <p:cNvSpPr/>
+          <p:nvPr/>
+        </p:nvSpPr>
+        <p:spPr>
+          <a:xfrm>
+            <a:off x="0" y="1122362"/>
+            <a:ext cx="12192000" cy="5735638"/>
+          </a:xfrm>
+          <a:prstGeom prst="rect">
+            <a:avLst/>
+          </a:prstGeom>
+          <a:solidFill>
+            <a:schemeClr val="bg1">
+              <a:alpha val="53000"/>
+            </a:schemeClr>
+          </a:solidFill>
+          <a:ln>
+            <a:noFill/>
+          </a:ln>
+        </p:spPr>
+        <p:style>
+          <a:lnRef idx="2">
+            <a:schemeClr val="accent1">
+              <a:shade val="50000"/>
+            </a:schemeClr>
+          </a:lnRef>
+          <a:fillRef idx="1">
+            <a:schemeClr val="accent1"/>
+          </a:fillRef>
+          <a:effectRef idx="0">
+            <a:schemeClr val="accent1"/>
+          </a:effectRef>
+          <a:fontRef idx="minor">
+            <a:schemeClr val="lt1"/>
+          </a:fontRef>
+        </p:style>
+        <p:txBody>
+          <a:bodyPr rtlCol="0" anchor="ctr"/>
+          <a:lstStyle/>
+          <a:p>
+            <a:pPr algn="ctr"/>
+            <a:endParaRPr lang="hr-HR"/>
+          </a:p>
+        </p:txBody>
+      </p:sp>
+      <p:sp>
+        <p:nvSpPr>
+          <p:cNvPr id="2" name="Naslov 1"/>
+          <p:cNvSpPr>
+            <a:spLocks noGrp="1"/>
+          </p:cNvSpPr>
+          <p:nvPr>
+            <p:ph type="ctrTitle"/>
+          </p:nvPr>
+        </p:nvSpPr>
+        <p:spPr>
+          <a:xfrm>
+            <a:off x="1524000" y="1602581"/>
+            <a:ext cx="9144000" cy="2387600"/>
+          </a:xfrm>
+        </p:spPr>
+        <p:txBody>
+          <a:bodyPr/>
+          <a:lstStyle/>
+          <a:p>
+            <a:r>
+              <a:rPr lang="hr-HR" b="1" dirty="0" smtClean="0">
+                <a:solidFill>
+                  <a:srgbClr val="0066CC"/>
+                </a:solidFill>
+                <a:effectLst>
+                  <a:glow rad="228600">
+                    <a:schemeClr val="bg1">
+                      <a:alpha val="40000"/>
+                    </a:schemeClr>
+                  </a:glow>
+                </a:effectLst>
+                <a:latin typeface="Coda" panose="020B0500000000000004" pitchFamily="34" charset="0"/>
+              </a:rPr>
+              <a:t>Evaluacija dizajna…</a:t>
+            </a:r>
+            <a:endParaRPr lang="hr-HR" b="1" dirty="0">
+              <a:solidFill>
+                <a:srgbClr val="0066CC"/>
+              </a:solidFill>
+              <a:effectLst>
+                <a:glow rad="228600">
+                  <a:schemeClr val="bg1">
+                    <a:alpha val="40000"/>
+                  </a:schemeClr>
+                </a:glow>
+              </a:effectLst>
+              <a:latin typeface="Coda" panose="020B0500000000000004" pitchFamily="34" charset="0"/>
+            </a:endParaRPr>
+          </a:p>
+        </p:txBody>
+      </p:sp>
+      <p:sp>
+        <p:nvSpPr>
+          <p:cNvPr id="4" name="Pravokutnik 3"/>
+          <p:cNvSpPr/>
+          <p:nvPr/>
+        </p:nvSpPr>
+        <p:spPr>
+          <a:xfrm>
+            <a:off x="0" y="0"/>
+            <a:ext cx="12192000" cy="1122363"/>
+          </a:xfrm>
+          <a:prstGeom prst="rect">
+            <a:avLst/>
+          </a:prstGeom>
+          <a:solidFill>
+            <a:srgbClr val="0066CC"/>
+          </a:solidFill>
+        </p:spPr>
+        <p:style>
+          <a:lnRef idx="2">
+            <a:schemeClr val="accent1">
+              <a:shade val="50000"/>
+            </a:schemeClr>
+          </a:lnRef>
+          <a:fillRef idx="1">
+            <a:schemeClr val="accent1"/>
+          </a:fillRef>
+          <a:effectRef idx="0">
+            <a:schemeClr val="accent1"/>
+          </a:effectRef>
+          <a:fontRef idx="minor">
+            <a:schemeClr val="lt1"/>
+          </a:fontRef>
+        </p:style>
+        <p:txBody>
+          <a:bodyPr rtlCol="0" anchor="ctr"/>
+          <a:lstStyle/>
+          <a:p>
+            <a:pPr algn="ctr"/>
+            <a:endParaRPr lang="hr-HR"/>
+          </a:p>
+        </p:txBody>
+      </p:sp>
+      <p:pic>
+        <p:nvPicPr>
+          <p:cNvPr id="7" name="Slika 6"/>
+          <p:cNvPicPr>
+            <a:picLocks noChangeAspect="1"/>
+          </p:cNvPicPr>
+          <p:nvPr/>
+        </p:nvPicPr>
+        <p:blipFill>
+          <a:blip r:embed="rId3">
+            <a:extLst>
+              <a:ext uri="{28A0092B-C50C-407E-A947-70E740481C1C}">
+                <a14:useLocalDpi xmlns:a14="http://schemas.microsoft.com/office/drawing/2010/main" val="0"/>
+              </a:ext>
+            </a:extLst>
+          </a:blip>
+          <a:stretch>
+            <a:fillRect/>
+          </a:stretch>
+        </p:blipFill>
+        <p:spPr>
+          <a:xfrm>
+            <a:off x="331730" y="146676"/>
+            <a:ext cx="829010" cy="829010"/>
+          </a:xfrm>
+          <a:prstGeom prst="rect">
+            <a:avLst/>
+          </a:prstGeom>
+        </p:spPr>
+      </p:pic>
+    </p:spTree>
+    <p:extLst>
+      <p:ext uri="{BB962C8B-B14F-4D97-AF65-F5344CB8AC3E}">
+        <p14:creationId xmlns:p14="http://schemas.microsoft.com/office/powerpoint/2010/main" val="2559921032"/>
+      </p:ext>
+    </p:extLst>
+  </p:cSld>
+  <p:clrMapOvr>
+    <a:masterClrMapping/>
+  </p:clrMapOvr>
+  <p:timing>
+    <p:tnLst>
+      <p:par>
+        <p:cTn id="1" dur="indefinite" restart="never" nodeType="tmRoot"/>
+      </p:par>
+    </p:tnLst>
+  </p:timing>
+</p:sld>
+</file>
+
+<file path=ppt/slides/slide6.xml><?xml version="1.0" encoding="utf-8"?>
+<p:sld xmlns:a="http://schemas.openxmlformats.org/drawingml/2006/main" xmlns:r="http://schemas.openxmlformats.org/officeDocument/2006/relationships" xmlns:p="http://schemas.openxmlformats.org/presentationml/2006/main">
+  <p:cSld>
+    <p:spTree>
+      <p:nvGrpSpPr>
+        <p:cNvPr id="1" name=""/>
+        <p:cNvGrpSpPr/>
+        <p:nvPr/>
+      </p:nvGrpSpPr>
+      <p:grpSpPr>
+        <a:xfrm>
+          <a:off x="0" y="0"/>
+          <a:ext cx="0" cy="0"/>
+          <a:chOff x="0" y="0"/>
+          <a:chExt cx="0" cy="0"/>
+        </a:xfrm>
+      </p:grpSpPr>
+      <p:sp>
+        <p:nvSpPr>
+          <p:cNvPr id="3" name="Rezervirano mjesto sadržaja 2"/>
+          <p:cNvSpPr>
+            <a:spLocks noGrp="1"/>
+          </p:cNvSpPr>
+          <p:nvPr>
+            <p:ph idx="1"/>
+          </p:nvPr>
+        </p:nvSpPr>
+        <p:spPr>
+          <a:xfrm>
+            <a:off x="838200" y="2748805"/>
+            <a:ext cx="10515600" cy="4351338"/>
+          </a:xfrm>
+        </p:spPr>
+        <p:txBody>
+          <a:bodyPr>
+            <a:normAutofit/>
+          </a:bodyPr>
+          <a:lstStyle/>
+          <a:p>
+            <a:pPr marL="514350" indent="-514350">
+              <a:buClr>
+                <a:srgbClr val="0066CC"/>
+              </a:buClr>
+              <a:buFont typeface="+mj-lt"/>
+              <a:buAutoNum type="arabicPeriod"/>
+            </a:pPr>
+            <a:endParaRPr lang="hr-HR" dirty="0" smtClean="0">
+              <a:latin typeface="Coda" panose="020B0500000000000004" pitchFamily="34" charset="0"/>
+            </a:endParaRPr>
+          </a:p>
+          <a:p>
+            <a:pPr marL="514350" indent="-514350">
+              <a:buClr>
+                <a:srgbClr val="0066CC"/>
+              </a:buClr>
+              <a:buFont typeface="+mj-lt"/>
+              <a:buAutoNum type="arabicPeriod"/>
+            </a:pPr>
+            <a:r>
+              <a:rPr lang="hr-HR" dirty="0" smtClean="0">
+                <a:solidFill>
+                  <a:srgbClr val="FF5C01"/>
+                </a:solidFill>
+                <a:latin typeface="Coda" panose="020B0500000000000004" pitchFamily="34" charset="0"/>
+              </a:rPr>
+              <a:t>Podudaranje stvarnog svijeta sa sustavom</a:t>
+            </a:r>
+          </a:p>
+          <a:p>
+            <a:pPr marL="514350" indent="-514350">
+              <a:buClr>
+                <a:srgbClr val="0066CC"/>
+              </a:buClr>
+              <a:buFont typeface="+mj-lt"/>
+              <a:buAutoNum type="arabicPeriod"/>
+            </a:pPr>
+            <a:r>
+              <a:rPr lang="hr-HR" dirty="0" smtClean="0">
+                <a:latin typeface="Coda" panose="020B0500000000000004" pitchFamily="34" charset="0"/>
+              </a:rPr>
+              <a:t>Konzistencija i standardi</a:t>
+            </a:r>
+          </a:p>
+          <a:p>
+            <a:pPr marL="514350" indent="-514350">
+              <a:buClr>
+                <a:srgbClr val="0066CC"/>
+              </a:buClr>
+              <a:buFont typeface="+mj-lt"/>
+              <a:buAutoNum type="arabicPeriod"/>
+            </a:pPr>
+            <a:r>
+              <a:rPr lang="hr-HR" dirty="0" smtClean="0">
+                <a:latin typeface="Coda" panose="020B0500000000000004" pitchFamily="34" charset="0"/>
+              </a:rPr>
+              <a:t>Vidljivost  statusa sustava</a:t>
+            </a:r>
+          </a:p>
+          <a:p>
+            <a:pPr marL="514350" indent="-514350">
+              <a:buClr>
+                <a:srgbClr val="0066CC"/>
+              </a:buClr>
+              <a:buFont typeface="+mj-lt"/>
+              <a:buAutoNum type="arabicPeriod"/>
+            </a:pPr>
+            <a:r>
+              <a:rPr lang="hr-HR" dirty="0" smtClean="0">
+                <a:latin typeface="Coda" panose="020B0500000000000004" pitchFamily="34" charset="0"/>
+              </a:rPr>
+              <a:t>Korisnička sloboda i kontrola</a:t>
+            </a:r>
+          </a:p>
+          <a:p>
+            <a:pPr marL="514350" indent="-514350">
+              <a:buClr>
+                <a:srgbClr val="0066CC"/>
+              </a:buClr>
+              <a:buFont typeface="+mj-lt"/>
+              <a:buAutoNum type="arabicPeriod"/>
+            </a:pPr>
+            <a:r>
+              <a:rPr lang="hr-HR" dirty="0" smtClean="0">
+                <a:latin typeface="Coda" panose="020B0500000000000004" pitchFamily="34" charset="0"/>
+              </a:rPr>
+              <a:t>Sprječavanje grešaka</a:t>
+            </a:r>
+          </a:p>
+          <a:p>
+            <a:pPr marL="0" indent="0">
+              <a:buClr>
+                <a:srgbClr val="0066CC"/>
+              </a:buClr>
+              <a:buNone/>
+            </a:pPr>
+            <a:r>
+              <a:rPr lang="hr-HR" dirty="0" smtClean="0">
+                <a:solidFill>
+                  <a:srgbClr val="0066CC"/>
+                </a:solidFill>
+                <a:latin typeface="Coda" panose="020B0500000000000004" pitchFamily="34" charset="0"/>
+              </a:rPr>
+              <a:t>…</a:t>
+            </a:r>
+          </a:p>
+        </p:txBody>
+      </p:sp>
+      <p:sp>
+        <p:nvSpPr>
+          <p:cNvPr id="4" name="Pravokutnik 3"/>
+          <p:cNvSpPr/>
+          <p:nvPr/>
+        </p:nvSpPr>
+        <p:spPr>
+          <a:xfrm>
+            <a:off x="0" y="0"/>
+            <a:ext cx="12192000" cy="1122363"/>
+          </a:xfrm>
+          <a:prstGeom prst="rect">
+            <a:avLst/>
+          </a:prstGeom>
+          <a:solidFill>
+            <a:srgbClr val="0066CC"/>
+          </a:solidFill>
+        </p:spPr>
+        <p:style>
+          <a:lnRef idx="2">
+            <a:schemeClr val="accent1">
+              <a:shade val="50000"/>
+            </a:schemeClr>
+          </a:lnRef>
+          <a:fillRef idx="1">
+            <a:schemeClr val="accent1"/>
+          </a:fillRef>
+          <a:effectRef idx="0">
+            <a:schemeClr val="accent1"/>
+          </a:effectRef>
+          <a:fontRef idx="minor">
+            <a:schemeClr val="lt1"/>
+          </a:fontRef>
+        </p:style>
+        <p:txBody>
+          <a:bodyPr rtlCol="0" anchor="ctr"/>
+          <a:lstStyle/>
+          <a:p>
+            <a:pPr algn="ctr"/>
+            <a:endParaRPr lang="hr-HR"/>
+          </a:p>
+        </p:txBody>
+      </p:sp>
+      <p:pic>
+        <p:nvPicPr>
+          <p:cNvPr id="5" name="Slika 4"/>
+          <p:cNvPicPr>
+            <a:picLocks noChangeAspect="1"/>
+          </p:cNvPicPr>
+          <p:nvPr/>
+        </p:nvPicPr>
+        <p:blipFill>
+          <a:blip r:embed="rId3">
+            <a:extLst>
+              <a:ext uri="{28A0092B-C50C-407E-A947-70E740481C1C}">
+                <a14:useLocalDpi xmlns:a14="http://schemas.microsoft.com/office/drawing/2010/main" val="0"/>
+              </a:ext>
+            </a:extLst>
+          </a:blip>
+          <a:stretch>
+            <a:fillRect/>
+          </a:stretch>
+        </p:blipFill>
+        <p:spPr>
+          <a:xfrm>
+            <a:off x="331730" y="146676"/>
+            <a:ext cx="829010" cy="829010"/>
+          </a:xfrm>
+          <a:prstGeom prst="rect">
+            <a:avLst/>
+          </a:prstGeom>
+        </p:spPr>
+      </p:pic>
+      <p:sp>
+        <p:nvSpPr>
+          <p:cNvPr id="6" name="Naslov 1"/>
+          <p:cNvSpPr txBox="1">
+            <a:spLocks/>
+          </p:cNvSpPr>
+          <p:nvPr/>
+        </p:nvSpPr>
+        <p:spPr>
+          <a:xfrm>
+            <a:off x="838200" y="1538989"/>
+            <a:ext cx="10515600" cy="1325563"/>
+          </a:xfrm>
+          <a:prstGeom prst="rect">
+            <a:avLst/>
+          </a:prstGeom>
+        </p:spPr>
+        <p:txBody>
+          <a:bodyPr vert="horz" lIns="91440" tIns="45720" rIns="91440" bIns="45720" rtlCol="0" anchor="ctr">
+            <a:normAutofit/>
+          </a:bodyPr>
+          <a:lstStyle>
+            <a:lvl1pPr algn="l" defTabSz="914400" rtl="0" eaLnBrk="1" latinLnBrk="0" hangingPunct="1">
+              <a:lnSpc>
+                <a:spcPct val="90000"/>
+              </a:lnSpc>
+              <a:spcBef>
+                <a:spcPct val="0"/>
+              </a:spcBef>
+              <a:buNone/>
+              <a:defRPr sz="4400" kern="1200">
+                <a:solidFill>
+                  <a:schemeClr val="tx1"/>
+                </a:solidFill>
+                <a:latin typeface="+mj-lt"/>
+                <a:ea typeface="+mj-ea"/>
+                <a:cs typeface="+mj-cs"/>
+              </a:defRPr>
+            </a:lvl1pPr>
+          </a:lstStyle>
+          <a:p>
+            <a:r>
+              <a:rPr lang="hr-HR" dirty="0" smtClean="0">
+                <a:solidFill>
+                  <a:srgbClr val="0066CC"/>
+                </a:solidFill>
+                <a:latin typeface="Coda" panose="020B0500000000000004" pitchFamily="34" charset="0"/>
+              </a:rPr>
+              <a:t>Heuristike</a:t>
+            </a:r>
+            <a:endParaRPr lang="hr-HR" dirty="0">
+              <a:solidFill>
+                <a:srgbClr val="0066CC"/>
+              </a:solidFill>
+              <a:latin typeface="Coda" panose="020B0500000000000004" pitchFamily="34" charset="0"/>
+            </a:endParaRPr>
+          </a:p>
+        </p:txBody>
+      </p:sp>
+    </p:spTree>
+    <p:extLst>
+      <p:ext uri="{BB962C8B-B14F-4D97-AF65-F5344CB8AC3E}">
+        <p14:creationId xmlns:p14="http://schemas.microsoft.com/office/powerpoint/2010/main" val="1137056629"/>
+      </p:ext>
+    </p:extLst>
+  </p:cSld>
+  <p:clrMapOvr>
+    <a:masterClrMapping/>
+  </p:clrMapOvr>
+  <p:timing>
+    <p:tnLst>
+      <p:par>
+        <p:cTn id="1" dur="indefinite" restart="never" nodeType="tmRoot"/>
+      </p:par>
+    </p:tnLst>
+  </p:timing>
+</p:sld>
+</file>
+
+<file path=ppt/slides/slide7.xml><?xml version="1.0" encoding="utf-8"?>
+<p:sld xmlns:a="http://schemas.openxmlformats.org/drawingml/2006/main" xmlns:r="http://schemas.openxmlformats.org/officeDocument/2006/relationships" xmlns:p="http://schemas.openxmlformats.org/presentationml/2006/main">
+  <p:cSld>
+    <p:spTree>
+      <p:nvGrpSpPr>
+        <p:cNvPr id="1" name=""/>
+        <p:cNvGrpSpPr/>
+        <p:nvPr/>
+      </p:nvGrpSpPr>
+      <p:grpSpPr>
+        <a:xfrm>
+          <a:off x="0" y="0"/>
+          <a:ext cx="0" cy="0"/>
+          <a:chOff x="0" y="0"/>
+          <a:chExt cx="0" cy="0"/>
+        </a:xfrm>
+      </p:grpSpPr>
+      <p:sp>
+        <p:nvSpPr>
+          <p:cNvPr id="4" name="Pravokutnik 3"/>
+          <p:cNvSpPr/>
+          <p:nvPr/>
+        </p:nvSpPr>
+        <p:spPr>
+          <a:xfrm>
+            <a:off x="0" y="0"/>
+            <a:ext cx="12192000" cy="1122363"/>
+          </a:xfrm>
+          <a:prstGeom prst="rect">
+            <a:avLst/>
+          </a:prstGeom>
+          <a:solidFill>
+            <a:srgbClr val="0066CC"/>
+          </a:solidFill>
+        </p:spPr>
+        <p:style>
+          <a:lnRef idx="2">
+            <a:schemeClr val="accent1">
+              <a:shade val="50000"/>
+            </a:schemeClr>
+          </a:lnRef>
+          <a:fillRef idx="1">
+            <a:schemeClr val="accent1"/>
+          </a:fillRef>
+          <a:effectRef idx="0">
+            <a:schemeClr val="accent1"/>
+          </a:effectRef>
+          <a:fontRef idx="minor">
+            <a:schemeClr val="lt1"/>
+          </a:fontRef>
+        </p:style>
+        <p:txBody>
+          <a:bodyPr rtlCol="0" anchor="ctr"/>
+          <a:lstStyle/>
+          <a:p>
+            <a:pPr algn="ctr"/>
+            <a:endParaRPr lang="hr-HR"/>
+          </a:p>
+        </p:txBody>
+      </p:sp>
+      <p:pic>
+        <p:nvPicPr>
+          <p:cNvPr id="5" name="Slika 4"/>
+          <p:cNvPicPr>
+            <a:picLocks noChangeAspect="1"/>
+          </p:cNvPicPr>
+          <p:nvPr/>
+        </p:nvPicPr>
+        <p:blipFill>
+          <a:blip r:embed="rId3">
+            <a:extLst>
+              <a:ext uri="{28A0092B-C50C-407E-A947-70E740481C1C}">
+                <a14:useLocalDpi xmlns:a14="http://schemas.microsoft.com/office/drawing/2010/main" val="0"/>
+              </a:ext>
+            </a:extLst>
+          </a:blip>
+          <a:stretch>
+            <a:fillRect/>
+          </a:stretch>
+        </p:blipFill>
+        <p:spPr>
+          <a:xfrm>
+            <a:off x="331730" y="146676"/>
+            <a:ext cx="829010" cy="829010"/>
+          </a:xfrm>
+          <a:prstGeom prst="rect">
+            <a:avLst/>
+          </a:prstGeom>
+        </p:spPr>
+      </p:pic>
+      <p:sp>
+        <p:nvSpPr>
+          <p:cNvPr id="2" name="Rezervirano mjesto sadržaja 1"/>
+          <p:cNvSpPr>
+            <a:spLocks noGrp="1"/>
+          </p:cNvSpPr>
+          <p:nvPr>
+            <p:ph idx="1"/>
+          </p:nvPr>
+        </p:nvSpPr>
+        <p:spPr/>
+        <p:txBody>
+          <a:bodyPr/>
+          <a:lstStyle/>
+          <a:p>
+            <a:endParaRPr lang="hr-HR"/>
+          </a:p>
+        </p:txBody>
+      </p:sp>
+      <p:pic>
+        <p:nvPicPr>
+          <p:cNvPr id="7" name="Slika 6"/>
+          <p:cNvPicPr>
+            <a:picLocks noChangeAspect="1"/>
+          </p:cNvPicPr>
+          <p:nvPr/>
+        </p:nvPicPr>
+        <p:blipFill>
+          <a:blip r:embed="rId4"/>
+          <a:stretch>
+            <a:fillRect/>
+          </a:stretch>
+        </p:blipFill>
+        <p:spPr>
+          <a:xfrm>
+            <a:off x="3240678" y="1666875"/>
+            <a:ext cx="5710644" cy="4668837"/>
+          </a:xfrm>
+          <a:prstGeom prst="rect">
+            <a:avLst/>
+          </a:prstGeom>
+        </p:spPr>
+      </p:pic>
+    </p:spTree>
+    <p:extLst>
+      <p:ext uri="{BB962C8B-B14F-4D97-AF65-F5344CB8AC3E}">
+        <p14:creationId xmlns:p14="http://schemas.microsoft.com/office/powerpoint/2010/main" val="646875664"/>
+      </p:ext>
+    </p:extLst>
+  </p:cSld>
+  <p:clrMapOvr>
+    <a:masterClrMapping/>
+  </p:clrMapOvr>
+  <p:timing>
+    <p:tnLst>
+      <p:par>
+        <p:cTn id="1" dur="indefinite" restart="never" nodeType="tmRoot"/>
+      </p:par>
+    </p:tnLst>
+  </p:timing>
+</p:sld>
+</file>
+
+<file path=ppt/slides/slide8.xml><?xml version="1.0" encoding="utf-8"?>
+<p:sld xmlns:a="http://schemas.openxmlformats.org/drawingml/2006/main" xmlns:r="http://schemas.openxmlformats.org/officeDocument/2006/relationships" xmlns:p="http://schemas.openxmlformats.org/presentationml/2006/main">
+  <p:cSld>
+    <p:spTree>
+      <p:nvGrpSpPr>
+        <p:cNvPr id="1" name=""/>
+        <p:cNvGrpSpPr/>
+        <p:nvPr/>
+      </p:nvGrpSpPr>
+      <p:grpSpPr>
+        <a:xfrm>
+          <a:off x="0" y="0"/>
+          <a:ext cx="0" cy="0"/>
+          <a:chOff x="0" y="0"/>
+          <a:chExt cx="0" cy="0"/>
+        </a:xfrm>
+      </p:grpSpPr>
+      <p:sp>
+        <p:nvSpPr>
+          <p:cNvPr id="3" name="Rezervirano mjesto sadržaja 2"/>
+          <p:cNvSpPr>
+            <a:spLocks noGrp="1"/>
+          </p:cNvSpPr>
+          <p:nvPr>
+            <p:ph idx="1"/>
+          </p:nvPr>
+        </p:nvSpPr>
+        <p:spPr>
+          <a:xfrm>
+            <a:off x="838200" y="2748805"/>
+            <a:ext cx="10515600" cy="4351338"/>
+          </a:xfrm>
+        </p:spPr>
+        <p:txBody>
+          <a:bodyPr>
+            <a:normAutofit/>
+          </a:bodyPr>
+          <a:lstStyle/>
+          <a:p>
+            <a:pPr marL="514350" indent="-514350">
+              <a:buClr>
+                <a:srgbClr val="0066CC"/>
+              </a:buClr>
+              <a:buFont typeface="+mj-lt"/>
+              <a:buAutoNum type="arabicPeriod"/>
+            </a:pPr>
+            <a:endParaRPr lang="hr-HR" dirty="0" smtClean="0">
+              <a:latin typeface="Coda" panose="020B0500000000000004" pitchFamily="34" charset="0"/>
+            </a:endParaRPr>
+          </a:p>
+          <a:p>
+            <a:pPr marL="514350" indent="-514350">
+              <a:buClr>
+                <a:srgbClr val="0066CC"/>
+              </a:buClr>
+              <a:buFont typeface="+mj-lt"/>
+              <a:buAutoNum type="arabicPeriod"/>
+            </a:pPr>
+            <a:r>
+              <a:rPr lang="hr-HR" dirty="0" smtClean="0">
+                <a:latin typeface="Coda" panose="020B0500000000000004" pitchFamily="34" charset="0"/>
+              </a:rPr>
+              <a:t>Podudaranje stvarnog svijeta sa sustavom</a:t>
+            </a:r>
+          </a:p>
+          <a:p>
+            <a:pPr marL="514350" indent="-514350">
+              <a:buClr>
+                <a:srgbClr val="0066CC"/>
+              </a:buClr>
+              <a:buFont typeface="+mj-lt"/>
+              <a:buAutoNum type="arabicPeriod"/>
+            </a:pPr>
+            <a:r>
+              <a:rPr lang="hr-HR" dirty="0" smtClean="0">
+                <a:solidFill>
+                  <a:srgbClr val="FF5C01"/>
+                </a:solidFill>
+                <a:latin typeface="Coda" panose="020B0500000000000004" pitchFamily="34" charset="0"/>
+              </a:rPr>
+              <a:t>Konzistencija i standardi</a:t>
+            </a:r>
+          </a:p>
+          <a:p>
+            <a:pPr marL="514350" indent="-514350">
+              <a:buClr>
+                <a:srgbClr val="0066CC"/>
+              </a:buClr>
+              <a:buFont typeface="+mj-lt"/>
+              <a:buAutoNum type="arabicPeriod"/>
+            </a:pPr>
+            <a:r>
+              <a:rPr lang="hr-HR" dirty="0" smtClean="0">
+                <a:latin typeface="Coda" panose="020B0500000000000004" pitchFamily="34" charset="0"/>
+              </a:rPr>
+              <a:t>Vidljivost  statusa sustava</a:t>
+            </a:r>
+          </a:p>
+          <a:p>
+            <a:pPr marL="514350" indent="-514350">
+              <a:buClr>
+                <a:srgbClr val="0066CC"/>
+              </a:buClr>
+              <a:buFont typeface="+mj-lt"/>
+              <a:buAutoNum type="arabicPeriod"/>
+            </a:pPr>
+            <a:r>
+              <a:rPr lang="hr-HR" dirty="0" smtClean="0">
+                <a:latin typeface="Coda" panose="020B0500000000000004" pitchFamily="34" charset="0"/>
+              </a:rPr>
+              <a:t>Korisnička sloboda i kontrola</a:t>
+            </a:r>
+          </a:p>
+          <a:p>
+            <a:pPr marL="514350" indent="-514350">
+              <a:buClr>
+                <a:srgbClr val="0066CC"/>
+              </a:buClr>
+              <a:buFont typeface="+mj-lt"/>
+              <a:buAutoNum type="arabicPeriod"/>
+            </a:pPr>
+            <a:r>
+              <a:rPr lang="hr-HR" dirty="0" smtClean="0">
+                <a:latin typeface="Coda" panose="020B0500000000000004" pitchFamily="34" charset="0"/>
+              </a:rPr>
+              <a:t>Sprječavanje grešaka</a:t>
+            </a:r>
+          </a:p>
+          <a:p>
+            <a:pPr marL="0" indent="0">
+              <a:buClr>
+                <a:srgbClr val="0066CC"/>
+              </a:buClr>
+              <a:buNone/>
+            </a:pPr>
+            <a:r>
+              <a:rPr lang="hr-HR" dirty="0" smtClean="0">
+                <a:solidFill>
+                  <a:srgbClr val="0066CC"/>
+                </a:solidFill>
+                <a:latin typeface="Coda" panose="020B0500000000000004" pitchFamily="34" charset="0"/>
+              </a:rPr>
+              <a:t>…</a:t>
+            </a:r>
+          </a:p>
+        </p:txBody>
+      </p:sp>
+      <p:sp>
+        <p:nvSpPr>
+          <p:cNvPr id="4" name="Pravokutnik 3"/>
+          <p:cNvSpPr/>
+          <p:nvPr/>
+        </p:nvSpPr>
+        <p:spPr>
+          <a:xfrm>
+            <a:off x="0" y="0"/>
+            <a:ext cx="12192000" cy="1122363"/>
+          </a:xfrm>
+          <a:prstGeom prst="rect">
+            <a:avLst/>
+          </a:prstGeom>
+          <a:solidFill>
+            <a:srgbClr val="0066CC"/>
+          </a:solidFill>
+        </p:spPr>
+        <p:style>
+          <a:lnRef idx="2">
+            <a:schemeClr val="accent1">
+              <a:shade val="50000"/>
+            </a:schemeClr>
+          </a:lnRef>
+          <a:fillRef idx="1">
+            <a:schemeClr val="accent1"/>
+          </a:fillRef>
+          <a:effectRef idx="0">
+            <a:schemeClr val="accent1"/>
+          </a:effectRef>
+          <a:fontRef idx="minor">
+            <a:schemeClr val="lt1"/>
+          </a:fontRef>
+        </p:style>
+        <p:txBody>
+          <a:bodyPr rtlCol="0" anchor="ctr"/>
+          <a:lstStyle/>
+          <a:p>
+            <a:pPr algn="ctr"/>
+            <a:endParaRPr lang="hr-HR"/>
+          </a:p>
+        </p:txBody>
+      </p:sp>
+      <p:pic>
+        <p:nvPicPr>
+          <p:cNvPr id="5" name="Slika 4"/>
+          <p:cNvPicPr>
+            <a:picLocks noChangeAspect="1"/>
+          </p:cNvPicPr>
+          <p:nvPr/>
+        </p:nvPicPr>
+        <p:blipFill>
+          <a:blip r:embed="rId3">
+            <a:extLst>
+              <a:ext uri="{28A0092B-C50C-407E-A947-70E740481C1C}">
+                <a14:useLocalDpi xmlns:a14="http://schemas.microsoft.com/office/drawing/2010/main" val="0"/>
+              </a:ext>
+            </a:extLst>
+          </a:blip>
+          <a:stretch>
+            <a:fillRect/>
+          </a:stretch>
+        </p:blipFill>
+        <p:spPr>
+          <a:xfrm>
+            <a:off x="331730" y="146676"/>
+            <a:ext cx="829010" cy="829010"/>
+          </a:xfrm>
+          <a:prstGeom prst="rect">
+            <a:avLst/>
+          </a:prstGeom>
+        </p:spPr>
+      </p:pic>
+      <p:sp>
+        <p:nvSpPr>
+          <p:cNvPr id="6" name="Naslov 1"/>
+          <p:cNvSpPr txBox="1">
+            <a:spLocks/>
+          </p:cNvSpPr>
+          <p:nvPr/>
+        </p:nvSpPr>
+        <p:spPr>
+          <a:xfrm>
+            <a:off x="838200" y="1538989"/>
+            <a:ext cx="10515600" cy="1325563"/>
+          </a:xfrm>
+          <a:prstGeom prst="rect">
+            <a:avLst/>
+          </a:prstGeom>
+        </p:spPr>
+        <p:txBody>
+          <a:bodyPr vert="horz" lIns="91440" tIns="45720" rIns="91440" bIns="45720" rtlCol="0" anchor="ctr">
+            <a:normAutofit/>
+          </a:bodyPr>
+          <a:lstStyle>
+            <a:lvl1pPr algn="l" defTabSz="914400" rtl="0" eaLnBrk="1" latinLnBrk="0" hangingPunct="1">
+              <a:lnSpc>
+                <a:spcPct val="90000"/>
+              </a:lnSpc>
+              <a:spcBef>
+                <a:spcPct val="0"/>
+              </a:spcBef>
+              <a:buNone/>
+              <a:defRPr sz="4400" kern="1200">
+                <a:solidFill>
+                  <a:schemeClr val="tx1"/>
+                </a:solidFill>
+                <a:latin typeface="+mj-lt"/>
+                <a:ea typeface="+mj-ea"/>
+                <a:cs typeface="+mj-cs"/>
+              </a:defRPr>
+            </a:lvl1pPr>
+          </a:lstStyle>
+          <a:p>
+            <a:r>
+              <a:rPr lang="hr-HR" dirty="0" smtClean="0">
+                <a:solidFill>
+                  <a:srgbClr val="0066CC"/>
+                </a:solidFill>
+                <a:latin typeface="Coda" panose="020B0500000000000004" pitchFamily="34" charset="0"/>
+              </a:rPr>
+              <a:t>Heuristike</a:t>
+            </a:r>
+            <a:endParaRPr lang="hr-HR" dirty="0">
+              <a:solidFill>
+                <a:srgbClr val="0066CC"/>
+              </a:solidFill>
+              <a:latin typeface="Coda" panose="020B0500000000000004" pitchFamily="34" charset="0"/>
+            </a:endParaRPr>
+          </a:p>
+        </p:txBody>
+      </p:sp>
+    </p:spTree>
+    <p:extLst>
+      <p:ext uri="{BB962C8B-B14F-4D97-AF65-F5344CB8AC3E}">
+        <p14:creationId xmlns:p14="http://schemas.microsoft.com/office/powerpoint/2010/main" val="608956554"/>
+      </p:ext>
+    </p:extLst>
+  </p:cSld>
+  <p:clrMapOvr>
+    <a:masterClrMapping/>
+  </p:clrMapOvr>
+  <p:timing>
+    <p:tnLst>
+      <p:par>
+        <p:cTn id="1" dur="indefinite" restart="never" nodeType="tmRoot"/>
+      </p:par>
+    </p:tnLst>
+  </p:timing>
+</p:sld>
+</file>
+
+<file path=ppt/slides/slide9.xml><?xml version="1.0" encoding="utf-8"?>
+<p:sld xmlns:a="http://schemas.openxmlformats.org/drawingml/2006/main" xmlns:r="http://schemas.openxmlformats.org/officeDocument/2006/relationships" xmlns:p="http://schemas.openxmlformats.org/presentationml/2006/main">
+  <p:cSld>
+    <p:spTree>
+      <p:nvGrpSpPr>
+        <p:cNvPr id="1" name=""/>
+        <p:cNvGrpSpPr/>
+        <p:nvPr/>
+      </p:nvGrpSpPr>
+      <p:grpSpPr>
+        <a:xfrm>
+          <a:off x="0" y="0"/>
+          <a:ext cx="0" cy="0"/>
+          <a:chOff x="0" y="0"/>
+          <a:chExt cx="0" cy="0"/>
+        </a:xfrm>
+      </p:grpSpPr>
+      <p:sp>
+        <p:nvSpPr>
+          <p:cNvPr id="4" name="Pravokutnik 3"/>
+          <p:cNvSpPr/>
+          <p:nvPr/>
+        </p:nvSpPr>
+        <p:spPr>
+          <a:xfrm>
+            <a:off x="0" y="0"/>
+            <a:ext cx="12192000" cy="1122363"/>
+          </a:xfrm>
+          <a:prstGeom prst="rect">
+            <a:avLst/>
+          </a:prstGeom>
+          <a:solidFill>
+            <a:srgbClr val="0066CC"/>
+          </a:solidFill>
+        </p:spPr>
+        <p:style>
+          <a:lnRef idx="2">
+            <a:schemeClr val="accent1">
+              <a:shade val="50000"/>
+            </a:schemeClr>
+          </a:lnRef>
+          <a:fillRef idx="1">
+            <a:schemeClr val="accent1"/>
+          </a:fillRef>
+          <a:effectRef idx="0">
+            <a:schemeClr val="accent1"/>
+          </a:effectRef>
+          <a:fontRef idx="minor">
+            <a:schemeClr val="lt1"/>
+          </a:fontRef>
+        </p:style>
+        <p:txBody>
+          <a:bodyPr rtlCol="0" anchor="ctr"/>
+          <a:lstStyle/>
+          <a:p>
+            <a:pPr algn="ctr"/>
+            <a:endParaRPr lang="hr-HR"/>
+          </a:p>
+        </p:txBody>
+      </p:sp>
+      <p:pic>
+        <p:nvPicPr>
+          <p:cNvPr id="5" name="Slika 4"/>
+          <p:cNvPicPr>
+            <a:picLocks noChangeAspect="1"/>
+          </p:cNvPicPr>
+          <p:nvPr/>
+        </p:nvPicPr>
+        <p:blipFill>
+          <a:blip r:embed="rId3">
+            <a:extLst>
+              <a:ext uri="{28A0092B-C50C-407E-A947-70E740481C1C}">
+                <a14:useLocalDpi xmlns:a14="http://schemas.microsoft.com/office/drawing/2010/main" val="0"/>
+              </a:ext>
+            </a:extLst>
+          </a:blip>
+          <a:stretch>
+            <a:fillRect/>
+          </a:stretch>
+        </p:blipFill>
+        <p:spPr>
+          <a:xfrm>
+            <a:off x="331730" y="146676"/>
+            <a:ext cx="829010" cy="829010"/>
+          </a:xfrm>
+          <a:prstGeom prst="rect">
+            <a:avLst/>
+          </a:prstGeom>
+        </p:spPr>
+      </p:pic>
+      <p:pic>
+        <p:nvPicPr>
+          <p:cNvPr id="1026" name="Picture 2" descr="colors"/>
+          <p:cNvPicPr>
+            <a:picLocks noChangeAspect="1" noChangeArrowheads="1"/>
+          </p:cNvPicPr>
+          <p:nvPr/>
+        </p:nvPicPr>
+        <p:blipFill>
+          <a:blip r:embed="rId4">
+            <a:extLst>
+              <a:ext uri="{28A0092B-C50C-407E-A947-70E740481C1C}">
+                <a14:useLocalDpi xmlns:a14="http://schemas.microsoft.com/office/drawing/2010/main" val="0"/>
+              </a:ext>
+            </a:extLst>
+          </a:blip>
+          <a:srcRect r="1042" b="6389"/>
+          <a:stretch>
+            <a:fillRect/>
+          </a:stretch>
+        </p:blipFill>
+        <p:spPr bwMode="auto">
+          <a:xfrm>
+            <a:off x="2973233" y="3036857"/>
+            <a:ext cx="6245533" cy="1928873"/>
+          </a:xfrm>
+          <a:prstGeom prst="rect">
+            <a:avLst/>
+          </a:prstGeom>
+          <a:noFill/>
+          <a:ln>
+            <a:noFill/>
+          </a:ln>
+          <a:extLst>
+            <a:ext uri="{909E8E84-426E-40DD-AFC4-6F175D3DCCD1}">
+              <a14:hiddenFill xmlns:a14="http://schemas.microsoft.com/office/drawing/2010/main">
+                <a:solidFill>
+                  <a:srgbClr val="FFFFFF"/>
+                </a:solidFill>
+              </a14:hiddenFill>
+            </a:ext>
+            <a:ext uri="{91240B29-F687-4F45-9708-019B960494DF}">
+              <a14:hiddenLine xmlns:a14="http://schemas.microsoft.com/office/drawing/2010/main" w="9525">
+                <a:solidFill>
+                  <a:srgbClr val="000000"/>
+                </a:solidFill>
+                <a:miter lim="800000"/>
+                <a:headEnd/>
+                <a:tailEnd/>
+              </a14:hiddenLine>
+            </a:ext>
+          </a:extLst>
+        </p:spPr>
+      </p:pic>
+    </p:spTree>
+    <p:extLst>
+      <p:ext uri="{BB962C8B-B14F-4D97-AF65-F5344CB8AC3E}">
+        <p14:creationId xmlns:p14="http://schemas.microsoft.com/office/powerpoint/2010/main" val="3134481952"/>
+      </p:ext>
+    </p:extLst>
+  </p:cSld>
+  <p:clrMapOvr>
+    <a:masterClrMapping/>
+  </p:clrMapOvr>
+  <mc:AlternateContent xmlns:mc="http://schemas.openxmlformats.org/markup-compatibility/2006">
+    <mc:Choice xmlns:p14="http://schemas.microsoft.com/office/powerpoint/2010/main" Requires="p14">
+      <p:transition spd="slow" p14:dur="2000"/>
+    </mc:Choice>
+    <mc:Fallback>
+      <p:transition spd="slow"/>
+    </mc:Fallback>
+  </mc:AlternateContent>
   <p:timing>
     <p:tnLst>
       <p:par>

--- a/docs/obrana/extreme-sports.pptx
+++ b/docs/obrana/extreme-sports.pptx
@@ -5,7 +5,7 @@
     <p:sldMasterId id="2147483870" r:id="rId1"/>
   </p:sldMasterIdLst>
   <p:notesMasterIdLst>
-    <p:notesMasterId r:id="rId30"/>
+    <p:notesMasterId r:id="rId31"/>
   </p:notesMasterIdLst>
   <p:sldIdLst>
     <p:sldId id="256" r:id="rId2"/>
@@ -32,10 +32,11 @@
     <p:sldId id="273" r:id="rId23"/>
     <p:sldId id="284" r:id="rId24"/>
     <p:sldId id="272" r:id="rId25"/>
-    <p:sldId id="285" r:id="rId26"/>
-    <p:sldId id="263" r:id="rId27"/>
+    <p:sldId id="263" r:id="rId26"/>
+    <p:sldId id="286" r:id="rId27"/>
     <p:sldId id="264" r:id="rId28"/>
-    <p:sldId id="259" r:id="rId29"/>
+    <p:sldId id="285" r:id="rId29"/>
+    <p:sldId id="259" r:id="rId30"/>
   </p:sldIdLst>
   <p:sldSz cx="12192000" cy="6858000"/>
   <p:notesSz cx="6858000" cy="9144000"/>
@@ -1061,7 +1062,91 @@
           <a:p>
             <a:fld id="{0F0CC5B3-74C0-4006-9F49-3B32F179954A}" type="slidenum">
               <a:rPr lang="hr-HR" smtClean="0"/>
-              <a:t>25</a:t>
+              <a:t>26</a:t>
+            </a:fld>
+            <a:endParaRPr lang="hr-HR"/>
+          </a:p>
+        </p:txBody>
+      </p:sp>
+    </p:spTree>
+    <p:extLst>
+      <p:ext uri="{BB962C8B-B14F-4D97-AF65-F5344CB8AC3E}">
+        <p14:creationId xmlns:p14="http://schemas.microsoft.com/office/powerpoint/2010/main" val="2327464513"/>
+      </p:ext>
+    </p:extLst>
+  </p:cSld>
+  <p:clrMapOvr>
+    <a:masterClrMapping/>
+  </p:clrMapOvr>
+</p:notes>
+</file>
+
+<file path=ppt/notesSlides/notesSlide16.xml><?xml version="1.0" encoding="utf-8"?>
+<p:notes xmlns:a="http://schemas.openxmlformats.org/drawingml/2006/main" xmlns:r="http://schemas.openxmlformats.org/officeDocument/2006/relationships" xmlns:p="http://schemas.openxmlformats.org/presentationml/2006/main">
+  <p:cSld>
+    <p:spTree>
+      <p:nvGrpSpPr>
+        <p:cNvPr id="1" name=""/>
+        <p:cNvGrpSpPr/>
+        <p:nvPr/>
+      </p:nvGrpSpPr>
+      <p:grpSpPr>
+        <a:xfrm>
+          <a:off x="0" y="0"/>
+          <a:ext cx="0" cy="0"/>
+          <a:chOff x="0" y="0"/>
+          <a:chExt cx="0" cy="0"/>
+        </a:xfrm>
+      </p:grpSpPr>
+      <p:sp>
+        <p:nvSpPr>
+          <p:cNvPr id="2" name="Rezervirano mjesto slike slajda 1"/>
+          <p:cNvSpPr>
+            <a:spLocks noGrp="1" noRot="1" noChangeAspect="1"/>
+          </p:cNvSpPr>
+          <p:nvPr>
+            <p:ph type="sldImg"/>
+          </p:nvPr>
+        </p:nvSpPr>
+        <p:spPr/>
+      </p:sp>
+      <p:sp>
+        <p:nvSpPr>
+          <p:cNvPr id="3" name="Rezervirano mjesto bilježaka 2"/>
+          <p:cNvSpPr>
+            <a:spLocks noGrp="1"/>
+          </p:cNvSpPr>
+          <p:nvPr>
+            <p:ph type="body" idx="1"/>
+          </p:nvPr>
+        </p:nvSpPr>
+        <p:spPr/>
+        <p:txBody>
+          <a:bodyPr/>
+          <a:lstStyle/>
+          <a:p>
+            <a:endParaRPr lang="hr-HR" dirty="0"/>
+          </a:p>
+        </p:txBody>
+      </p:sp>
+      <p:sp>
+        <p:nvSpPr>
+          <p:cNvPr id="4" name="Rezervirano mjesto broja slajda 3"/>
+          <p:cNvSpPr>
+            <a:spLocks noGrp="1"/>
+          </p:cNvSpPr>
+          <p:nvPr>
+            <p:ph type="sldNum" sz="quarter" idx="10"/>
+          </p:nvPr>
+        </p:nvSpPr>
+        <p:spPr/>
+        <p:txBody>
+          <a:bodyPr/>
+          <a:lstStyle/>
+          <a:p>
+            <a:fld id="{0F0CC5B3-74C0-4006-9F49-3B32F179954A}" type="slidenum">
+              <a:rPr lang="hr-HR" smtClean="0"/>
+              <a:t>28</a:t>
             </a:fld>
             <a:endParaRPr lang="hr-HR"/>
           </a:p>
@@ -6394,17 +6479,8 @@
               <a:rPr lang="hr-HR" dirty="0" smtClean="0">
                 <a:latin typeface="Coda" panose="020B0500000000000004" pitchFamily="34" charset="0"/>
               </a:rPr>
-              <a:t>Estetika i minimalistički </a:t>
-            </a:r>
-            <a:r>
-              <a:rPr lang="hr-HR" dirty="0" smtClean="0">
-                <a:latin typeface="Coda" panose="020B0500000000000004" pitchFamily="34" charset="0"/>
-              </a:rPr>
-              <a:t>dizajn</a:t>
-            </a:r>
-            <a:endParaRPr lang="hr-HR" dirty="0" smtClean="0">
-              <a:latin typeface="Coda" panose="020B0500000000000004" pitchFamily="34" charset="0"/>
-            </a:endParaRPr>
+              <a:t>Estetika i minimalistički dizajn</a:t>
+            </a:r>
           </a:p>
           <a:p>
             <a:pPr marL="514350" indent="-514350">
@@ -6846,17 +6922,8 @@
               <a:rPr lang="hr-HR" dirty="0" smtClean="0">
                 <a:latin typeface="Coda" panose="020B0500000000000004" pitchFamily="34" charset="0"/>
               </a:rPr>
-              <a:t>Estetika i minimalistički </a:t>
-            </a:r>
-            <a:r>
-              <a:rPr lang="hr-HR" dirty="0" smtClean="0">
-                <a:latin typeface="Coda" panose="020B0500000000000004" pitchFamily="34" charset="0"/>
-              </a:rPr>
-              <a:t>dizajn</a:t>
-            </a:r>
-            <a:endParaRPr lang="hr-HR" dirty="0" smtClean="0">
-              <a:latin typeface="Coda" panose="020B0500000000000004" pitchFamily="34" charset="0"/>
-            </a:endParaRPr>
+              <a:t>Estetika i minimalistički dizajn</a:t>
+            </a:r>
           </a:p>
           <a:p>
             <a:pPr marL="514350" indent="-514350">
@@ -7114,6 +7181,28 @@
           <a:xfrm>
             <a:off x="331730" y="146676"/>
             <a:ext cx="829010" cy="829010"/>
+          </a:xfrm>
+          <a:prstGeom prst="rect">
+            <a:avLst/>
+          </a:prstGeom>
+        </p:spPr>
+      </p:pic>
+      <p:pic>
+        <p:nvPicPr>
+          <p:cNvPr id="6" name="Picture 22"/>
+          <p:cNvPicPr/>
+          <p:nvPr/>
+        </p:nvPicPr>
+        <p:blipFill>
+          <a:blip r:embed="rId4"/>
+          <a:stretch>
+            <a:fillRect/>
+          </a:stretch>
+        </p:blipFill>
+        <p:spPr>
+          <a:xfrm>
+            <a:off x="3284220" y="3075940"/>
+            <a:ext cx="5623560" cy="706120"/>
           </a:xfrm>
           <a:prstGeom prst="rect">
             <a:avLst/>
@@ -7635,17 +7724,8 @@
               <a:rPr lang="hr-HR" dirty="0" smtClean="0">
                 <a:latin typeface="Coda" panose="020B0500000000000004" pitchFamily="34" charset="0"/>
               </a:rPr>
-              <a:t>Estetika i minimalistički </a:t>
-            </a:r>
-            <a:r>
-              <a:rPr lang="hr-HR" dirty="0" smtClean="0">
-                <a:latin typeface="Coda" panose="020B0500000000000004" pitchFamily="34" charset="0"/>
-              </a:rPr>
-              <a:t>dizajn</a:t>
-            </a:r>
-            <a:endParaRPr lang="hr-HR" dirty="0" smtClean="0">
-              <a:latin typeface="Coda" panose="020B0500000000000004" pitchFamily="34" charset="0"/>
-            </a:endParaRPr>
+              <a:t>Estetika i minimalistički dizajn</a:t>
+            </a:r>
           </a:p>
           <a:p>
             <a:pPr marL="514350" indent="-514350">
@@ -7928,6 +8008,28 @@
           </a:p>
         </p:txBody>
       </p:sp>
+      <p:pic>
+        <p:nvPicPr>
+          <p:cNvPr id="6" name="Picture 23"/>
+          <p:cNvPicPr/>
+          <p:nvPr/>
+        </p:nvPicPr>
+        <p:blipFill>
+          <a:blip r:embed="rId4"/>
+          <a:stretch>
+            <a:fillRect/>
+          </a:stretch>
+        </p:blipFill>
+        <p:spPr>
+          <a:xfrm>
+            <a:off x="0" y="336884"/>
+            <a:ext cx="12192000" cy="6543341"/>
+          </a:xfrm>
+          <a:prstGeom prst="rect">
+            <a:avLst/>
+          </a:prstGeom>
+        </p:spPr>
+      </p:pic>
     </p:spTree>
     <p:extLst>
       <p:ext uri="{BB962C8B-B14F-4D97-AF65-F5344CB8AC3E}">
@@ -8063,23 +8165,8 @@
                 </a:solidFill>
                 <a:latin typeface="Coda" panose="020B0500000000000004" pitchFamily="34" charset="0"/>
               </a:rPr>
-              <a:t>Estetika i minimalistički </a:t>
-            </a:r>
-            <a:r>
-              <a:rPr lang="hr-HR" dirty="0" smtClean="0">
-                <a:solidFill>
-                  <a:srgbClr val="FF5C01"/>
-                </a:solidFill>
-                <a:latin typeface="Coda" panose="020B0500000000000004" pitchFamily="34" charset="0"/>
-              </a:rPr>
-              <a:t>dizajn</a:t>
-            </a:r>
-            <a:endParaRPr lang="hr-HR" dirty="0" smtClean="0">
-              <a:solidFill>
-                <a:srgbClr val="FF5C01"/>
-              </a:solidFill>
-              <a:latin typeface="Coda" panose="020B0500000000000004" pitchFamily="34" charset="0"/>
-            </a:endParaRPr>
+              <a:t>Estetika i minimalistički dizajn</a:t>
+            </a:r>
           </a:p>
           <a:p>
             <a:pPr marL="514350" indent="-514350">
@@ -8343,25 +8430,28 @@
           </a:prstGeom>
         </p:spPr>
       </p:pic>
-      <p:sp>
-        <p:nvSpPr>
-          <p:cNvPr id="2" name="Rezervirano mjesto sadržaja 1"/>
-          <p:cNvSpPr>
-            <a:spLocks noGrp="1"/>
-          </p:cNvSpPr>
-          <p:nvPr>
-            <p:ph idx="1"/>
-          </p:nvPr>
-        </p:nvSpPr>
-        <p:spPr/>
-        <p:txBody>
-          <a:bodyPr/>
-          <a:lstStyle/>
-          <a:p>
-            <a:endParaRPr lang="hr-HR"/>
-          </a:p>
-        </p:txBody>
-      </p:sp>
+      <p:pic>
+        <p:nvPicPr>
+          <p:cNvPr id="6" name="Picture 28"/>
+          <p:cNvPicPr/>
+          <p:nvPr/>
+        </p:nvPicPr>
+        <p:blipFill>
+          <a:blip r:embed="rId4"/>
+          <a:stretch>
+            <a:fillRect/>
+          </a:stretch>
+        </p:blipFill>
+        <p:spPr>
+          <a:xfrm>
+            <a:off x="1303421" y="2032126"/>
+            <a:ext cx="9813758" cy="3810000"/>
+          </a:xfrm>
+          <a:prstGeom prst="rect">
+            <a:avLst/>
+          </a:prstGeom>
+        </p:spPr>
+      </p:pic>
     </p:spTree>
     <p:extLst>
       <p:ext uri="{BB962C8B-B14F-4D97-AF65-F5344CB8AC3E}">
@@ -8494,17 +8584,8 @@
               <a:rPr lang="hr-HR" dirty="0" smtClean="0">
                 <a:latin typeface="Coda" panose="020B0500000000000004" pitchFamily="34" charset="0"/>
               </a:rPr>
-              <a:t>Estetika i minimalistički </a:t>
-            </a:r>
-            <a:r>
-              <a:rPr lang="hr-HR" dirty="0" smtClean="0">
-                <a:latin typeface="Coda" panose="020B0500000000000004" pitchFamily="34" charset="0"/>
-              </a:rPr>
-              <a:t>dizajn</a:t>
-            </a:r>
-            <a:endParaRPr lang="hr-HR" dirty="0" smtClean="0">
-              <a:latin typeface="Coda" panose="020B0500000000000004" pitchFamily="34" charset="0"/>
-            </a:endParaRPr>
+              <a:t>Estetika i minimalistički dizajn</a:t>
+            </a:r>
           </a:p>
           <a:p>
             <a:pPr marL="514350" indent="-514350">
@@ -8703,6 +8784,94 @@
       </p:grpSpPr>
       <p:sp>
         <p:nvSpPr>
+          <p:cNvPr id="14" name="Rezervirano mjesto teksta 13"/>
+          <p:cNvSpPr>
+            <a:spLocks noGrp="1"/>
+          </p:cNvSpPr>
+          <p:nvPr>
+            <p:ph type="body" idx="1"/>
+          </p:nvPr>
+        </p:nvSpPr>
+        <p:spPr>
+          <a:xfrm>
+            <a:off x="839788" y="2757608"/>
+            <a:ext cx="5157787" cy="823912"/>
+          </a:xfrm>
+        </p:spPr>
+        <p:txBody>
+          <a:bodyPr>
+            <a:normAutofit/>
+          </a:bodyPr>
+          <a:lstStyle/>
+          <a:p>
+            <a:pPr marL="457200" indent="-457200">
+              <a:buClr>
+                <a:srgbClr val="0066CC"/>
+              </a:buClr>
+              <a:buFont typeface="+mj-lt"/>
+              <a:buAutoNum type="arabicPeriod"/>
+            </a:pPr>
+            <a:r>
+              <a:rPr lang="hr-HR" sz="2800" b="0" dirty="0" err="1" smtClean="0">
+                <a:latin typeface="Coda" panose="020B0500000000000004" pitchFamily="34" charset="0"/>
+              </a:rPr>
+              <a:t>Fittsov</a:t>
+            </a:r>
+            <a:r>
+              <a:rPr lang="hr-HR" sz="2800" b="0" dirty="0" smtClean="0">
+                <a:latin typeface="Coda" panose="020B0500000000000004" pitchFamily="34" charset="0"/>
+              </a:rPr>
+              <a:t> zakon</a:t>
+            </a:r>
+          </a:p>
+        </p:txBody>
+      </p:sp>
+      <p:sp>
+        <p:nvSpPr>
+          <p:cNvPr id="15" name="Rezervirano mjesto teksta 14"/>
+          <p:cNvSpPr>
+            <a:spLocks noGrp="1"/>
+          </p:cNvSpPr>
+          <p:nvPr>
+            <p:ph type="body" sz="quarter" idx="3"/>
+          </p:nvPr>
+        </p:nvSpPr>
+        <p:spPr>
+          <a:xfrm>
+            <a:off x="6172200" y="2757608"/>
+            <a:ext cx="5183188" cy="823912"/>
+          </a:xfrm>
+        </p:spPr>
+        <p:txBody>
+          <a:bodyPr>
+            <a:normAutofit/>
+          </a:bodyPr>
+          <a:lstStyle/>
+          <a:p>
+            <a:pPr marL="457200" indent="-457200">
+              <a:buClr>
+                <a:srgbClr val="0066CC"/>
+              </a:buClr>
+              <a:buFont typeface="+mj-lt"/>
+              <a:buAutoNum type="arabicPeriod" startAt="2"/>
+            </a:pPr>
+            <a:r>
+              <a:rPr lang="hr-HR" sz="2800" b="0" dirty="0" err="1" smtClean="0">
+                <a:latin typeface="Coda" panose="020B0500000000000004" pitchFamily="34" charset="0"/>
+              </a:rPr>
+              <a:t>Hickov</a:t>
+            </a:r>
+            <a:r>
+              <a:rPr lang="hr-HR" sz="2800" b="0" dirty="0" smtClean="0">
+                <a:latin typeface="Coda" panose="020B0500000000000004" pitchFamily="34" charset="0"/>
+              </a:rPr>
+              <a:t> zakon</a:t>
+            </a:r>
+          </a:p>
+        </p:txBody>
+      </p:sp>
+      <p:sp>
+        <p:nvSpPr>
           <p:cNvPr id="4" name="Pravokutnik 3"/>
           <p:cNvSpPr/>
           <p:nvPr/>
@@ -8753,7 +8922,7 @@
           <p:nvPr/>
         </p:nvPicPr>
         <p:blipFill>
-          <a:blip r:embed="rId3">
+          <a:blip r:embed="rId2">
             <a:extLst>
               <a:ext uri="{28A0092B-C50C-407E-A947-70E740481C1C}">
                 <a14:useLocalDpi xmlns:a14="http://schemas.microsoft.com/office/drawing/2010/main" val="0"/>
@@ -8776,27 +8945,96 @@
       </p:pic>
       <p:sp>
         <p:nvSpPr>
-          <p:cNvPr id="2" name="Rezervirano mjesto sadržaja 1"/>
-          <p:cNvSpPr>
-            <a:spLocks noGrp="1"/>
-          </p:cNvSpPr>
-          <p:nvPr>
-            <p:ph idx="1"/>
-          </p:nvPr>
-        </p:nvSpPr>
-        <p:spPr/>
-        <p:txBody>
-          <a:bodyPr/>
-          <a:lstStyle/>
-          <a:p>
-            <a:endParaRPr lang="hr-HR"/>
-          </a:p>
-        </p:txBody>
-      </p:sp>
+          <p:cNvPr id="6" name="Naslov 1"/>
+          <p:cNvSpPr txBox="1">
+            <a:spLocks/>
+          </p:cNvSpPr>
+          <p:nvPr/>
+        </p:nvSpPr>
+        <p:spPr>
+          <a:xfrm>
+            <a:off x="838200" y="1538989"/>
+            <a:ext cx="10515600" cy="1325563"/>
+          </a:xfrm>
+          <a:prstGeom prst="rect">
+            <a:avLst/>
+          </a:prstGeom>
+        </p:spPr>
+        <p:txBody>
+          <a:bodyPr vert="horz" lIns="91440" tIns="45720" rIns="91440" bIns="45720" rtlCol="0" anchor="ctr">
+            <a:normAutofit/>
+          </a:bodyPr>
+          <a:lstStyle>
+            <a:lvl1pPr algn="l" defTabSz="914400" rtl="0" eaLnBrk="1" latinLnBrk="0" hangingPunct="1">
+              <a:lnSpc>
+                <a:spcPct val="90000"/>
+              </a:lnSpc>
+              <a:spcBef>
+                <a:spcPct val="0"/>
+              </a:spcBef>
+              <a:buNone/>
+              <a:defRPr sz="4400" kern="1200">
+                <a:solidFill>
+                  <a:schemeClr val="tx1"/>
+                </a:solidFill>
+                <a:latin typeface="+mj-lt"/>
+                <a:ea typeface="+mj-ea"/>
+                <a:cs typeface="+mj-cs"/>
+              </a:defRPr>
+            </a:lvl1pPr>
+          </a:lstStyle>
+          <a:p>
+            <a:r>
+              <a:rPr lang="hr-HR" dirty="0" smtClean="0">
+                <a:solidFill>
+                  <a:srgbClr val="0066CC"/>
+                </a:solidFill>
+                <a:latin typeface="Coda" panose="020B0500000000000004" pitchFamily="34" charset="0"/>
+              </a:rPr>
+              <a:t>Teorije niske razine</a:t>
+            </a:r>
+            <a:endParaRPr lang="hr-HR" dirty="0">
+              <a:solidFill>
+                <a:srgbClr val="0066CC"/>
+              </a:solidFill>
+              <a:latin typeface="Coda" panose="020B0500000000000004" pitchFamily="34" charset="0"/>
+            </a:endParaRPr>
+          </a:p>
+        </p:txBody>
+      </p:sp>
+      <p:pic>
+        <p:nvPicPr>
+          <p:cNvPr id="9" name="Slika 8"/>
+          <p:cNvPicPr/>
+          <p:nvPr/>
+        </p:nvPicPr>
+        <p:blipFill rotWithShape="1">
+          <a:blip r:embed="rId3"/>
+          <a:srcRect l="40049" t="55208" r="52589" b="39951"/>
+          <a:stretch/>
+        </p:blipFill>
+        <p:spPr bwMode="auto">
+          <a:xfrm>
+            <a:off x="1160740" y="4195405"/>
+            <a:ext cx="2897506" cy="1209468"/>
+          </a:xfrm>
+          <a:prstGeom prst="rect">
+            <a:avLst/>
+          </a:prstGeom>
+          <a:ln>
+            <a:noFill/>
+          </a:ln>
+          <a:extLst>
+            <a:ext uri="{53640926-AAD7-44D8-BBD7-CCE9431645EC}">
+              <a14:shadowObscured xmlns:a14="http://schemas.microsoft.com/office/drawing/2010/main"/>
+            </a:ext>
+          </a:extLst>
+        </p:spPr>
+      </p:pic>
     </p:spTree>
     <p:extLst>
       <p:ext uri="{BB962C8B-B14F-4D97-AF65-F5344CB8AC3E}">
-        <p14:creationId xmlns:p14="http://schemas.microsoft.com/office/powerpoint/2010/main" val="1771570508"/>
+        <p14:creationId xmlns:p14="http://schemas.microsoft.com/office/powerpoint/2010/main" val="3642831469"/>
       </p:ext>
     </p:extLst>
   </p:cSld>
@@ -8832,94 +9070,6 @@
       </p:grpSpPr>
       <p:sp>
         <p:nvSpPr>
-          <p:cNvPr id="14" name="Rezervirano mjesto teksta 13"/>
-          <p:cNvSpPr>
-            <a:spLocks noGrp="1"/>
-          </p:cNvSpPr>
-          <p:nvPr>
-            <p:ph type="body" idx="1"/>
-          </p:nvPr>
-        </p:nvSpPr>
-        <p:spPr>
-          <a:xfrm>
-            <a:off x="839788" y="2757608"/>
-            <a:ext cx="5157787" cy="823912"/>
-          </a:xfrm>
-        </p:spPr>
-        <p:txBody>
-          <a:bodyPr>
-            <a:normAutofit/>
-          </a:bodyPr>
-          <a:lstStyle/>
-          <a:p>
-            <a:pPr marL="457200" indent="-457200">
-              <a:buClr>
-                <a:srgbClr val="0066CC"/>
-              </a:buClr>
-              <a:buFont typeface="+mj-lt"/>
-              <a:buAutoNum type="arabicPeriod"/>
-            </a:pPr>
-            <a:r>
-              <a:rPr lang="hr-HR" sz="2800" b="0" dirty="0" err="1" smtClean="0">
-                <a:latin typeface="Coda" panose="020B0500000000000004" pitchFamily="34" charset="0"/>
-              </a:rPr>
-              <a:t>Fittsov</a:t>
-            </a:r>
-            <a:r>
-              <a:rPr lang="hr-HR" sz="2800" b="0" dirty="0" smtClean="0">
-                <a:latin typeface="Coda" panose="020B0500000000000004" pitchFamily="34" charset="0"/>
-              </a:rPr>
-              <a:t> zakon</a:t>
-            </a:r>
-          </a:p>
-        </p:txBody>
-      </p:sp>
-      <p:sp>
-        <p:nvSpPr>
-          <p:cNvPr id="15" name="Rezervirano mjesto teksta 14"/>
-          <p:cNvSpPr>
-            <a:spLocks noGrp="1"/>
-          </p:cNvSpPr>
-          <p:nvPr>
-            <p:ph type="body" sz="quarter" idx="3"/>
-          </p:nvPr>
-        </p:nvSpPr>
-        <p:spPr>
-          <a:xfrm>
-            <a:off x="6172200" y="2757608"/>
-            <a:ext cx="5183188" cy="823912"/>
-          </a:xfrm>
-        </p:spPr>
-        <p:txBody>
-          <a:bodyPr>
-            <a:normAutofit/>
-          </a:bodyPr>
-          <a:lstStyle/>
-          <a:p>
-            <a:pPr marL="457200" indent="-457200">
-              <a:buClr>
-                <a:srgbClr val="0066CC"/>
-              </a:buClr>
-              <a:buFont typeface="+mj-lt"/>
-              <a:buAutoNum type="arabicPeriod" startAt="2"/>
-            </a:pPr>
-            <a:r>
-              <a:rPr lang="hr-HR" sz="2800" b="0" dirty="0" err="1" smtClean="0">
-                <a:latin typeface="Coda" panose="020B0500000000000004" pitchFamily="34" charset="0"/>
-              </a:rPr>
-              <a:t>Hickov</a:t>
-            </a:r>
-            <a:r>
-              <a:rPr lang="hr-HR" sz="2800" b="0" dirty="0" smtClean="0">
-                <a:latin typeface="Coda" panose="020B0500000000000004" pitchFamily="34" charset="0"/>
-              </a:rPr>
-              <a:t> zakon</a:t>
-            </a:r>
-          </a:p>
-        </p:txBody>
-      </p:sp>
-      <p:sp>
-        <p:nvSpPr>
           <p:cNvPr id="4" name="Pravokutnik 3"/>
           <p:cNvSpPr/>
           <p:nvPr/>
@@ -8970,7 +9120,7 @@
           <p:nvPr/>
         </p:nvPicPr>
         <p:blipFill>
-          <a:blip r:embed="rId2">
+          <a:blip r:embed="rId3">
             <a:extLst>
               <a:ext uri="{28A0092B-C50C-407E-A947-70E740481C1C}">
                 <a14:useLocalDpi xmlns:a14="http://schemas.microsoft.com/office/drawing/2010/main" val="0"/>
@@ -8993,96 +9143,49 @@
       </p:pic>
       <p:sp>
         <p:nvSpPr>
-          <p:cNvPr id="6" name="Naslov 1"/>
-          <p:cNvSpPr txBox="1">
-            <a:spLocks/>
-          </p:cNvSpPr>
+          <p:cNvPr id="2" name="Rezervirano mjesto sadržaja 1"/>
+          <p:cNvSpPr>
+            <a:spLocks noGrp="1"/>
+          </p:cNvSpPr>
+          <p:nvPr>
+            <p:ph idx="1"/>
+          </p:nvPr>
+        </p:nvSpPr>
+        <p:spPr/>
+        <p:txBody>
+          <a:bodyPr/>
+          <a:lstStyle/>
+          <a:p>
+            <a:endParaRPr lang="hr-HR"/>
+          </a:p>
+        </p:txBody>
+      </p:sp>
+      <p:pic>
+        <p:nvPicPr>
+          <p:cNvPr id="6" name="Picture 23"/>
+          <p:cNvPicPr/>
           <p:nvPr/>
-        </p:nvSpPr>
-        <p:spPr>
-          <a:xfrm>
-            <a:off x="838200" y="1538989"/>
-            <a:ext cx="10515600" cy="1325563"/>
+        </p:nvPicPr>
+        <p:blipFill>
+          <a:blip r:embed="rId4"/>
+          <a:stretch>
+            <a:fillRect/>
+          </a:stretch>
+        </p:blipFill>
+        <p:spPr>
+          <a:xfrm>
+            <a:off x="0" y="336884"/>
+            <a:ext cx="12192000" cy="6543341"/>
           </a:xfrm>
           <a:prstGeom prst="rect">
             <a:avLst/>
           </a:prstGeom>
-        </p:spPr>
-        <p:txBody>
-          <a:bodyPr vert="horz" lIns="91440" tIns="45720" rIns="91440" bIns="45720" rtlCol="0" anchor="ctr">
-            <a:normAutofit/>
-          </a:bodyPr>
-          <a:lstStyle>
-            <a:lvl1pPr algn="l" defTabSz="914400" rtl="0" eaLnBrk="1" latinLnBrk="0" hangingPunct="1">
-              <a:lnSpc>
-                <a:spcPct val="90000"/>
-              </a:lnSpc>
-              <a:spcBef>
-                <a:spcPct val="0"/>
-              </a:spcBef>
-              <a:buNone/>
-              <a:defRPr sz="4400" kern="1200">
-                <a:solidFill>
-                  <a:schemeClr val="tx1"/>
-                </a:solidFill>
-                <a:latin typeface="+mj-lt"/>
-                <a:ea typeface="+mj-ea"/>
-                <a:cs typeface="+mj-cs"/>
-              </a:defRPr>
-            </a:lvl1pPr>
-          </a:lstStyle>
-          <a:p>
-            <a:r>
-              <a:rPr lang="hr-HR" dirty="0" smtClean="0">
-                <a:solidFill>
-                  <a:srgbClr val="0066CC"/>
-                </a:solidFill>
-                <a:latin typeface="Coda" panose="020B0500000000000004" pitchFamily="34" charset="0"/>
-              </a:rPr>
-              <a:t>Teorije niske razine</a:t>
-            </a:r>
-            <a:endParaRPr lang="hr-HR" dirty="0">
-              <a:solidFill>
-                <a:srgbClr val="0066CC"/>
-              </a:solidFill>
-              <a:latin typeface="Coda" panose="020B0500000000000004" pitchFamily="34" charset="0"/>
-            </a:endParaRPr>
-          </a:p>
-        </p:txBody>
-      </p:sp>
-      <p:pic>
-        <p:nvPicPr>
-          <p:cNvPr id="9" name="Slika 8"/>
-          <p:cNvPicPr/>
-          <p:nvPr/>
-        </p:nvPicPr>
-        <p:blipFill rotWithShape="1">
-          <a:blip r:embed="rId3"/>
-          <a:srcRect l="40049" t="55208" r="52589" b="39951"/>
-          <a:stretch/>
-        </p:blipFill>
-        <p:spPr bwMode="auto">
-          <a:xfrm>
-            <a:off x="1160740" y="4195405"/>
-            <a:ext cx="2897506" cy="1209468"/>
-          </a:xfrm>
-          <a:prstGeom prst="rect">
-            <a:avLst/>
-          </a:prstGeom>
-          <a:ln>
-            <a:noFill/>
-          </a:ln>
-          <a:extLst>
-            <a:ext uri="{53640926-AAD7-44D8-BBD7-CCE9431645EC}">
-              <a14:shadowObscured xmlns:a14="http://schemas.microsoft.com/office/drawing/2010/main"/>
-            </a:ext>
-          </a:extLst>
         </p:spPr>
       </p:pic>
     </p:spTree>
     <p:extLst>
       <p:ext uri="{BB962C8B-B14F-4D97-AF65-F5344CB8AC3E}">
-        <p14:creationId xmlns:p14="http://schemas.microsoft.com/office/powerpoint/2010/main" val="3642831469"/>
+        <p14:creationId xmlns:p14="http://schemas.microsoft.com/office/powerpoint/2010/main" val="3718436224"/>
       </p:ext>
     </p:extLst>
   </p:cSld>
@@ -9580,6 +9683,165 @@
           <a:chExt cx="0" cy="0"/>
         </a:xfrm>
       </p:grpSpPr>
+      <p:sp>
+        <p:nvSpPr>
+          <p:cNvPr id="4" name="Pravokutnik 3"/>
+          <p:cNvSpPr/>
+          <p:nvPr/>
+        </p:nvSpPr>
+        <p:spPr>
+          <a:xfrm>
+            <a:off x="0" y="0"/>
+            <a:ext cx="12192000" cy="1122363"/>
+          </a:xfrm>
+          <a:prstGeom prst="rect">
+            <a:avLst/>
+          </a:prstGeom>
+          <a:solidFill>
+            <a:srgbClr val="0066CC"/>
+          </a:solidFill>
+        </p:spPr>
+        <p:style>
+          <a:lnRef idx="2">
+            <a:schemeClr val="accent1">
+              <a:shade val="50000"/>
+            </a:schemeClr>
+          </a:lnRef>
+          <a:fillRef idx="1">
+            <a:schemeClr val="accent1"/>
+          </a:fillRef>
+          <a:effectRef idx="0">
+            <a:schemeClr val="accent1"/>
+          </a:effectRef>
+          <a:fontRef idx="minor">
+            <a:schemeClr val="lt1"/>
+          </a:fontRef>
+        </p:style>
+        <p:txBody>
+          <a:bodyPr rtlCol="0" anchor="ctr"/>
+          <a:lstStyle/>
+          <a:p>
+            <a:pPr algn="ctr"/>
+            <a:endParaRPr lang="hr-HR"/>
+          </a:p>
+        </p:txBody>
+      </p:sp>
+      <p:pic>
+        <p:nvPicPr>
+          <p:cNvPr id="5" name="Slika 4"/>
+          <p:cNvPicPr>
+            <a:picLocks noChangeAspect="1"/>
+          </p:cNvPicPr>
+          <p:nvPr/>
+        </p:nvPicPr>
+        <p:blipFill>
+          <a:blip r:embed="rId3">
+            <a:extLst>
+              <a:ext uri="{28A0092B-C50C-407E-A947-70E740481C1C}">
+                <a14:useLocalDpi xmlns:a14="http://schemas.microsoft.com/office/drawing/2010/main" val="0"/>
+              </a:ext>
+            </a:extLst>
+          </a:blip>
+          <a:stretch>
+            <a:fillRect/>
+          </a:stretch>
+        </p:blipFill>
+        <p:spPr>
+          <a:xfrm>
+            <a:off x="331730" y="146676"/>
+            <a:ext cx="829010" cy="829010"/>
+          </a:xfrm>
+          <a:prstGeom prst="rect">
+            <a:avLst/>
+          </a:prstGeom>
+        </p:spPr>
+      </p:pic>
+      <p:sp>
+        <p:nvSpPr>
+          <p:cNvPr id="2" name="Rezervirano mjesto sadržaja 1"/>
+          <p:cNvSpPr>
+            <a:spLocks noGrp="1"/>
+          </p:cNvSpPr>
+          <p:nvPr>
+            <p:ph idx="1"/>
+          </p:nvPr>
+        </p:nvSpPr>
+        <p:spPr/>
+        <p:txBody>
+          <a:bodyPr/>
+          <a:lstStyle/>
+          <a:p>
+            <a:endParaRPr lang="hr-HR" dirty="0"/>
+          </a:p>
+        </p:txBody>
+      </p:sp>
+      <p:pic>
+        <p:nvPicPr>
+          <p:cNvPr id="6" name="Picture 24"/>
+          <p:cNvPicPr/>
+          <p:nvPr/>
+        </p:nvPicPr>
+        <p:blipFill>
+          <a:blip r:embed="rId4"/>
+          <a:stretch>
+            <a:fillRect/>
+          </a:stretch>
+        </p:blipFill>
+        <p:spPr>
+          <a:xfrm>
+            <a:off x="0" y="385011"/>
+            <a:ext cx="12192000" cy="6472989"/>
+          </a:xfrm>
+          <a:prstGeom prst="rect">
+            <a:avLst/>
+          </a:prstGeom>
+        </p:spPr>
+      </p:pic>
+    </p:spTree>
+    <p:extLst>
+      <p:ext uri="{BB962C8B-B14F-4D97-AF65-F5344CB8AC3E}">
+        <p14:creationId xmlns:p14="http://schemas.microsoft.com/office/powerpoint/2010/main" val="1771570508"/>
+      </p:ext>
+    </p:extLst>
+  </p:cSld>
+  <p:clrMapOvr>
+    <a:masterClrMapping/>
+  </p:clrMapOvr>
+  <mc:AlternateContent xmlns:mc="http://schemas.openxmlformats.org/markup-compatibility/2006">
+    <mc:Choice xmlns:p14="http://schemas.microsoft.com/office/powerpoint/2010/main" Requires="p14">
+      <p:transition spd="slow" p14:dur="2000"/>
+    </mc:Choice>
+    <mc:Fallback>
+      <p:transition spd="slow"/>
+    </mc:Fallback>
+  </mc:AlternateContent>
+  <p:timing>
+    <p:tnLst>
+      <p:par>
+        <p:cTn id="1" dur="indefinite" restart="never" nodeType="tmRoot"/>
+      </p:par>
+    </p:tnLst>
+  </p:timing>
+</p:sld>
+</file>
+
+<file path=ppt/slides/slide29.xml><?xml version="1.0" encoding="utf-8"?>
+<p:sld xmlns:a="http://schemas.openxmlformats.org/drawingml/2006/main" xmlns:r="http://schemas.openxmlformats.org/officeDocument/2006/relationships" xmlns:p="http://schemas.openxmlformats.org/presentationml/2006/main">
+  <p:cSld>
+    <p:spTree>
+      <p:nvGrpSpPr>
+        <p:cNvPr id="1" name=""/>
+        <p:cNvGrpSpPr/>
+        <p:nvPr/>
+      </p:nvGrpSpPr>
+      <p:grpSpPr>
+        <a:xfrm>
+          <a:off x="0" y="0"/>
+          <a:ext cx="0" cy="0"/>
+          <a:chOff x="0" y="0"/>
+          <a:chExt cx="0" cy="0"/>
+        </a:xfrm>
+      </p:grpSpPr>
       <p:pic>
         <p:nvPicPr>
           <p:cNvPr id="5" name="Slika 4"/>
@@ -11572,11 +11834,11 @@
   <p:clrMapOvr>
     <a:masterClrMapping/>
   </p:clrMapOvr>
-  <mc:AlternateContent xmlns:mc="http://schemas.openxmlformats.org/markup-compatibility/2006">
-    <mc:Choice xmlns:p14="http://schemas.microsoft.com/office/powerpoint/2010/main" Requires="p14">
+  <mc:AlternateContent xmlns:mc="http://schemas.openxmlformats.org/markup-compatibility/2006" xmlns:p14="http://schemas.microsoft.com/office/powerpoint/2010/main">
+    <mc:Choice Requires="p14">
       <p:transition spd="slow" p14:dur="2000"/>
     </mc:Choice>
-    <mc:Fallback>
+    <mc:Fallback xmlns="">
       <p:transition spd="slow"/>
     </mc:Fallback>
   </mc:AlternateContent>
